--- a/unit3/Unit3a.pptx
+++ b/unit3/Unit3a.pptx
@@ -299,7 +299,7 @@
 <file path=ppt/revisionInfo.xml><?xml version="1.0" encoding="utf-8"?>
 <p1510:revInfo xmlns:a="http://schemas.openxmlformats.org/drawingml/2006/main" xmlns:r="http://schemas.openxmlformats.org/officeDocument/2006/relationships" xmlns:p1510="http://schemas.microsoft.com/office/powerpoint/2015/10/main">
   <p1510:revLst>
-    <p1510:client id="{C051B56B-BDC0-5140-9158-C6AF67221BA6}" v="1264" dt="2023-04-23T19:46:08.565"/>
+    <p1510:client id="{C051B56B-BDC0-5140-9158-C6AF67221BA6}" v="1594" dt="2023-04-24T12:33:32.511"/>
   </p1510:revLst>
 </p1510:revInfo>
 </file>
@@ -1014,7 +1014,7 @@
   <pc:docChgLst>
     <pc:chgData name="Christoph Lippert" userId="f1aa18828af4e242" providerId="LiveId" clId="{C051B56B-BDC0-5140-9158-C6AF67221BA6}"/>
     <pc:docChg chg="undo custSel addSld delSld modSld sldOrd modMainMaster">
-      <pc:chgData name="Christoph Lippert" userId="f1aa18828af4e242" providerId="LiveId" clId="{C051B56B-BDC0-5140-9158-C6AF67221BA6}" dt="2023-04-23T19:49:59.178" v="2518" actId="20577"/>
+      <pc:chgData name="Christoph Lippert" userId="f1aa18828af4e242" providerId="LiveId" clId="{C051B56B-BDC0-5140-9158-C6AF67221BA6}" dt="2023-04-24T12:33:32.511" v="3471"/>
       <pc:docMkLst>
         <pc:docMk/>
       </pc:docMkLst>
@@ -1057,13 +1057,13 @@
         </pc:spChg>
       </pc:sldChg>
       <pc:sldChg chg="modSp modAnim">
-        <pc:chgData name="Christoph Lippert" userId="f1aa18828af4e242" providerId="LiveId" clId="{C051B56B-BDC0-5140-9158-C6AF67221BA6}" dt="2023-04-23T13:43:38.826" v="507"/>
+        <pc:chgData name="Christoph Lippert" userId="f1aa18828af4e242" providerId="LiveId" clId="{C051B56B-BDC0-5140-9158-C6AF67221BA6}" dt="2023-04-24T09:43:24.163" v="2690" actId="20577"/>
         <pc:sldMkLst>
           <pc:docMk/>
           <pc:sldMk cId="1972405687" sldId="414"/>
         </pc:sldMkLst>
         <pc:spChg chg="mod">
-          <ac:chgData name="Christoph Lippert" userId="f1aa18828af4e242" providerId="LiveId" clId="{C051B56B-BDC0-5140-9158-C6AF67221BA6}" dt="2023-04-23T13:42:52.820" v="502" actId="20577"/>
+          <ac:chgData name="Christoph Lippert" userId="f1aa18828af4e242" providerId="LiveId" clId="{C051B56B-BDC0-5140-9158-C6AF67221BA6}" dt="2023-04-24T09:43:24.163" v="2690" actId="20577"/>
           <ac:spMkLst>
             <pc:docMk/>
             <pc:sldMk cId="1972405687" sldId="414"/>
@@ -1079,13 +1079,13 @@
         </pc:sldMkLst>
       </pc:sldChg>
       <pc:sldChg chg="modSp mod modAnim">
-        <pc:chgData name="Christoph Lippert" userId="f1aa18828af4e242" providerId="LiveId" clId="{C051B56B-BDC0-5140-9158-C6AF67221BA6}" dt="2023-04-23T19:43:34.223" v="2460" actId="14100"/>
+        <pc:chgData name="Christoph Lippert" userId="f1aa18828af4e242" providerId="LiveId" clId="{C051B56B-BDC0-5140-9158-C6AF67221BA6}" dt="2023-04-24T09:44:11.799" v="2692"/>
         <pc:sldMkLst>
           <pc:docMk/>
           <pc:sldMk cId="1980999623" sldId="442"/>
         </pc:sldMkLst>
         <pc:spChg chg="mod">
-          <ac:chgData name="Christoph Lippert" userId="f1aa18828af4e242" providerId="LiveId" clId="{C051B56B-BDC0-5140-9158-C6AF67221BA6}" dt="2023-04-23T19:43:34.223" v="2460" actId="14100"/>
+          <ac:chgData name="Christoph Lippert" userId="f1aa18828af4e242" providerId="LiveId" clId="{C051B56B-BDC0-5140-9158-C6AF67221BA6}" dt="2023-04-24T06:59:50.861" v="2620" actId="20577"/>
           <ac:spMkLst>
             <pc:docMk/>
             <pc:sldMk cId="1980999623" sldId="442"/>
@@ -1109,13 +1109,13 @@
         </pc:spChg>
       </pc:sldChg>
       <pc:sldChg chg="modSp mod modAnim">
-        <pc:chgData name="Christoph Lippert" userId="f1aa18828af4e242" providerId="LiveId" clId="{C051B56B-BDC0-5140-9158-C6AF67221BA6}" dt="2023-04-23T13:55:54.184" v="641" actId="20577"/>
+        <pc:chgData name="Christoph Lippert" userId="f1aa18828af4e242" providerId="LiveId" clId="{C051B56B-BDC0-5140-9158-C6AF67221BA6}" dt="2023-04-24T07:02:22.065" v="2643" actId="20577"/>
         <pc:sldMkLst>
           <pc:docMk/>
           <pc:sldMk cId="1916918103" sldId="444"/>
         </pc:sldMkLst>
         <pc:spChg chg="mod">
-          <ac:chgData name="Christoph Lippert" userId="f1aa18828af4e242" providerId="LiveId" clId="{C051B56B-BDC0-5140-9158-C6AF67221BA6}" dt="2023-04-23T13:55:19.195" v="640" actId="20577"/>
+          <ac:chgData name="Christoph Lippert" userId="f1aa18828af4e242" providerId="LiveId" clId="{C051B56B-BDC0-5140-9158-C6AF67221BA6}" dt="2023-04-24T07:02:22.065" v="2643" actId="20577"/>
           <ac:spMkLst>
             <pc:docMk/>
             <pc:sldMk cId="1916918103" sldId="444"/>
@@ -1132,13 +1132,13 @@
         </pc:spChg>
       </pc:sldChg>
       <pc:sldChg chg="modSp modAnim">
-        <pc:chgData name="Christoph Lippert" userId="f1aa18828af4e242" providerId="LiveId" clId="{C051B56B-BDC0-5140-9158-C6AF67221BA6}" dt="2023-04-23T19:45:25.562" v="2473" actId="113"/>
+        <pc:chgData name="Christoph Lippert" userId="f1aa18828af4e242" providerId="LiveId" clId="{C051B56B-BDC0-5140-9158-C6AF67221BA6}" dt="2023-04-24T07:04:09.252" v="2645"/>
         <pc:sldMkLst>
           <pc:docMk/>
           <pc:sldMk cId="399013784" sldId="445"/>
         </pc:sldMkLst>
         <pc:spChg chg="mod">
-          <ac:chgData name="Christoph Lippert" userId="f1aa18828af4e242" providerId="LiveId" clId="{C051B56B-BDC0-5140-9158-C6AF67221BA6}" dt="2023-04-23T19:45:25.562" v="2473" actId="113"/>
+          <ac:chgData name="Christoph Lippert" userId="f1aa18828af4e242" providerId="LiveId" clId="{C051B56B-BDC0-5140-9158-C6AF67221BA6}" dt="2023-04-24T07:03:22.753" v="2644" actId="20577"/>
           <ac:spMkLst>
             <pc:docMk/>
             <pc:sldMk cId="399013784" sldId="445"/>
@@ -1147,13 +1147,13 @@
         </pc:spChg>
       </pc:sldChg>
       <pc:sldChg chg="addSp modSp mod modAnim">
-        <pc:chgData name="Christoph Lippert" userId="f1aa18828af4e242" providerId="LiveId" clId="{C051B56B-BDC0-5140-9158-C6AF67221BA6}" dt="2023-04-23T19:46:13.583" v="2476" actId="14100"/>
+        <pc:chgData name="Christoph Lippert" userId="f1aa18828af4e242" providerId="LiveId" clId="{C051B56B-BDC0-5140-9158-C6AF67221BA6}" dt="2023-04-24T07:05:04.981" v="2647" actId="20577"/>
         <pc:sldMkLst>
           <pc:docMk/>
           <pc:sldMk cId="2320411243" sldId="446"/>
         </pc:sldMkLst>
         <pc:spChg chg="mod">
-          <ac:chgData name="Christoph Lippert" userId="f1aa18828af4e242" providerId="LiveId" clId="{C051B56B-BDC0-5140-9158-C6AF67221BA6}" dt="2023-04-23T13:52:09.397" v="604" actId="20577"/>
+          <ac:chgData name="Christoph Lippert" userId="f1aa18828af4e242" providerId="LiveId" clId="{C051B56B-BDC0-5140-9158-C6AF67221BA6}" dt="2023-04-24T07:04:54.816" v="2646" actId="20577"/>
           <ac:spMkLst>
             <pc:docMk/>
             <pc:sldMk cId="2320411243" sldId="446"/>
@@ -1169,8 +1169,8 @@
           </ac:spMkLst>
         </pc:spChg>
       </pc:sldChg>
-      <pc:sldChg chg="modSp mod">
-        <pc:chgData name="Christoph Lippert" userId="f1aa18828af4e242" providerId="LiveId" clId="{C051B56B-BDC0-5140-9158-C6AF67221BA6}" dt="2023-04-23T19:41:25.690" v="2459" actId="20577"/>
+      <pc:sldChg chg="modSp mod modAnim">
+        <pc:chgData name="Christoph Lippert" userId="f1aa18828af4e242" providerId="LiveId" clId="{C051B56B-BDC0-5140-9158-C6AF67221BA6}" dt="2023-04-24T09:45:31.257" v="2693"/>
         <pc:sldMkLst>
           <pc:docMk/>
           <pc:sldMk cId="1276806378" sldId="447"/>
@@ -1189,6 +1189,95 @@
             <pc:docMk/>
             <pc:sldMk cId="1276806378" sldId="447"/>
             <ac:spMk id="3" creationId="{3F828650-5970-2DAA-B997-2EC5B3A7B237}"/>
+          </ac:spMkLst>
+        </pc:spChg>
+      </pc:sldChg>
+      <pc:sldChg chg="modSp modAnim modNotesTx">
+        <pc:chgData name="Christoph Lippert" userId="f1aa18828af4e242" providerId="LiveId" clId="{C051B56B-BDC0-5140-9158-C6AF67221BA6}" dt="2023-04-24T09:52:33.136" v="2704" actId="20577"/>
+        <pc:sldMkLst>
+          <pc:docMk/>
+          <pc:sldMk cId="533728051" sldId="448"/>
+        </pc:sldMkLst>
+        <pc:spChg chg="mod">
+          <ac:chgData name="Christoph Lippert" userId="f1aa18828af4e242" providerId="LiveId" clId="{C051B56B-BDC0-5140-9158-C6AF67221BA6}" dt="2023-04-24T09:47:19.695" v="2702" actId="13926"/>
+          <ac:spMkLst>
+            <pc:docMk/>
+            <pc:sldMk cId="533728051" sldId="448"/>
+            <ac:spMk id="2" creationId="{A683FC68-3D21-1655-595E-1567B121CF0E}"/>
+          </ac:spMkLst>
+        </pc:spChg>
+      </pc:sldChg>
+      <pc:sldChg chg="modSp modAnim">
+        <pc:chgData name="Christoph Lippert" userId="f1aa18828af4e242" providerId="LiveId" clId="{C051B56B-BDC0-5140-9158-C6AF67221BA6}" dt="2023-04-24T09:52:25.760" v="2703" actId="13926"/>
+        <pc:sldMkLst>
+          <pc:docMk/>
+          <pc:sldMk cId="250167961" sldId="449"/>
+        </pc:sldMkLst>
+        <pc:spChg chg="mod">
+          <ac:chgData name="Christoph Lippert" userId="f1aa18828af4e242" providerId="LiveId" clId="{C051B56B-BDC0-5140-9158-C6AF67221BA6}" dt="2023-04-24T09:52:25.760" v="2703" actId="13926"/>
+          <ac:spMkLst>
+            <pc:docMk/>
+            <pc:sldMk cId="250167961" sldId="449"/>
+            <ac:spMk id="2" creationId="{894E93A2-B903-37AB-7F48-3081A77AD0AA}"/>
+          </ac:spMkLst>
+        </pc:spChg>
+      </pc:sldChg>
+      <pc:sldChg chg="modSp mod modAnim">
+        <pc:chgData name="Christoph Lippert" userId="f1aa18828af4e242" providerId="LiveId" clId="{C051B56B-BDC0-5140-9158-C6AF67221BA6}" dt="2023-04-24T09:57:46.336" v="2773"/>
+        <pc:sldMkLst>
+          <pc:docMk/>
+          <pc:sldMk cId="2234291853" sldId="450"/>
+        </pc:sldMkLst>
+        <pc:spChg chg="mod">
+          <ac:chgData name="Christoph Lippert" userId="f1aa18828af4e242" providerId="LiveId" clId="{C051B56B-BDC0-5140-9158-C6AF67221BA6}" dt="2023-04-24T09:57:39.251" v="2772" actId="20577"/>
+          <ac:spMkLst>
+            <pc:docMk/>
+            <pc:sldMk cId="2234291853" sldId="450"/>
+            <ac:spMk id="2" creationId="{74280AB8-1EEE-1C10-7AEF-5441DBE43B82}"/>
+          </ac:spMkLst>
+        </pc:spChg>
+      </pc:sldChg>
+      <pc:sldChg chg="modAnim">
+        <pc:chgData name="Christoph Lippert" userId="f1aa18828af4e242" providerId="LiveId" clId="{C051B56B-BDC0-5140-9158-C6AF67221BA6}" dt="2023-04-24T11:39:57.001" v="2777"/>
+        <pc:sldMkLst>
+          <pc:docMk/>
+          <pc:sldMk cId="2365500032" sldId="453"/>
+        </pc:sldMkLst>
+      </pc:sldChg>
+      <pc:sldChg chg="modAnim">
+        <pc:chgData name="Christoph Lippert" userId="f1aa18828af4e242" providerId="LiveId" clId="{C051B56B-BDC0-5140-9158-C6AF67221BA6}" dt="2023-04-24T12:01:31.619" v="2782"/>
+        <pc:sldMkLst>
+          <pc:docMk/>
+          <pc:sldMk cId="2288243555" sldId="455"/>
+        </pc:sldMkLst>
+      </pc:sldChg>
+      <pc:sldChg chg="modSp mod modAnim">
+        <pc:chgData name="Christoph Lippert" userId="f1aa18828af4e242" providerId="LiveId" clId="{C051B56B-BDC0-5140-9158-C6AF67221BA6}" dt="2023-04-24T12:10:35.556" v="2873"/>
+        <pc:sldMkLst>
+          <pc:docMk/>
+          <pc:sldMk cId="647999914" sldId="456"/>
+        </pc:sldMkLst>
+        <pc:spChg chg="mod">
+          <ac:chgData name="Christoph Lippert" userId="f1aa18828af4e242" providerId="LiveId" clId="{C051B56B-BDC0-5140-9158-C6AF67221BA6}" dt="2023-04-24T12:10:21.995" v="2872" actId="20577"/>
+          <ac:spMkLst>
+            <pc:docMk/>
+            <pc:sldMk cId="647999914" sldId="456"/>
+            <ac:spMk id="2" creationId="{69C3D68F-423A-211E-18A3-1E9EA46613C1}"/>
+          </ac:spMkLst>
+        </pc:spChg>
+      </pc:sldChg>
+      <pc:sldChg chg="modSp mod modAnim">
+        <pc:chgData name="Christoph Lippert" userId="f1aa18828af4e242" providerId="LiveId" clId="{C051B56B-BDC0-5140-9158-C6AF67221BA6}" dt="2023-04-24T12:12:52.147" v="2897" actId="20577"/>
+        <pc:sldMkLst>
+          <pc:docMk/>
+          <pc:sldMk cId="1759314584" sldId="457"/>
+        </pc:sldMkLst>
+        <pc:spChg chg="mod">
+          <ac:chgData name="Christoph Lippert" userId="f1aa18828af4e242" providerId="LiveId" clId="{C051B56B-BDC0-5140-9158-C6AF67221BA6}" dt="2023-04-24T12:12:52.147" v="2897" actId="20577"/>
+          <ac:spMkLst>
+            <pc:docMk/>
+            <pc:sldMk cId="1759314584" sldId="457"/>
+            <ac:spMk id="2" creationId="{970986FD-0C22-0437-1C28-6649CEAA3F0F}"/>
           </ac:spMkLst>
         </pc:spChg>
       </pc:sldChg>
@@ -1261,8 +1350,131 @@
           </ac:picMkLst>
         </pc:picChg>
       </pc:sldChg>
-      <pc:sldChg chg="addSp modSp mod">
-        <pc:chgData name="Christoph Lippert" userId="f1aa18828af4e242" providerId="LiveId" clId="{C051B56B-BDC0-5140-9158-C6AF67221BA6}" dt="2023-04-23T19:38:18.261" v="2458" actId="1038"/>
+      <pc:sldChg chg="addSp delSp modSp mod modAnim">
+        <pc:chgData name="Christoph Lippert" userId="f1aa18828af4e242" providerId="LiveId" clId="{C051B56B-BDC0-5140-9158-C6AF67221BA6}" dt="2023-04-24T12:31:42.429" v="3455"/>
+        <pc:sldMkLst>
+          <pc:docMk/>
+          <pc:sldMk cId="3031935932" sldId="461"/>
+        </pc:sldMkLst>
+        <pc:spChg chg="mod">
+          <ac:chgData name="Christoph Lippert" userId="f1aa18828af4e242" providerId="LiveId" clId="{C051B56B-BDC0-5140-9158-C6AF67221BA6}" dt="2023-04-24T12:30:18.652" v="3334" actId="1038"/>
+          <ac:spMkLst>
+            <pc:docMk/>
+            <pc:sldMk cId="3031935932" sldId="461"/>
+            <ac:spMk id="2" creationId="{922929CF-722D-963D-13F2-D91534012506}"/>
+          </ac:spMkLst>
+        </pc:spChg>
+        <pc:picChg chg="add del mod">
+          <ac:chgData name="Christoph Lippert" userId="f1aa18828af4e242" providerId="LiveId" clId="{C051B56B-BDC0-5140-9158-C6AF67221BA6}" dt="2023-04-24T12:30:07.867" v="3299" actId="478"/>
+          <ac:picMkLst>
+            <pc:docMk/>
+            <pc:sldMk cId="3031935932" sldId="461"/>
+            <ac:picMk id="4" creationId="{38D0D692-D1DF-C84E-C5C0-E9BADF628D28}"/>
+          </ac:picMkLst>
+        </pc:picChg>
+        <pc:picChg chg="add mod">
+          <ac:chgData name="Christoph Lippert" userId="f1aa18828af4e242" providerId="LiveId" clId="{C051B56B-BDC0-5140-9158-C6AF67221BA6}" dt="2023-04-24T12:30:12.142" v="3300"/>
+          <ac:picMkLst>
+            <pc:docMk/>
+            <pc:sldMk cId="3031935932" sldId="461"/>
+            <ac:picMk id="5" creationId="{EDD1B51E-873D-9724-CAE9-E3EADDB5F024}"/>
+          </ac:picMkLst>
+        </pc:picChg>
+      </pc:sldChg>
+      <pc:sldChg chg="addSp modSp mod modAnim">
+        <pc:chgData name="Christoph Lippert" userId="f1aa18828af4e242" providerId="LiveId" clId="{C051B56B-BDC0-5140-9158-C6AF67221BA6}" dt="2023-04-24T12:31:36.241" v="3454"/>
+        <pc:sldMkLst>
+          <pc:docMk/>
+          <pc:sldMk cId="3511251717" sldId="462"/>
+        </pc:sldMkLst>
+        <pc:spChg chg="mod">
+          <ac:chgData name="Christoph Lippert" userId="f1aa18828af4e242" providerId="LiveId" clId="{C051B56B-BDC0-5140-9158-C6AF67221BA6}" dt="2023-04-24T12:30:44.346" v="3379" actId="1036"/>
+          <ac:spMkLst>
+            <pc:docMk/>
+            <pc:sldMk cId="3511251717" sldId="462"/>
+            <ac:spMk id="2" creationId="{7867B6CD-C370-15F7-B30E-518B8DB7A0FC}"/>
+          </ac:spMkLst>
+        </pc:spChg>
+        <pc:picChg chg="add mod">
+          <ac:chgData name="Christoph Lippert" userId="f1aa18828af4e242" providerId="LiveId" clId="{C051B56B-BDC0-5140-9158-C6AF67221BA6}" dt="2023-04-24T12:30:27.944" v="3335"/>
+          <ac:picMkLst>
+            <pc:docMk/>
+            <pc:sldMk cId="3511251717" sldId="462"/>
+            <ac:picMk id="4" creationId="{98DC6CA1-5144-71B1-5E3B-118128CBC36B}"/>
+          </ac:picMkLst>
+        </pc:picChg>
+      </pc:sldChg>
+      <pc:sldChg chg="addSp modSp mod modAnim">
+        <pc:chgData name="Christoph Lippert" userId="f1aa18828af4e242" providerId="LiveId" clId="{C051B56B-BDC0-5140-9158-C6AF67221BA6}" dt="2023-04-24T12:32:00.975" v="3457"/>
+        <pc:sldMkLst>
+          <pc:docMk/>
+          <pc:sldMk cId="45975558" sldId="463"/>
+        </pc:sldMkLst>
+        <pc:spChg chg="mod">
+          <ac:chgData name="Christoph Lippert" userId="f1aa18828af4e242" providerId="LiveId" clId="{C051B56B-BDC0-5140-9158-C6AF67221BA6}" dt="2023-04-24T12:31:01.873" v="3413" actId="1038"/>
+          <ac:spMkLst>
+            <pc:docMk/>
+            <pc:sldMk cId="45975558" sldId="463"/>
+            <ac:spMk id="2" creationId="{2DDEF29B-7F17-5839-4F18-63D45E793D8B}"/>
+          </ac:spMkLst>
+        </pc:spChg>
+        <pc:picChg chg="add mod">
+          <ac:chgData name="Christoph Lippert" userId="f1aa18828af4e242" providerId="LiveId" clId="{C051B56B-BDC0-5140-9158-C6AF67221BA6}" dt="2023-04-24T12:30:53.075" v="3380"/>
+          <ac:picMkLst>
+            <pc:docMk/>
+            <pc:sldMk cId="45975558" sldId="463"/>
+            <ac:picMk id="4" creationId="{C39DF8FA-8572-3981-8C0E-D501A70FA9F0}"/>
+          </ac:picMkLst>
+        </pc:picChg>
+      </pc:sldChg>
+      <pc:sldChg chg="addSp modSp mod modAnim">
+        <pc:chgData name="Christoph Lippert" userId="f1aa18828af4e242" providerId="LiveId" clId="{C051B56B-BDC0-5140-9158-C6AF67221BA6}" dt="2023-04-24T12:32:10.196" v="3458"/>
+        <pc:sldMkLst>
+          <pc:docMk/>
+          <pc:sldMk cId="914829084" sldId="464"/>
+        </pc:sldMkLst>
+        <pc:spChg chg="mod">
+          <ac:chgData name="Christoph Lippert" userId="f1aa18828af4e242" providerId="LiveId" clId="{C051B56B-BDC0-5140-9158-C6AF67221BA6}" dt="2023-04-24T12:31:13.167" v="3452" actId="1037"/>
+          <ac:spMkLst>
+            <pc:docMk/>
+            <pc:sldMk cId="914829084" sldId="464"/>
+            <ac:spMk id="2" creationId="{C8892DB3-46E4-3B44-DECA-8CFB55451010}"/>
+          </ac:spMkLst>
+        </pc:spChg>
+        <pc:picChg chg="add mod">
+          <ac:chgData name="Christoph Lippert" userId="f1aa18828af4e242" providerId="LiveId" clId="{C051B56B-BDC0-5140-9158-C6AF67221BA6}" dt="2023-04-24T12:31:06.120" v="3414"/>
+          <ac:picMkLst>
+            <pc:docMk/>
+            <pc:sldMk cId="914829084" sldId="464"/>
+            <ac:picMk id="4" creationId="{A74459B9-206B-C364-F718-2052E0CF3DE1}"/>
+          </ac:picMkLst>
+        </pc:picChg>
+      </pc:sldChg>
+      <pc:sldChg chg="modSp mod">
+        <pc:chgData name="Christoph Lippert" userId="f1aa18828af4e242" providerId="LiveId" clId="{C051B56B-BDC0-5140-9158-C6AF67221BA6}" dt="2023-04-24T12:32:55.186" v="3467" actId="14"/>
+        <pc:sldMkLst>
+          <pc:docMk/>
+          <pc:sldMk cId="641964553" sldId="465"/>
+        </pc:sldMkLst>
+        <pc:spChg chg="mod">
+          <ac:chgData name="Christoph Lippert" userId="f1aa18828af4e242" providerId="LiveId" clId="{C051B56B-BDC0-5140-9158-C6AF67221BA6}" dt="2023-04-24T12:32:55.186" v="3467" actId="14"/>
+          <ac:spMkLst>
+            <pc:docMk/>
+            <pc:sldMk cId="641964553" sldId="465"/>
+            <ac:spMk id="2" creationId="{958C1202-919A-DF62-2BA1-7339D56535FC}"/>
+          </ac:spMkLst>
+        </pc:spChg>
+        <pc:spChg chg="mod">
+          <ac:chgData name="Christoph Lippert" userId="f1aa18828af4e242" providerId="LiveId" clId="{C051B56B-BDC0-5140-9158-C6AF67221BA6}" dt="2023-04-24T12:32:49.696" v="3465" actId="404"/>
+          <ac:spMkLst>
+            <pc:docMk/>
+            <pc:sldMk cId="641964553" sldId="465"/>
+            <ac:spMk id="3" creationId="{BF24D8A4-3B21-84AF-D7BD-F1416A1D555C}"/>
+          </ac:spMkLst>
+        </pc:spChg>
+      </pc:sldChg>
+      <pc:sldChg chg="addSp modSp mod modAnim">
+        <pc:chgData name="Christoph Lippert" userId="f1aa18828af4e242" providerId="LiveId" clId="{C051B56B-BDC0-5140-9158-C6AF67221BA6}" dt="2023-04-24T12:33:32.511" v="3471"/>
         <pc:sldMkLst>
           <pc:docMk/>
           <pc:sldMk cId="1786647470" sldId="466"/>
@@ -1376,8 +1588,8 @@
           <pc:sldMk cId="3050442453" sldId="470"/>
         </pc:sldMkLst>
       </pc:sldChg>
-      <pc:sldChg chg="addSp modSp new mod modNotesTx">
-        <pc:chgData name="Christoph Lippert" userId="f1aa18828af4e242" providerId="LiveId" clId="{C051B56B-BDC0-5140-9158-C6AF67221BA6}" dt="2023-04-23T13:41:53.333" v="495" actId="1076"/>
+      <pc:sldChg chg="addSp modSp new mod modAnim modNotesTx">
+        <pc:chgData name="Christoph Lippert" userId="f1aa18828af4e242" providerId="LiveId" clId="{C051B56B-BDC0-5140-9158-C6AF67221BA6}" dt="2023-04-24T06:58:15.243" v="2585"/>
         <pc:sldMkLst>
           <pc:docMk/>
           <pc:sldMk cId="1741552981" sldId="471"/>
@@ -1424,7 +1636,7 @@
         </pc:picChg>
       </pc:sldChg>
       <pc:sldChg chg="modSp add mod ord modAnim">
-        <pc:chgData name="Christoph Lippert" userId="f1aa18828af4e242" providerId="LiveId" clId="{C051B56B-BDC0-5140-9158-C6AF67221BA6}" dt="2023-04-23T19:32:24.273" v="2418" actId="1035"/>
+        <pc:chgData name="Christoph Lippert" userId="f1aa18828af4e242" providerId="LiveId" clId="{C051B56B-BDC0-5140-9158-C6AF67221BA6}" dt="2023-04-24T12:29:24.339" v="3295"/>
         <pc:sldMkLst>
           <pc:docMk/>
           <pc:sldMk cId="1911419120" sldId="472"/>
@@ -1446,12 +1658,20 @@
           </ac:picMkLst>
         </pc:picChg>
       </pc:sldChg>
-      <pc:sldChg chg="addSp delSp modSp add mod delAnim">
-        <pc:chgData name="Christoph Lippert" userId="f1aa18828af4e242" providerId="LiveId" clId="{C051B56B-BDC0-5140-9158-C6AF67221BA6}" dt="2023-04-23T14:19:49.691" v="726" actId="1076"/>
+      <pc:sldChg chg="addSp delSp modSp add mod delAnim modAnim modNotesTx">
+        <pc:chgData name="Christoph Lippert" userId="f1aa18828af4e242" providerId="LiveId" clId="{C051B56B-BDC0-5140-9158-C6AF67221BA6}" dt="2023-04-24T12:27:59.783" v="3291"/>
         <pc:sldMkLst>
           <pc:docMk/>
           <pc:sldMk cId="904831815" sldId="473"/>
         </pc:sldMkLst>
+        <pc:spChg chg="add mod">
+          <ac:chgData name="Christoph Lippert" userId="f1aa18828af4e242" providerId="LiveId" clId="{C051B56B-BDC0-5140-9158-C6AF67221BA6}" dt="2023-04-24T12:27:54.659" v="3290" actId="14100"/>
+          <ac:spMkLst>
+            <pc:docMk/>
+            <pc:sldMk cId="904831815" sldId="473"/>
+            <ac:spMk id="2" creationId="{10C87191-1F17-7B37-555F-7237C38A326C}"/>
+          </ac:spMkLst>
+        </pc:spChg>
         <pc:spChg chg="del">
           <ac:chgData name="Christoph Lippert" userId="f1aa18828af4e242" providerId="LiveId" clId="{C051B56B-BDC0-5140-9158-C6AF67221BA6}" dt="2023-04-23T14:19:30.651" v="723" actId="478"/>
           <ac:spMkLst>
@@ -1469,13 +1689,21 @@
           </ac:spMkLst>
         </pc:spChg>
         <pc:graphicFrameChg chg="add mod">
-          <ac:chgData name="Christoph Lippert" userId="f1aa18828af4e242" providerId="LiveId" clId="{C051B56B-BDC0-5140-9158-C6AF67221BA6}" dt="2023-04-23T14:19:49.691" v="726" actId="1076"/>
+          <ac:chgData name="Christoph Lippert" userId="f1aa18828af4e242" providerId="LiveId" clId="{C051B56B-BDC0-5140-9158-C6AF67221BA6}" dt="2023-04-24T12:27:04.736" v="3223" actId="1036"/>
           <ac:graphicFrameMkLst>
             <pc:docMk/>
             <pc:sldMk cId="904831815" sldId="473"/>
             <ac:graphicFrameMk id="7" creationId="{303E49F3-8D4B-FB55-900C-C847677636F4}"/>
           </ac:graphicFrameMkLst>
         </pc:graphicFrameChg>
+        <pc:picChg chg="mod">
+          <ac:chgData name="Christoph Lippert" userId="f1aa18828af4e242" providerId="LiveId" clId="{C051B56B-BDC0-5140-9158-C6AF67221BA6}" dt="2023-04-24T12:26:58.816" v="3220" actId="1035"/>
+          <ac:picMkLst>
+            <pc:docMk/>
+            <pc:sldMk cId="904831815" sldId="473"/>
+            <ac:picMk id="5" creationId="{9C29F5FB-A21A-8B68-2385-4E44C1CC232C}"/>
+          </ac:picMkLst>
+        </pc:picChg>
       </pc:sldChg>
       <pc:sldChg chg="addSp delSp modSp new mod ord">
         <pc:chgData name="Christoph Lippert" userId="f1aa18828af4e242" providerId="LiveId" clId="{C051B56B-BDC0-5140-9158-C6AF67221BA6}" dt="2023-04-23T19:30:01.738" v="2409" actId="20577"/>
@@ -1632,13 +1860,13 @@
         </pc:spChg>
       </pc:sldChg>
       <pc:sldChg chg="addSp delSp modSp new mod delAnim modAnim">
-        <pc:chgData name="Christoph Lippert" userId="f1aa18828af4e242" providerId="LiveId" clId="{C051B56B-BDC0-5140-9158-C6AF67221BA6}" dt="2023-04-23T19:13:06.660" v="2220"/>
+        <pc:chgData name="Christoph Lippert" userId="f1aa18828af4e242" providerId="LiveId" clId="{C051B56B-BDC0-5140-9158-C6AF67221BA6}" dt="2023-04-24T06:51:27.350" v="2579" actId="20577"/>
         <pc:sldMkLst>
           <pc:docMk/>
           <pc:sldMk cId="2802434625" sldId="479"/>
         </pc:sldMkLst>
         <pc:spChg chg="mod">
-          <ac:chgData name="Christoph Lippert" userId="f1aa18828af4e242" providerId="LiveId" clId="{C051B56B-BDC0-5140-9158-C6AF67221BA6}" dt="2023-04-23T19:12:47.669" v="2214" actId="20577"/>
+          <ac:chgData name="Christoph Lippert" userId="f1aa18828af4e242" providerId="LiveId" clId="{C051B56B-BDC0-5140-9158-C6AF67221BA6}" dt="2023-04-24T06:51:27.350" v="2579" actId="20577"/>
           <ac:spMkLst>
             <pc:docMk/>
             <pc:sldMk cId="2802434625" sldId="479"/>
@@ -1686,12 +1914,20 @@
           </ac:picMkLst>
         </pc:picChg>
       </pc:sldChg>
-      <pc:sldChg chg="delSp add mod">
-        <pc:chgData name="Christoph Lippert" userId="f1aa18828af4e242" providerId="LiveId" clId="{C051B56B-BDC0-5140-9158-C6AF67221BA6}" dt="2023-04-23T16:04:53.897" v="1323" actId="478"/>
+      <pc:sldChg chg="addSp delSp modSp add mod modAnim">
+        <pc:chgData name="Christoph Lippert" userId="f1aa18828af4e242" providerId="LiveId" clId="{C051B56B-BDC0-5140-9158-C6AF67221BA6}" dt="2023-04-24T06:55:09.784" v="2582"/>
         <pc:sldMkLst>
           <pc:docMk/>
           <pc:sldMk cId="2786945756" sldId="480"/>
         </pc:sldMkLst>
+        <pc:spChg chg="add mod">
+          <ac:chgData name="Christoph Lippert" userId="f1aa18828af4e242" providerId="LiveId" clId="{C051B56B-BDC0-5140-9158-C6AF67221BA6}" dt="2023-04-24T06:53:28.725" v="2581" actId="767"/>
+          <ac:spMkLst>
+            <pc:docMk/>
+            <pc:sldMk cId="2786945756" sldId="480"/>
+            <ac:spMk id="4" creationId="{B770F674-EE41-18AF-0A15-8C48C8919B03}"/>
+          </ac:spMkLst>
+        </pc:spChg>
         <pc:spChg chg="del">
           <ac:chgData name="Christoph Lippert" userId="f1aa18828af4e242" providerId="LiveId" clId="{C051B56B-BDC0-5140-9158-C6AF67221BA6}" dt="2023-04-23T16:04:53.897" v="1323" actId="478"/>
           <ac:spMkLst>
@@ -2781,7 +3017,7 @@
             <a:fld id="{AA592FF2-A4BD-4E98-AC76-A10007E04C10}" type="datetimeFigureOut">
               <a:rPr lang="en-US" smtClean="0"/>
               <a:pPr/>
-              <a:t>4/23/23</a:t>
+              <a:t>4/24/23</a:t>
             </a:fld>
             <a:endParaRPr lang="en-US" dirty="0"/>
           </a:p>
@@ -3638,7 +3874,7 @@
             <a:fld id="{AA592FF2-A4BD-4E98-AC76-A10007E04C10}" type="datetimeFigureOut">
               <a:rPr lang="en-US" smtClean="0"/>
               <a:pPr/>
-              <a:t>4/23/23</a:t>
+              <a:t>4/24/23</a:t>
             </a:fld>
             <a:endParaRPr lang="en-US" dirty="0"/>
           </a:p>
@@ -11886,7 +12122,46 @@
           <a:bodyPr/>
           <a:lstStyle/>
           <a:p>
+            <a:r>
+              <a:rPr lang="en-DE" dirty="0"/>
+              <a:t>Z=0,1, 2,3,4,5,6,7,8,9 </a:t>
+            </a:r>
+          </a:p>
+          <a:p>
+            <a:r>
+              <a:rPr lang="en-DE" dirty="0"/>
+              <a:t>Z zählt Anzahl durchläufe der Schleife (wievielte Quadratzahl ist es in diesem Durchlauf?, i.e. Wurzel des nächsten W)</a:t>
+            </a:r>
+          </a:p>
+          <a:p>
             <a:endParaRPr lang="en-DE" dirty="0"/>
+          </a:p>
+          <a:p>
+            <a:r>
+              <a:rPr lang="en-DE" dirty="0"/>
+              <a:t>Y=1,3,5,7,9,11,13,15,17,19</a:t>
+            </a:r>
+          </a:p>
+          <a:p>
+            <a:r>
+              <a:rPr lang="en-DE" dirty="0"/>
+              <a:t>Y ungeraden Zahlen</a:t>
+            </a:r>
+          </a:p>
+          <a:p>
+            <a:endParaRPr lang="en-DE" dirty="0"/>
+          </a:p>
+          <a:p>
+            <a:r>
+              <a:rPr lang="en-DE" dirty="0"/>
+              <a:t>alter Wert + altes Y + 2 (Quadrat des Durchgangs)</a:t>
+            </a:r>
+          </a:p>
+          <a:p>
+            <a:r>
+              <a:rPr lang="en-DE" dirty="0"/>
+              <a:t>W=1,4,9,16,25,36,49,64,81,100</a:t>
+            </a:r>
           </a:p>
         </p:txBody>
       </p:sp>
@@ -21462,6 +21737,202 @@
   <p:transition spd="slow">
     <p:wipe dir="u"/>
   </p:transition>
+  <p:timing>
+    <p:tnLst>
+      <p:par>
+        <p:cTn id="1" dur="indefinite" restart="never" nodeType="tmRoot">
+          <p:childTnLst>
+            <p:seq concurrent="1" nextAc="seek">
+              <p:cTn id="2" dur="indefinite" nodeType="mainSeq">
+                <p:childTnLst>
+                  <p:par>
+                    <p:cTn id="3" fill="hold">
+                      <p:stCondLst>
+                        <p:cond delay="indefinite"/>
+                        <p:cond evt="onBegin" delay="0">
+                          <p:tn val="2"/>
+                        </p:cond>
+                      </p:stCondLst>
+                      <p:childTnLst>
+                        <p:par>
+                          <p:cTn id="4" fill="hold">
+                            <p:stCondLst>
+                              <p:cond delay="0"/>
+                            </p:stCondLst>
+                            <p:childTnLst>
+                              <p:par>
+                                <p:cTn id="5" presetID="1" presetClass="entr" presetSubtype="0" fill="hold" grpId="0" nodeType="withEffect">
+                                  <p:stCondLst>
+                                    <p:cond delay="0"/>
+                                  </p:stCondLst>
+                                  <p:childTnLst>
+                                    <p:set>
+                                      <p:cBhvr>
+                                        <p:cTn id="6" dur="1" fill="hold">
+                                          <p:stCondLst>
+                                            <p:cond delay="0"/>
+                                          </p:stCondLst>
+                                        </p:cTn>
+                                        <p:tgtEl>
+                                          <p:spTgt spid="2">
+                                            <p:txEl>
+                                              <p:pRg st="0" end="0"/>
+                                            </p:txEl>
+                                          </p:spTgt>
+                                        </p:tgtEl>
+                                        <p:attrNameLst>
+                                          <p:attrName>style.visibility</p:attrName>
+                                        </p:attrNameLst>
+                                      </p:cBhvr>
+                                      <p:to>
+                                        <p:strVal val="visible"/>
+                                      </p:to>
+                                    </p:set>
+                                  </p:childTnLst>
+                                </p:cTn>
+                              </p:par>
+                              <p:par>
+                                <p:cTn id="7" presetID="1" presetClass="entr" presetSubtype="0" fill="hold" grpId="0" nodeType="withEffect">
+                                  <p:stCondLst>
+                                    <p:cond delay="0"/>
+                                  </p:stCondLst>
+                                  <p:childTnLst>
+                                    <p:set>
+                                      <p:cBhvr>
+                                        <p:cTn id="8" dur="1" fill="hold">
+                                          <p:stCondLst>
+                                            <p:cond delay="0"/>
+                                          </p:stCondLst>
+                                        </p:cTn>
+                                        <p:tgtEl>
+                                          <p:spTgt spid="2">
+                                            <p:txEl>
+                                              <p:pRg st="4" end="4"/>
+                                            </p:txEl>
+                                          </p:spTgt>
+                                        </p:tgtEl>
+                                        <p:attrNameLst>
+                                          <p:attrName>style.visibility</p:attrName>
+                                        </p:attrNameLst>
+                                      </p:cBhvr>
+                                      <p:to>
+                                        <p:strVal val="visible"/>
+                                      </p:to>
+                                    </p:set>
+                                  </p:childTnLst>
+                                </p:cTn>
+                              </p:par>
+                            </p:childTnLst>
+                          </p:cTn>
+                        </p:par>
+                      </p:childTnLst>
+                    </p:cTn>
+                  </p:par>
+                  <p:par>
+                    <p:cTn id="9" fill="hold">
+                      <p:stCondLst>
+                        <p:cond delay="indefinite"/>
+                      </p:stCondLst>
+                      <p:childTnLst>
+                        <p:par>
+                          <p:cTn id="10" fill="hold">
+                            <p:stCondLst>
+                              <p:cond delay="0"/>
+                            </p:stCondLst>
+                            <p:childTnLst>
+                              <p:par>
+                                <p:cTn id="11" presetID="1" presetClass="entr" presetSubtype="0" fill="hold" grpId="0" nodeType="clickEffect">
+                                  <p:stCondLst>
+                                    <p:cond delay="0"/>
+                                  </p:stCondLst>
+                                  <p:childTnLst>
+                                    <p:set>
+                                      <p:cBhvr>
+                                        <p:cTn id="12" dur="1" fill="hold">
+                                          <p:stCondLst>
+                                            <p:cond delay="0"/>
+                                          </p:stCondLst>
+                                        </p:cTn>
+                                        <p:tgtEl>
+                                          <p:spTgt spid="2">
+                                            <p:txEl>
+                                              <p:pRg st="5" end="5"/>
+                                            </p:txEl>
+                                          </p:spTgt>
+                                        </p:tgtEl>
+                                        <p:attrNameLst>
+                                          <p:attrName>style.visibility</p:attrName>
+                                        </p:attrNameLst>
+                                      </p:cBhvr>
+                                      <p:to>
+                                        <p:strVal val="visible"/>
+                                      </p:to>
+                                    </p:set>
+                                  </p:childTnLst>
+                                </p:cTn>
+                              </p:par>
+                              <p:par>
+                                <p:cTn id="13" presetID="1" presetClass="entr" presetSubtype="0" fill="hold" grpId="0" nodeType="withEffect">
+                                  <p:stCondLst>
+                                    <p:cond delay="0"/>
+                                  </p:stCondLst>
+                                  <p:childTnLst>
+                                    <p:set>
+                                      <p:cBhvr>
+                                        <p:cTn id="14" dur="1" fill="hold">
+                                          <p:stCondLst>
+                                            <p:cond delay="0"/>
+                                          </p:stCondLst>
+                                        </p:cTn>
+                                        <p:tgtEl>
+                                          <p:spTgt spid="2">
+                                            <p:txEl>
+                                              <p:pRg st="6" end="6"/>
+                                            </p:txEl>
+                                          </p:spTgt>
+                                        </p:tgtEl>
+                                        <p:attrNameLst>
+                                          <p:attrName>style.visibility</p:attrName>
+                                        </p:attrNameLst>
+                                      </p:cBhvr>
+                                      <p:to>
+                                        <p:strVal val="visible"/>
+                                      </p:to>
+                                    </p:set>
+                                  </p:childTnLst>
+                                </p:cTn>
+                              </p:par>
+                            </p:childTnLst>
+                          </p:cTn>
+                        </p:par>
+                      </p:childTnLst>
+                    </p:cTn>
+                  </p:par>
+                </p:childTnLst>
+              </p:cTn>
+              <p:prevCondLst>
+                <p:cond evt="onPrev" delay="0">
+                  <p:tgtEl>
+                    <p:sldTgt/>
+                  </p:tgtEl>
+                </p:cond>
+              </p:prevCondLst>
+              <p:nextCondLst>
+                <p:cond evt="onNext" delay="0">
+                  <p:tgtEl>
+                    <p:sldTgt/>
+                  </p:tgtEl>
+                </p:cond>
+              </p:nextCondLst>
+            </p:seq>
+          </p:childTnLst>
+        </p:cTn>
+      </p:par>
+    </p:tnLst>
+    <p:bldLst>
+      <p:bldP spid="2" grpId="0" uiExpand="1" build="p"/>
+    </p:bldLst>
+  </p:timing>
 </p:sld>
 </file>
 
@@ -21529,18 +22000,12 @@
             <a:pPr lvl="1"/>
             <a:r>
               <a:rPr lang="de-DE" altLang="de-DE" dirty="0"/>
-              <a:t>Beweisführung im Einzelfall</a:t>
+              <a:t>Beweisführung</a:t>
             </a:r>
           </a:p>
           <a:p>
             <a:pPr lvl="1"/>
             <a:endParaRPr lang="de-DE" altLang="de-DE" dirty="0"/>
-          </a:p>
-          <a:p>
-            <a:r>
-              <a:rPr lang="de-DE" altLang="de-DE" dirty="0"/>
-              <a:t>In dieser Vorlesung nur einfache Beispiele</a:t>
-            </a:r>
           </a:p>
         </p:txBody>
       </p:sp>
@@ -21805,67 +22270,6 @@
                       </p:childTnLst>
                     </p:cTn>
                   </p:par>
-                  <p:par>
-                    <p:cTn id="19" fill="hold">
-                      <p:stCondLst>
-                        <p:cond delay="indefinite"/>
-                      </p:stCondLst>
-                      <p:childTnLst>
-                        <p:par>
-                          <p:cTn id="20" fill="hold">
-                            <p:stCondLst>
-                              <p:cond delay="0"/>
-                            </p:stCondLst>
-                            <p:childTnLst>
-                              <p:par>
-                                <p:cTn id="21" presetID="9" presetClass="entr" presetSubtype="0" fill="hold" nodeType="clickEffect">
-                                  <p:stCondLst>
-                                    <p:cond delay="0"/>
-                                  </p:stCondLst>
-                                  <p:childTnLst>
-                                    <p:set>
-                                      <p:cBhvr>
-                                        <p:cTn id="22" dur="1" fill="hold">
-                                          <p:stCondLst>
-                                            <p:cond delay="0"/>
-                                          </p:stCondLst>
-                                        </p:cTn>
-                                        <p:tgtEl>
-                                          <p:spTgt spid="2">
-                                            <p:txEl>
-                                              <p:pRg st="5" end="5"/>
-                                            </p:txEl>
-                                          </p:spTgt>
-                                        </p:tgtEl>
-                                        <p:attrNameLst>
-                                          <p:attrName>style.visibility</p:attrName>
-                                        </p:attrNameLst>
-                                      </p:cBhvr>
-                                      <p:to>
-                                        <p:strVal val="visible"/>
-                                      </p:to>
-                                    </p:set>
-                                    <p:animEffect transition="in" filter="dissolve">
-                                      <p:cBhvr>
-                                        <p:cTn id="23" dur="500"/>
-                                        <p:tgtEl>
-                                          <p:spTgt spid="2">
-                                            <p:txEl>
-                                              <p:pRg st="5" end="5"/>
-                                            </p:txEl>
-                                          </p:spTgt>
-                                        </p:tgtEl>
-                                      </p:cBhvr>
-                                    </p:animEffect>
-                                  </p:childTnLst>
-                                </p:cTn>
-                              </p:par>
-                            </p:childTnLst>
-                          </p:cTn>
-                        </p:par>
-                      </p:childTnLst>
-                    </p:cTn>
-                  </p:par>
                 </p:childTnLst>
               </p:cTn>
               <p:prevCondLst>
@@ -21936,7 +22340,7 @@
           <a:p>
             <a:r>
               <a:rPr lang="de-DE" altLang="de-DE" dirty="0"/>
-              <a:t>Der Nachweis der Korrektheit eines Algorithmus bezieht sich immer auf eine Spezifikation dessen, was er tun soll.</a:t>
+              <a:t>Korrektheit bezieht sich immer auf eine Spezifikation.</a:t>
             </a:r>
           </a:p>
           <a:p>
@@ -22054,9 +22458,6 @@
                     <p:cTn id="3" fill="hold">
                       <p:stCondLst>
                         <p:cond delay="indefinite"/>
-                        <p:cond evt="onBegin" delay="0">
-                          <p:tn val="2"/>
-                        </p:cond>
                       </p:stCondLst>
                       <p:childTnLst>
                         <p:par>
@@ -22066,7 +22467,7 @@
                             </p:stCondLst>
                             <p:childTnLst>
                               <p:par>
-                                <p:cTn id="5" presetID="1" presetClass="entr" presetSubtype="0" fill="hold" grpId="0" nodeType="withEffect">
+                                <p:cTn id="5" presetID="1" presetClass="entr" presetSubtype="0" fill="hold" grpId="0" nodeType="clickEffect">
                                   <p:stCondLst>
                                     <p:cond delay="0"/>
                                   </p:stCondLst>
@@ -22074,104 +22475,6 @@
                                     <p:set>
                                       <p:cBhvr>
                                         <p:cTn id="6" dur="1" fill="hold">
-                                          <p:stCondLst>
-                                            <p:cond delay="0"/>
-                                          </p:stCondLst>
-                                        </p:cTn>
-                                        <p:tgtEl>
-                                          <p:spTgt spid="2">
-                                            <p:txEl>
-                                              <p:pRg st="0" end="0"/>
-                                            </p:txEl>
-                                          </p:spTgt>
-                                        </p:tgtEl>
-                                        <p:attrNameLst>
-                                          <p:attrName>style.visibility</p:attrName>
-                                        </p:attrNameLst>
-                                      </p:cBhvr>
-                                      <p:to>
-                                        <p:strVal val="visible"/>
-                                      </p:to>
-                                    </p:set>
-                                  </p:childTnLst>
-                                </p:cTn>
-                              </p:par>
-                            </p:childTnLst>
-                          </p:cTn>
-                        </p:par>
-                      </p:childTnLst>
-                    </p:cTn>
-                  </p:par>
-                  <p:par>
-                    <p:cTn id="7" fill="hold">
-                      <p:stCondLst>
-                        <p:cond delay="indefinite"/>
-                      </p:stCondLst>
-                      <p:childTnLst>
-                        <p:par>
-                          <p:cTn id="8" fill="hold">
-                            <p:stCondLst>
-                              <p:cond delay="0"/>
-                            </p:stCondLst>
-                            <p:childTnLst>
-                              <p:par>
-                                <p:cTn id="9" presetID="1" presetClass="entr" presetSubtype="0" fill="hold" grpId="0" nodeType="clickEffect">
-                                  <p:stCondLst>
-                                    <p:cond delay="0"/>
-                                  </p:stCondLst>
-                                  <p:childTnLst>
-                                    <p:set>
-                                      <p:cBhvr>
-                                        <p:cTn id="10" dur="1" fill="hold">
-                                          <p:stCondLst>
-                                            <p:cond delay="0"/>
-                                          </p:stCondLst>
-                                        </p:cTn>
-                                        <p:tgtEl>
-                                          <p:spTgt spid="2">
-                                            <p:txEl>
-                                              <p:pRg st="1" end="1"/>
-                                            </p:txEl>
-                                          </p:spTgt>
-                                        </p:tgtEl>
-                                        <p:attrNameLst>
-                                          <p:attrName>style.visibility</p:attrName>
-                                        </p:attrNameLst>
-                                      </p:cBhvr>
-                                      <p:to>
-                                        <p:strVal val="visible"/>
-                                      </p:to>
-                                    </p:set>
-                                  </p:childTnLst>
-                                </p:cTn>
-                              </p:par>
-                            </p:childTnLst>
-                          </p:cTn>
-                        </p:par>
-                      </p:childTnLst>
-                    </p:cTn>
-                  </p:par>
-                  <p:par>
-                    <p:cTn id="11" fill="hold">
-                      <p:stCondLst>
-                        <p:cond delay="indefinite"/>
-                      </p:stCondLst>
-                      <p:childTnLst>
-                        <p:par>
-                          <p:cTn id="12" fill="hold">
-                            <p:stCondLst>
-                              <p:cond delay="0"/>
-                            </p:stCondLst>
-                            <p:childTnLst>
-                              <p:par>
-                                <p:cTn id="13" presetID="1" presetClass="entr" presetSubtype="0" fill="hold" grpId="0" nodeType="clickEffect">
-                                  <p:stCondLst>
-                                    <p:cond delay="0"/>
-                                  </p:stCondLst>
-                                  <p:childTnLst>
-                                    <p:set>
-                                      <p:cBhvr>
-                                        <p:cTn id="14" dur="1" fill="hold">
                                           <p:stCondLst>
                                             <p:cond delay="0"/>
                                           </p:stCondLst>
@@ -22195,14 +22498,14 @@
                                 </p:cTn>
                               </p:par>
                               <p:par>
-                                <p:cTn id="15" presetID="1" presetClass="entr" presetSubtype="0" fill="hold" grpId="0" nodeType="withEffect">
+                                <p:cTn id="7" presetID="1" presetClass="entr" presetSubtype="0" fill="hold" grpId="0" nodeType="withEffect">
                                   <p:stCondLst>
                                     <p:cond delay="0"/>
                                   </p:stCondLst>
                                   <p:childTnLst>
                                     <p:set>
                                       <p:cBhvr>
-                                        <p:cTn id="16" dur="1" fill="hold">
+                                        <p:cTn id="8" dur="1" fill="hold">
                                           <p:stCondLst>
                                             <p:cond delay="0"/>
                                           </p:stCondLst>
@@ -22232,26 +22535,26 @@
                     </p:cTn>
                   </p:par>
                   <p:par>
-                    <p:cTn id="17" fill="hold">
+                    <p:cTn id="9" fill="hold">
                       <p:stCondLst>
                         <p:cond delay="indefinite"/>
                       </p:stCondLst>
                       <p:childTnLst>
                         <p:par>
-                          <p:cTn id="18" fill="hold">
+                          <p:cTn id="10" fill="hold">
                             <p:stCondLst>
                               <p:cond delay="0"/>
                             </p:stCondLst>
                             <p:childTnLst>
                               <p:par>
-                                <p:cTn id="19" presetID="1" presetClass="entr" presetSubtype="0" fill="hold" grpId="0" nodeType="clickEffect">
+                                <p:cTn id="11" presetID="1" presetClass="entr" presetSubtype="0" fill="hold" grpId="0" nodeType="clickEffect">
                                   <p:stCondLst>
                                     <p:cond delay="0"/>
                                   </p:stCondLst>
                                   <p:childTnLst>
                                     <p:set>
                                       <p:cBhvr>
-                                        <p:cTn id="20" dur="1" fill="hold">
+                                        <p:cTn id="12" dur="1" fill="hold">
                                           <p:stCondLst>
                                             <p:cond delay="0"/>
                                           </p:stCondLst>
@@ -22281,26 +22584,26 @@
                     </p:cTn>
                   </p:par>
                   <p:par>
-                    <p:cTn id="21" fill="hold">
+                    <p:cTn id="13" fill="hold">
                       <p:stCondLst>
                         <p:cond delay="indefinite"/>
                       </p:stCondLst>
                       <p:childTnLst>
                         <p:par>
-                          <p:cTn id="22" fill="hold">
+                          <p:cTn id="14" fill="hold">
                             <p:stCondLst>
                               <p:cond delay="0"/>
                             </p:stCondLst>
                             <p:childTnLst>
                               <p:par>
-                                <p:cTn id="23" presetID="1" presetClass="entr" presetSubtype="0" fill="hold" grpId="0" nodeType="clickEffect">
+                                <p:cTn id="15" presetID="1" presetClass="entr" presetSubtype="0" fill="hold" grpId="0" nodeType="clickEffect">
                                   <p:stCondLst>
                                     <p:cond delay="0"/>
                                   </p:stCondLst>
                                   <p:childTnLst>
                                     <p:set>
                                       <p:cBhvr>
-                                        <p:cTn id="24" dur="1" fill="hold">
+                                        <p:cTn id="16" dur="1" fill="hold">
                                           <p:stCondLst>
                                             <p:cond delay="0"/>
                                           </p:stCondLst>
@@ -22324,14 +22627,14 @@
                                 </p:cTn>
                               </p:par>
                               <p:par>
-                                <p:cTn id="25" presetID="1" presetClass="entr" presetSubtype="0" fill="hold" grpId="0" nodeType="withEffect">
+                                <p:cTn id="17" presetID="1" presetClass="entr" presetSubtype="0" fill="hold" grpId="0" nodeType="withEffect">
                                   <p:stCondLst>
                                     <p:cond delay="0"/>
                                   </p:stCondLst>
                                   <p:childTnLst>
                                     <p:set>
                                       <p:cBhvr>
-                                        <p:cTn id="26" dur="1" fill="hold">
+                                        <p:cTn id="18" dur="1" fill="hold">
                                           <p:stCondLst>
                                             <p:cond delay="0"/>
                                           </p:stCondLst>
@@ -23133,7 +23436,7 @@
             <a:pPr lvl="1"/>
             <a:r>
               <a:rPr lang="de-DE" altLang="de-DE" sz="1100" dirty="0"/>
-              <a:t>VOR und NACH sind logischen Formeln der Prädikatenlogik.</a:t>
+              <a:t>VOR und NACH sind logische Formeln der Prädikatenlogik.</a:t>
             </a:r>
           </a:p>
           <a:p>
@@ -23146,7 +23449,7 @@
           <a:p>
             <a:r>
               <a:rPr lang="de-DE" altLang="de-DE" sz="1100" dirty="0"/>
-              <a:t>{ X == 0 }  X := X + 1  { X == 1 } </a:t>
+              <a:t>{ X = 0 }  X := X + 1  { X = 1 } </a:t>
             </a:r>
           </a:p>
           <a:p>
@@ -23167,7 +23470,7 @@
             </a:r>
             <a:r>
               <a:rPr lang="de-DE" altLang="de-DE" sz="1100" dirty="0"/>
-              <a:t> }  X := Y  { X == Y }</a:t>
+              <a:t> }  X := Y  { X = Y }</a:t>
             </a:r>
           </a:p>
           <a:p>
@@ -23180,7 +23483,7 @@
           <a:p>
             <a:r>
               <a:rPr lang="de-DE" altLang="de-DE" sz="1100" dirty="0"/>
-              <a:t>{ Y == a }  X = Y  { X == a </a:t>
+              <a:t>{ Y = a }  X := Y  { X = a </a:t>
             </a:r>
             <a:r>
               <a:rPr lang="de-DE" altLang="de-DE" sz="1100" dirty="0">
@@ -23191,7 +23494,7 @@
             </a:r>
             <a:r>
               <a:rPr lang="de-DE" altLang="de-DE" sz="1100" dirty="0"/>
-              <a:t> Y == a }</a:t>
+              <a:t> Y = a }</a:t>
             </a:r>
           </a:p>
           <a:p>
@@ -23217,7 +23520,7 @@
           <a:p>
             <a:r>
               <a:rPr lang="de-DE" altLang="de-DE" sz="1100" dirty="0"/>
-              <a:t>{ X == a </a:t>
+              <a:t>{ X = a </a:t>
             </a:r>
             <a:r>
               <a:rPr lang="de-DE" altLang="de-DE" sz="1100" dirty="0">
@@ -23228,7 +23531,7 @@
             </a:r>
             <a:r>
               <a:rPr lang="de-DE" altLang="de-DE" sz="1100" dirty="0"/>
-              <a:t> Y == b </a:t>
+              <a:t> Y = b </a:t>
             </a:r>
             <a:r>
               <a:rPr lang="de-DE" altLang="de-DE" sz="1100" dirty="0">
@@ -23239,7 +23542,7 @@
             </a:r>
             <a:r>
               <a:rPr lang="de-DE" altLang="de-DE" sz="1100" dirty="0"/>
-              <a:t> a != b }  X = Y; Y = X  { X == b </a:t>
+              <a:t> a != b }  X := Y; Y := X  { X = b </a:t>
             </a:r>
             <a:r>
               <a:rPr lang="de-DE" altLang="de-DE" sz="1100" dirty="0">
@@ -23250,7 +23553,7 @@
             </a:r>
             <a:r>
               <a:rPr lang="de-DE" altLang="de-DE" sz="1100" dirty="0"/>
-              <a:t> Y == a }</a:t>
+              <a:t> Y = a }</a:t>
             </a:r>
           </a:p>
           <a:p>
@@ -23276,7 +23579,7 @@
           <a:p>
             <a:r>
               <a:rPr lang="de-DE" altLang="de-DE" sz="1100" dirty="0"/>
-              <a:t>{ X == a </a:t>
+              <a:t>{ X = a </a:t>
             </a:r>
             <a:r>
               <a:rPr lang="de-DE" altLang="de-DE" sz="1100" dirty="0">
@@ -23287,7 +23590,7 @@
             </a:r>
             <a:r>
               <a:rPr lang="de-DE" altLang="de-DE" sz="1100" dirty="0"/>
-              <a:t> Y == b }  Z = X; X = Y; Y = Z  { X == b </a:t>
+              <a:t> Y = b }  Z := X; X := Y; Y := Z  { X = b </a:t>
             </a:r>
             <a:r>
               <a:rPr lang="de-DE" altLang="de-DE" sz="1100" dirty="0">
@@ -23298,7 +23601,7 @@
             </a:r>
             <a:r>
               <a:rPr lang="de-DE" altLang="de-DE" sz="1100" dirty="0"/>
-              <a:t> Y == a }</a:t>
+              <a:t> Y = a }</a:t>
             </a:r>
           </a:p>
           <a:p>
@@ -25289,7 +25592,7 @@
                 </a:r>
                 <a:r>
                   <a:rPr lang="de-DE" altLang="de-DE" dirty="0"/>
-                  <a:t>X := X − 1; </a:t>
+                  <a:t>X := X − 1 </a:t>
                 </a:r>
                 <a:r>
                   <a:rPr lang="de-DE" altLang="de-DE" b="1" dirty="0" err="1"/>
@@ -25724,15 +26027,33 @@
                                   </p:childTnLst>
                                 </p:cTn>
                               </p:par>
+                            </p:childTnLst>
+                          </p:cTn>
+                        </p:par>
+                      </p:childTnLst>
+                    </p:cTn>
+                  </p:par>
+                  <p:par>
+                    <p:cTn id="23" fill="hold">
+                      <p:stCondLst>
+                        <p:cond delay="indefinite"/>
+                      </p:stCondLst>
+                      <p:childTnLst>
+                        <p:par>
+                          <p:cTn id="24" fill="hold">
+                            <p:stCondLst>
+                              <p:cond delay="0"/>
+                            </p:stCondLst>
+                            <p:childTnLst>
                               <p:par>
-                                <p:cTn id="23" presetID="1" presetClass="entr" presetSubtype="0" fill="hold" grpId="0" nodeType="withEffect">
+                                <p:cTn id="25" presetID="1" presetClass="entr" presetSubtype="0" fill="hold" grpId="0" nodeType="clickEffect">
                                   <p:stCondLst>
                                     <p:cond delay="0"/>
                                   </p:stCondLst>
                                   <p:childTnLst>
                                     <p:set>
                                       <p:cBhvr>
-                                        <p:cTn id="24" dur="1" fill="hold">
+                                        <p:cTn id="26" dur="1" fill="hold">
                                           <p:stCondLst>
                                             <p:cond delay="0"/>
                                           </p:stCondLst>
@@ -25756,14 +26077,14 @@
                                 </p:cTn>
                               </p:par>
                               <p:par>
-                                <p:cTn id="25" presetID="1" presetClass="entr" presetSubtype="0" fill="hold" grpId="0" nodeType="withEffect">
+                                <p:cTn id="27" presetID="1" presetClass="entr" presetSubtype="0" fill="hold" grpId="0" nodeType="withEffect">
                                   <p:stCondLst>
                                     <p:cond delay="0"/>
                                   </p:stCondLst>
                                   <p:childTnLst>
                                     <p:set>
                                       <p:cBhvr>
-                                        <p:cTn id="26" dur="1" fill="hold">
+                                        <p:cTn id="28" dur="1" fill="hold">
                                           <p:stCondLst>
                                             <p:cond delay="0"/>
                                           </p:stCondLst>
@@ -26707,6 +27028,362 @@
   <p:transition>
     <p:fade/>
   </p:transition>
+  <p:timing>
+    <p:tnLst>
+      <p:par>
+        <p:cTn id="1" dur="indefinite" restart="never" nodeType="tmRoot">
+          <p:childTnLst>
+            <p:seq concurrent="1" nextAc="seek">
+              <p:cTn id="2" dur="indefinite" nodeType="mainSeq">
+                <p:childTnLst>
+                  <p:par>
+                    <p:cTn id="3" fill="hold">
+                      <p:stCondLst>
+                        <p:cond delay="indefinite"/>
+                        <p:cond evt="onBegin" delay="0">
+                          <p:tn val="2"/>
+                        </p:cond>
+                      </p:stCondLst>
+                      <p:childTnLst>
+                        <p:par>
+                          <p:cTn id="4" fill="hold">
+                            <p:stCondLst>
+                              <p:cond delay="0"/>
+                            </p:stCondLst>
+                            <p:childTnLst>
+                              <p:par>
+                                <p:cTn id="5" presetID="1" presetClass="entr" presetSubtype="0" fill="hold" grpId="0" nodeType="withEffect">
+                                  <p:stCondLst>
+                                    <p:cond delay="0"/>
+                                  </p:stCondLst>
+                                  <p:childTnLst>
+                                    <p:set>
+                                      <p:cBhvr>
+                                        <p:cTn id="6" dur="1" fill="hold">
+                                          <p:stCondLst>
+                                            <p:cond delay="0"/>
+                                          </p:stCondLst>
+                                        </p:cTn>
+                                        <p:tgtEl>
+                                          <p:spTgt spid="2">
+                                            <p:txEl>
+                                              <p:pRg st="0" end="0"/>
+                                            </p:txEl>
+                                          </p:spTgt>
+                                        </p:tgtEl>
+                                        <p:attrNameLst>
+                                          <p:attrName>style.visibility</p:attrName>
+                                        </p:attrNameLst>
+                                      </p:cBhvr>
+                                      <p:to>
+                                        <p:strVal val="visible"/>
+                                      </p:to>
+                                    </p:set>
+                                  </p:childTnLst>
+                                </p:cTn>
+                              </p:par>
+                            </p:childTnLst>
+                          </p:cTn>
+                        </p:par>
+                      </p:childTnLst>
+                    </p:cTn>
+                  </p:par>
+                  <p:par>
+                    <p:cTn id="7" fill="hold">
+                      <p:stCondLst>
+                        <p:cond delay="indefinite"/>
+                      </p:stCondLst>
+                      <p:childTnLst>
+                        <p:par>
+                          <p:cTn id="8" fill="hold">
+                            <p:stCondLst>
+                              <p:cond delay="0"/>
+                            </p:stCondLst>
+                            <p:childTnLst>
+                              <p:par>
+                                <p:cTn id="9" presetID="1" presetClass="entr" presetSubtype="0" fill="hold" grpId="0" nodeType="clickEffect">
+                                  <p:stCondLst>
+                                    <p:cond delay="0"/>
+                                  </p:stCondLst>
+                                  <p:childTnLst>
+                                    <p:set>
+                                      <p:cBhvr>
+                                        <p:cTn id="10" dur="1" fill="hold">
+                                          <p:stCondLst>
+                                            <p:cond delay="0"/>
+                                          </p:stCondLst>
+                                        </p:cTn>
+                                        <p:tgtEl>
+                                          <p:spTgt spid="2">
+                                            <p:txEl>
+                                              <p:pRg st="1" end="1"/>
+                                            </p:txEl>
+                                          </p:spTgt>
+                                        </p:tgtEl>
+                                        <p:attrNameLst>
+                                          <p:attrName>style.visibility</p:attrName>
+                                        </p:attrNameLst>
+                                      </p:cBhvr>
+                                      <p:to>
+                                        <p:strVal val="visible"/>
+                                      </p:to>
+                                    </p:set>
+                                  </p:childTnLst>
+                                </p:cTn>
+                              </p:par>
+                              <p:par>
+                                <p:cTn id="11" presetID="1" presetClass="entr" presetSubtype="0" fill="hold" grpId="0" nodeType="withEffect">
+                                  <p:stCondLst>
+                                    <p:cond delay="0"/>
+                                  </p:stCondLst>
+                                  <p:childTnLst>
+                                    <p:set>
+                                      <p:cBhvr>
+                                        <p:cTn id="12" dur="1" fill="hold">
+                                          <p:stCondLst>
+                                            <p:cond delay="0"/>
+                                          </p:stCondLst>
+                                        </p:cTn>
+                                        <p:tgtEl>
+                                          <p:spTgt spid="2">
+                                            <p:txEl>
+                                              <p:pRg st="2" end="2"/>
+                                            </p:txEl>
+                                          </p:spTgt>
+                                        </p:tgtEl>
+                                        <p:attrNameLst>
+                                          <p:attrName>style.visibility</p:attrName>
+                                        </p:attrNameLst>
+                                      </p:cBhvr>
+                                      <p:to>
+                                        <p:strVal val="visible"/>
+                                      </p:to>
+                                    </p:set>
+                                  </p:childTnLst>
+                                </p:cTn>
+                              </p:par>
+                              <p:par>
+                                <p:cTn id="13" presetID="1" presetClass="entr" presetSubtype="0" fill="hold" grpId="0" nodeType="withEffect">
+                                  <p:stCondLst>
+                                    <p:cond delay="0"/>
+                                  </p:stCondLst>
+                                  <p:childTnLst>
+                                    <p:set>
+                                      <p:cBhvr>
+                                        <p:cTn id="14" dur="1" fill="hold">
+                                          <p:stCondLst>
+                                            <p:cond delay="0"/>
+                                          </p:stCondLst>
+                                        </p:cTn>
+                                        <p:tgtEl>
+                                          <p:spTgt spid="2">
+                                            <p:txEl>
+                                              <p:pRg st="3" end="3"/>
+                                            </p:txEl>
+                                          </p:spTgt>
+                                        </p:tgtEl>
+                                        <p:attrNameLst>
+                                          <p:attrName>style.visibility</p:attrName>
+                                        </p:attrNameLst>
+                                      </p:cBhvr>
+                                      <p:to>
+                                        <p:strVal val="visible"/>
+                                      </p:to>
+                                    </p:set>
+                                  </p:childTnLst>
+                                </p:cTn>
+                              </p:par>
+                            </p:childTnLst>
+                          </p:cTn>
+                        </p:par>
+                      </p:childTnLst>
+                    </p:cTn>
+                  </p:par>
+                  <p:par>
+                    <p:cTn id="15" fill="hold">
+                      <p:stCondLst>
+                        <p:cond delay="indefinite"/>
+                      </p:stCondLst>
+                      <p:childTnLst>
+                        <p:par>
+                          <p:cTn id="16" fill="hold">
+                            <p:stCondLst>
+                              <p:cond delay="0"/>
+                            </p:stCondLst>
+                            <p:childTnLst>
+                              <p:par>
+                                <p:cTn id="17" presetID="1" presetClass="entr" presetSubtype="0" fill="hold" grpId="0" nodeType="clickEffect">
+                                  <p:stCondLst>
+                                    <p:cond delay="0"/>
+                                  </p:stCondLst>
+                                  <p:childTnLst>
+                                    <p:set>
+                                      <p:cBhvr>
+                                        <p:cTn id="18" dur="1" fill="hold">
+                                          <p:stCondLst>
+                                            <p:cond delay="0"/>
+                                          </p:stCondLst>
+                                        </p:cTn>
+                                        <p:tgtEl>
+                                          <p:spTgt spid="2">
+                                            <p:txEl>
+                                              <p:pRg st="5" end="5"/>
+                                            </p:txEl>
+                                          </p:spTgt>
+                                        </p:tgtEl>
+                                        <p:attrNameLst>
+                                          <p:attrName>style.visibility</p:attrName>
+                                        </p:attrNameLst>
+                                      </p:cBhvr>
+                                      <p:to>
+                                        <p:strVal val="visible"/>
+                                      </p:to>
+                                    </p:set>
+                                  </p:childTnLst>
+                                </p:cTn>
+                              </p:par>
+                              <p:par>
+                                <p:cTn id="19" presetID="1" presetClass="entr" presetSubtype="0" fill="hold" grpId="0" nodeType="withEffect">
+                                  <p:stCondLst>
+                                    <p:cond delay="0"/>
+                                  </p:stCondLst>
+                                  <p:childTnLst>
+                                    <p:set>
+                                      <p:cBhvr>
+                                        <p:cTn id="20" dur="1" fill="hold">
+                                          <p:stCondLst>
+                                            <p:cond delay="0"/>
+                                          </p:stCondLst>
+                                        </p:cTn>
+                                        <p:tgtEl>
+                                          <p:spTgt spid="2">
+                                            <p:txEl>
+                                              <p:pRg st="6" end="6"/>
+                                            </p:txEl>
+                                          </p:spTgt>
+                                        </p:tgtEl>
+                                        <p:attrNameLst>
+                                          <p:attrName>style.visibility</p:attrName>
+                                        </p:attrNameLst>
+                                      </p:cBhvr>
+                                      <p:to>
+                                        <p:strVal val="visible"/>
+                                      </p:to>
+                                    </p:set>
+                                  </p:childTnLst>
+                                </p:cTn>
+                              </p:par>
+                            </p:childTnLst>
+                          </p:cTn>
+                        </p:par>
+                      </p:childTnLst>
+                    </p:cTn>
+                  </p:par>
+                  <p:par>
+                    <p:cTn id="21" fill="hold">
+                      <p:stCondLst>
+                        <p:cond delay="indefinite"/>
+                      </p:stCondLst>
+                      <p:childTnLst>
+                        <p:par>
+                          <p:cTn id="22" fill="hold">
+                            <p:stCondLst>
+                              <p:cond delay="0"/>
+                            </p:stCondLst>
+                            <p:childTnLst>
+                              <p:par>
+                                <p:cTn id="23" presetID="1" presetClass="entr" presetSubtype="0" fill="hold" grpId="0" nodeType="clickEffect">
+                                  <p:stCondLst>
+                                    <p:cond delay="0"/>
+                                  </p:stCondLst>
+                                  <p:childTnLst>
+                                    <p:set>
+                                      <p:cBhvr>
+                                        <p:cTn id="24" dur="1" fill="hold">
+                                          <p:stCondLst>
+                                            <p:cond delay="0"/>
+                                          </p:stCondLst>
+                                        </p:cTn>
+                                        <p:tgtEl>
+                                          <p:spTgt spid="2">
+                                            <p:txEl>
+                                              <p:pRg st="8" end="8"/>
+                                            </p:txEl>
+                                          </p:spTgt>
+                                        </p:tgtEl>
+                                        <p:attrNameLst>
+                                          <p:attrName>style.visibility</p:attrName>
+                                        </p:attrNameLst>
+                                      </p:cBhvr>
+                                      <p:to>
+                                        <p:strVal val="visible"/>
+                                      </p:to>
+                                    </p:set>
+                                  </p:childTnLst>
+                                </p:cTn>
+                              </p:par>
+                              <p:par>
+                                <p:cTn id="25" presetID="1" presetClass="entr" presetSubtype="0" fill="hold" grpId="0" nodeType="withEffect">
+                                  <p:stCondLst>
+                                    <p:cond delay="0"/>
+                                  </p:stCondLst>
+                                  <p:childTnLst>
+                                    <p:set>
+                                      <p:cBhvr>
+                                        <p:cTn id="26" dur="1" fill="hold">
+                                          <p:stCondLst>
+                                            <p:cond delay="0"/>
+                                          </p:stCondLst>
+                                        </p:cTn>
+                                        <p:tgtEl>
+                                          <p:spTgt spid="2">
+                                            <p:txEl>
+                                              <p:pRg st="9" end="9"/>
+                                            </p:txEl>
+                                          </p:spTgt>
+                                        </p:tgtEl>
+                                        <p:attrNameLst>
+                                          <p:attrName>style.visibility</p:attrName>
+                                        </p:attrNameLst>
+                                      </p:cBhvr>
+                                      <p:to>
+                                        <p:strVal val="visible"/>
+                                      </p:to>
+                                    </p:set>
+                                  </p:childTnLst>
+                                </p:cTn>
+                              </p:par>
+                            </p:childTnLst>
+                          </p:cTn>
+                        </p:par>
+                      </p:childTnLst>
+                    </p:cTn>
+                  </p:par>
+                </p:childTnLst>
+              </p:cTn>
+              <p:prevCondLst>
+                <p:cond evt="onPrev" delay="0">
+                  <p:tgtEl>
+                    <p:sldTgt/>
+                  </p:tgtEl>
+                </p:cond>
+              </p:prevCondLst>
+              <p:nextCondLst>
+                <p:cond evt="onNext" delay="0">
+                  <p:tgtEl>
+                    <p:sldTgt/>
+                  </p:tgtEl>
+                </p:cond>
+              </p:nextCondLst>
+            </p:seq>
+          </p:childTnLst>
+        </p:cTn>
+      </p:par>
+    </p:tnLst>
+    <p:bldLst>
+      <p:bldP spid="2" grpId="0" uiExpand="1" build="p"/>
+    </p:bldLst>
+  </p:timing>
 </p:sld>
 </file>
 
@@ -26860,6 +27537,411 @@
   <p:transition>
     <p:fade/>
   </p:transition>
+  <p:timing>
+    <p:tnLst>
+      <p:par>
+        <p:cTn id="1" dur="indefinite" restart="never" nodeType="tmRoot">
+          <p:childTnLst>
+            <p:seq concurrent="1" nextAc="seek">
+              <p:cTn id="2" dur="indefinite" nodeType="mainSeq">
+                <p:childTnLst>
+                  <p:par>
+                    <p:cTn id="3" fill="hold">
+                      <p:stCondLst>
+                        <p:cond delay="indefinite"/>
+                        <p:cond evt="onBegin" delay="0">
+                          <p:tn val="2"/>
+                        </p:cond>
+                      </p:stCondLst>
+                      <p:childTnLst>
+                        <p:par>
+                          <p:cTn id="4" fill="hold">
+                            <p:stCondLst>
+                              <p:cond delay="0"/>
+                            </p:stCondLst>
+                            <p:childTnLst>
+                              <p:par>
+                                <p:cTn id="5" presetID="1" presetClass="entr" presetSubtype="0" fill="hold" grpId="0" nodeType="withEffect">
+                                  <p:stCondLst>
+                                    <p:cond delay="0"/>
+                                  </p:stCondLst>
+                                  <p:childTnLst>
+                                    <p:set>
+                                      <p:cBhvr>
+                                        <p:cTn id="6" dur="1" fill="hold">
+                                          <p:stCondLst>
+                                            <p:cond delay="0"/>
+                                          </p:stCondLst>
+                                        </p:cTn>
+                                        <p:tgtEl>
+                                          <p:spTgt spid="2">
+                                            <p:txEl>
+                                              <p:pRg st="0" end="0"/>
+                                            </p:txEl>
+                                          </p:spTgt>
+                                        </p:tgtEl>
+                                        <p:attrNameLst>
+                                          <p:attrName>style.visibility</p:attrName>
+                                        </p:attrNameLst>
+                                      </p:cBhvr>
+                                      <p:to>
+                                        <p:strVal val="visible"/>
+                                      </p:to>
+                                    </p:set>
+                                  </p:childTnLst>
+                                </p:cTn>
+                              </p:par>
+                              <p:par>
+                                <p:cTn id="7" presetID="1" presetClass="entr" presetSubtype="0" fill="hold" grpId="0" nodeType="withEffect">
+                                  <p:stCondLst>
+                                    <p:cond delay="0"/>
+                                  </p:stCondLst>
+                                  <p:childTnLst>
+                                    <p:set>
+                                      <p:cBhvr>
+                                        <p:cTn id="8" dur="1" fill="hold">
+                                          <p:stCondLst>
+                                            <p:cond delay="0"/>
+                                          </p:stCondLst>
+                                        </p:cTn>
+                                        <p:tgtEl>
+                                          <p:spTgt spid="2">
+                                            <p:txEl>
+                                              <p:pRg st="1" end="1"/>
+                                            </p:txEl>
+                                          </p:spTgt>
+                                        </p:tgtEl>
+                                        <p:attrNameLst>
+                                          <p:attrName>style.visibility</p:attrName>
+                                        </p:attrNameLst>
+                                      </p:cBhvr>
+                                      <p:to>
+                                        <p:strVal val="visible"/>
+                                      </p:to>
+                                    </p:set>
+                                  </p:childTnLst>
+                                </p:cTn>
+                              </p:par>
+                            </p:childTnLst>
+                          </p:cTn>
+                        </p:par>
+                      </p:childTnLst>
+                    </p:cTn>
+                  </p:par>
+                  <p:par>
+                    <p:cTn id="9" fill="hold">
+                      <p:stCondLst>
+                        <p:cond delay="indefinite"/>
+                      </p:stCondLst>
+                      <p:childTnLst>
+                        <p:par>
+                          <p:cTn id="10" fill="hold">
+                            <p:stCondLst>
+                              <p:cond delay="0"/>
+                            </p:stCondLst>
+                            <p:childTnLst>
+                              <p:par>
+                                <p:cTn id="11" presetID="1" presetClass="entr" presetSubtype="0" fill="hold" grpId="0" nodeType="clickEffect">
+                                  <p:stCondLst>
+                                    <p:cond delay="0"/>
+                                  </p:stCondLst>
+                                  <p:childTnLst>
+                                    <p:set>
+                                      <p:cBhvr>
+                                        <p:cTn id="12" dur="1" fill="hold">
+                                          <p:stCondLst>
+                                            <p:cond delay="0"/>
+                                          </p:stCondLst>
+                                        </p:cTn>
+                                        <p:tgtEl>
+                                          <p:spTgt spid="2">
+                                            <p:txEl>
+                                              <p:pRg st="3" end="3"/>
+                                            </p:txEl>
+                                          </p:spTgt>
+                                        </p:tgtEl>
+                                        <p:attrNameLst>
+                                          <p:attrName>style.visibility</p:attrName>
+                                        </p:attrNameLst>
+                                      </p:cBhvr>
+                                      <p:to>
+                                        <p:strVal val="visible"/>
+                                      </p:to>
+                                    </p:set>
+                                  </p:childTnLst>
+                                </p:cTn>
+                              </p:par>
+                              <p:par>
+                                <p:cTn id="13" presetID="1" presetClass="entr" presetSubtype="0" fill="hold" grpId="0" nodeType="withEffect">
+                                  <p:stCondLst>
+                                    <p:cond delay="0"/>
+                                  </p:stCondLst>
+                                  <p:childTnLst>
+                                    <p:set>
+                                      <p:cBhvr>
+                                        <p:cTn id="14" dur="1" fill="hold">
+                                          <p:stCondLst>
+                                            <p:cond delay="0"/>
+                                          </p:stCondLst>
+                                        </p:cTn>
+                                        <p:tgtEl>
+                                          <p:spTgt spid="2">
+                                            <p:txEl>
+                                              <p:pRg st="4" end="4"/>
+                                            </p:txEl>
+                                          </p:spTgt>
+                                        </p:tgtEl>
+                                        <p:attrNameLst>
+                                          <p:attrName>style.visibility</p:attrName>
+                                        </p:attrNameLst>
+                                      </p:cBhvr>
+                                      <p:to>
+                                        <p:strVal val="visible"/>
+                                      </p:to>
+                                    </p:set>
+                                  </p:childTnLst>
+                                </p:cTn>
+                              </p:par>
+                            </p:childTnLst>
+                          </p:cTn>
+                        </p:par>
+                      </p:childTnLst>
+                    </p:cTn>
+                  </p:par>
+                  <p:par>
+                    <p:cTn id="15" fill="hold">
+                      <p:stCondLst>
+                        <p:cond delay="indefinite"/>
+                      </p:stCondLst>
+                      <p:childTnLst>
+                        <p:par>
+                          <p:cTn id="16" fill="hold">
+                            <p:stCondLst>
+                              <p:cond delay="0"/>
+                            </p:stCondLst>
+                            <p:childTnLst>
+                              <p:par>
+                                <p:cTn id="17" presetID="1" presetClass="entr" presetSubtype="0" fill="hold" grpId="0" nodeType="clickEffect">
+                                  <p:stCondLst>
+                                    <p:cond delay="0"/>
+                                  </p:stCondLst>
+                                  <p:childTnLst>
+                                    <p:set>
+                                      <p:cBhvr>
+                                        <p:cTn id="18" dur="1" fill="hold">
+                                          <p:stCondLst>
+                                            <p:cond delay="0"/>
+                                          </p:stCondLst>
+                                        </p:cTn>
+                                        <p:tgtEl>
+                                          <p:spTgt spid="2">
+                                            <p:txEl>
+                                              <p:pRg st="5" end="5"/>
+                                            </p:txEl>
+                                          </p:spTgt>
+                                        </p:tgtEl>
+                                        <p:attrNameLst>
+                                          <p:attrName>style.visibility</p:attrName>
+                                        </p:attrNameLst>
+                                      </p:cBhvr>
+                                      <p:to>
+                                        <p:strVal val="visible"/>
+                                      </p:to>
+                                    </p:set>
+                                  </p:childTnLst>
+                                </p:cTn>
+                              </p:par>
+                            </p:childTnLst>
+                          </p:cTn>
+                        </p:par>
+                      </p:childTnLst>
+                    </p:cTn>
+                  </p:par>
+                  <p:par>
+                    <p:cTn id="19" fill="hold">
+                      <p:stCondLst>
+                        <p:cond delay="indefinite"/>
+                      </p:stCondLst>
+                      <p:childTnLst>
+                        <p:par>
+                          <p:cTn id="20" fill="hold">
+                            <p:stCondLst>
+                              <p:cond delay="0"/>
+                            </p:stCondLst>
+                            <p:childTnLst>
+                              <p:par>
+                                <p:cTn id="21" presetID="1" presetClass="entr" presetSubtype="0" fill="hold" grpId="0" nodeType="clickEffect">
+                                  <p:stCondLst>
+                                    <p:cond delay="0"/>
+                                  </p:stCondLst>
+                                  <p:childTnLst>
+                                    <p:set>
+                                      <p:cBhvr>
+                                        <p:cTn id="22" dur="1" fill="hold">
+                                          <p:stCondLst>
+                                            <p:cond delay="0"/>
+                                          </p:stCondLst>
+                                        </p:cTn>
+                                        <p:tgtEl>
+                                          <p:spTgt spid="2">
+                                            <p:txEl>
+                                              <p:pRg st="7" end="7"/>
+                                            </p:txEl>
+                                          </p:spTgt>
+                                        </p:tgtEl>
+                                        <p:attrNameLst>
+                                          <p:attrName>style.visibility</p:attrName>
+                                        </p:attrNameLst>
+                                      </p:cBhvr>
+                                      <p:to>
+                                        <p:strVal val="visible"/>
+                                      </p:to>
+                                    </p:set>
+                                  </p:childTnLst>
+                                </p:cTn>
+                              </p:par>
+                              <p:par>
+                                <p:cTn id="23" presetID="1" presetClass="entr" presetSubtype="0" fill="hold" grpId="0" nodeType="withEffect">
+                                  <p:stCondLst>
+                                    <p:cond delay="0"/>
+                                  </p:stCondLst>
+                                  <p:childTnLst>
+                                    <p:set>
+                                      <p:cBhvr>
+                                        <p:cTn id="24" dur="1" fill="hold">
+                                          <p:stCondLst>
+                                            <p:cond delay="0"/>
+                                          </p:stCondLst>
+                                        </p:cTn>
+                                        <p:tgtEl>
+                                          <p:spTgt spid="2">
+                                            <p:txEl>
+                                              <p:pRg st="8" end="8"/>
+                                            </p:txEl>
+                                          </p:spTgt>
+                                        </p:tgtEl>
+                                        <p:attrNameLst>
+                                          <p:attrName>style.visibility</p:attrName>
+                                        </p:attrNameLst>
+                                      </p:cBhvr>
+                                      <p:to>
+                                        <p:strVal val="visible"/>
+                                      </p:to>
+                                    </p:set>
+                                  </p:childTnLst>
+                                </p:cTn>
+                              </p:par>
+                            </p:childTnLst>
+                          </p:cTn>
+                        </p:par>
+                      </p:childTnLst>
+                    </p:cTn>
+                  </p:par>
+                  <p:par>
+                    <p:cTn id="25" fill="hold">
+                      <p:stCondLst>
+                        <p:cond delay="indefinite"/>
+                      </p:stCondLst>
+                      <p:childTnLst>
+                        <p:par>
+                          <p:cTn id="26" fill="hold">
+                            <p:stCondLst>
+                              <p:cond delay="0"/>
+                            </p:stCondLst>
+                            <p:childTnLst>
+                              <p:par>
+                                <p:cTn id="27" presetID="1" presetClass="entr" presetSubtype="0" fill="hold" grpId="0" nodeType="clickEffect">
+                                  <p:stCondLst>
+                                    <p:cond delay="0"/>
+                                  </p:stCondLst>
+                                  <p:childTnLst>
+                                    <p:set>
+                                      <p:cBhvr>
+                                        <p:cTn id="28" dur="1" fill="hold">
+                                          <p:stCondLst>
+                                            <p:cond delay="0"/>
+                                          </p:stCondLst>
+                                        </p:cTn>
+                                        <p:tgtEl>
+                                          <p:spTgt spid="2">
+                                            <p:txEl>
+                                              <p:pRg st="9" end="9"/>
+                                            </p:txEl>
+                                          </p:spTgt>
+                                        </p:tgtEl>
+                                        <p:attrNameLst>
+                                          <p:attrName>style.visibility</p:attrName>
+                                        </p:attrNameLst>
+                                      </p:cBhvr>
+                                      <p:to>
+                                        <p:strVal val="visible"/>
+                                      </p:to>
+                                    </p:set>
+                                  </p:childTnLst>
+                                </p:cTn>
+                              </p:par>
+                              <p:par>
+                                <p:cTn id="29" presetID="1" presetClass="entr" presetSubtype="0" fill="hold" grpId="0" nodeType="withEffect">
+                                  <p:stCondLst>
+                                    <p:cond delay="0"/>
+                                  </p:stCondLst>
+                                  <p:childTnLst>
+                                    <p:set>
+                                      <p:cBhvr>
+                                        <p:cTn id="30" dur="1" fill="hold">
+                                          <p:stCondLst>
+                                            <p:cond delay="0"/>
+                                          </p:stCondLst>
+                                        </p:cTn>
+                                        <p:tgtEl>
+                                          <p:spTgt spid="2">
+                                            <p:txEl>
+                                              <p:pRg st="10" end="10"/>
+                                            </p:txEl>
+                                          </p:spTgt>
+                                        </p:tgtEl>
+                                        <p:attrNameLst>
+                                          <p:attrName>style.visibility</p:attrName>
+                                        </p:attrNameLst>
+                                      </p:cBhvr>
+                                      <p:to>
+                                        <p:strVal val="visible"/>
+                                      </p:to>
+                                    </p:set>
+                                  </p:childTnLst>
+                                </p:cTn>
+                              </p:par>
+                            </p:childTnLst>
+                          </p:cTn>
+                        </p:par>
+                      </p:childTnLst>
+                    </p:cTn>
+                  </p:par>
+                </p:childTnLst>
+              </p:cTn>
+              <p:prevCondLst>
+                <p:cond evt="onPrev" delay="0">
+                  <p:tgtEl>
+                    <p:sldTgt/>
+                  </p:tgtEl>
+                </p:cond>
+              </p:prevCondLst>
+              <p:nextCondLst>
+                <p:cond evt="onNext" delay="0">
+                  <p:tgtEl>
+                    <p:sldTgt/>
+                  </p:tgtEl>
+                </p:cond>
+              </p:nextCondLst>
+            </p:seq>
+          </p:childTnLst>
+        </p:cTn>
+      </p:par>
+    </p:tnLst>
+    <p:bldLst>
+      <p:bldP spid="2" grpId="0" uiExpand="1" build="p"/>
+    </p:bldLst>
+  </p:timing>
 </p:sld>
 </file>
 
@@ -27375,7 +28457,12 @@
             <p:ph type="body" sz="quarter" idx="13"/>
           </p:nvPr>
         </p:nvSpPr>
-        <p:spPr/>
+        <p:spPr>
+          <a:xfrm>
+            <a:off x="358776" y="1239837"/>
+            <a:ext cx="7309568" cy="3563938"/>
+          </a:xfrm>
+        </p:spPr>
         <p:txBody>
           <a:bodyPr/>
           <a:lstStyle/>
@@ -27406,14 +28493,38 @@
           <a:p>
             <a:r>
               <a:rPr lang="de-DE" altLang="de-DE" dirty="0"/>
-              <a:t>Zwischenbedingung MITTE finden, dann</a:t>
+              <a:t>Zwischenbedingung </a:t>
+            </a:r>
+            <a:r>
+              <a:rPr lang="de-DE" altLang="de-DE" dirty="0">
+                <a:solidFill>
+                  <a:srgbClr val="B1063A"/>
+                </a:solidFill>
+              </a:rPr>
+              <a:t>MITTE</a:t>
+            </a:r>
+            <a:r>
+              <a:rPr lang="de-DE" altLang="de-DE" dirty="0"/>
+              <a:t> finden, dann</a:t>
             </a:r>
           </a:p>
           <a:p>
             <a:pPr lvl="1"/>
             <a:r>
               <a:rPr lang="de-DE" altLang="de-DE" dirty="0"/>
-              <a:t>{ VOR } ⍺ { MITTE }</a:t>
+              <a:t>{ VOR } ⍺ { </a:t>
+            </a:r>
+            <a:r>
+              <a:rPr lang="de-DE" altLang="de-DE" dirty="0">
+                <a:solidFill>
+                  <a:srgbClr val="B1063A"/>
+                </a:solidFill>
+              </a:rPr>
+              <a:t>MITTE</a:t>
+            </a:r>
+            <a:r>
+              <a:rPr lang="de-DE" altLang="de-DE" dirty="0"/>
+              <a:t> }</a:t>
             </a:r>
           </a:p>
           <a:p>
@@ -27426,7 +28537,19 @@
             <a:pPr lvl="1"/>
             <a:r>
               <a:rPr lang="de-DE" altLang="de-DE" dirty="0"/>
-              <a:t>{ MITTE } </a:t>
+              <a:t>{ </a:t>
+            </a:r>
+            <a:r>
+              <a:rPr lang="de-DE" altLang="de-DE" dirty="0">
+                <a:solidFill>
+                  <a:srgbClr val="B1063A"/>
+                </a:solidFill>
+              </a:rPr>
+              <a:t>MITTE</a:t>
+            </a:r>
+            <a:r>
+              <a:rPr lang="de-DE" altLang="de-DE" dirty="0"/>
+              <a:t> } </a:t>
             </a:r>
             <a:r>
               <a:rPr lang="el-GR" altLang="de-DE" dirty="0"/>
@@ -27442,6 +28565,62 @@
               <a:rPr lang="de-DE" altLang="de-DE" dirty="0"/>
               <a:t>zeigen.</a:t>
             </a:r>
+          </a:p>
+          <a:p>
+            <a:pPr marL="0" indent="0">
+              <a:buNone/>
+            </a:pPr>
+            <a:endParaRPr lang="de-DE" altLang="de-DE" dirty="0"/>
+          </a:p>
+          <a:p>
+            <a:pPr marL="0" indent="0">
+              <a:buNone/>
+            </a:pPr>
+            <a:r>
+              <a:rPr lang="de-DE" altLang="de-DE" dirty="0"/>
+              <a:t>Beispiel:</a:t>
+            </a:r>
+          </a:p>
+          <a:p>
+            <a:pPr lvl="1"/>
+            <a:r>
+              <a:rPr lang="de-DE" altLang="de-DE" dirty="0"/>
+              <a:t>{ X  &gt; 0 } 	X´:= 3; 	X´:= X − 1   { X´ ≥ 0 }</a:t>
+            </a:r>
+          </a:p>
+          <a:p>
+            <a:pPr lvl="1"/>
+            <a:r>
+              <a:rPr lang="de-DE" altLang="de-DE" dirty="0"/>
+              <a:t>{ X  &gt; 0 } 	X´:= 3; { </a:t>
+            </a:r>
+            <a:r>
+              <a:rPr lang="de-DE" altLang="de-DE" dirty="0">
+                <a:solidFill>
+                  <a:srgbClr val="B1063A"/>
+                </a:solidFill>
+              </a:rPr>
+              <a:t>X  &gt; 0 </a:t>
+            </a:r>
+            <a:r>
+              <a:rPr lang="de-DE" altLang="de-DE" dirty="0"/>
+              <a:t>}	und	 { </a:t>
+            </a:r>
+            <a:r>
+              <a:rPr lang="de-DE" altLang="de-DE" dirty="0">
+                <a:solidFill>
+                  <a:srgbClr val="B1063A"/>
+                </a:solidFill>
+              </a:rPr>
+              <a:t>X  &gt; 0 </a:t>
+            </a:r>
+            <a:r>
+              <a:rPr lang="de-DE" altLang="de-DE" dirty="0"/>
+              <a:t>} X´:= X − 1   { X´ ≥ 0 }</a:t>
+            </a:r>
+          </a:p>
+          <a:p>
+            <a:endParaRPr lang="de-DE" altLang="de-DE" dirty="0"/>
           </a:p>
           <a:p>
             <a:pPr marL="0" indent="0">
@@ -27493,6 +28672,439 @@
   <p:transition>
     <p:fade/>
   </p:transition>
+  <p:timing>
+    <p:tnLst>
+      <p:par>
+        <p:cTn id="1" dur="indefinite" restart="never" nodeType="tmRoot">
+          <p:childTnLst>
+            <p:seq concurrent="1" nextAc="seek">
+              <p:cTn id="2" dur="indefinite" nodeType="mainSeq">
+                <p:childTnLst>
+                  <p:par>
+                    <p:cTn id="3" fill="hold">
+                      <p:stCondLst>
+                        <p:cond delay="indefinite"/>
+                      </p:stCondLst>
+                      <p:childTnLst>
+                        <p:par>
+                          <p:cTn id="4" fill="hold">
+                            <p:stCondLst>
+                              <p:cond delay="0"/>
+                            </p:stCondLst>
+                            <p:childTnLst>
+                              <p:par>
+                                <p:cTn id="5" presetID="1" presetClass="entr" presetSubtype="0" fill="hold" grpId="0" nodeType="clickEffect">
+                                  <p:stCondLst>
+                                    <p:cond delay="0"/>
+                                  </p:stCondLst>
+                                  <p:childTnLst>
+                                    <p:set>
+                                      <p:cBhvr>
+                                        <p:cTn id="6" dur="1" fill="hold">
+                                          <p:stCondLst>
+                                            <p:cond delay="0"/>
+                                          </p:stCondLst>
+                                        </p:cTn>
+                                        <p:tgtEl>
+                                          <p:spTgt spid="2">
+                                            <p:txEl>
+                                              <p:pRg st="0" end="0"/>
+                                            </p:txEl>
+                                          </p:spTgt>
+                                        </p:tgtEl>
+                                        <p:attrNameLst>
+                                          <p:attrName>style.visibility</p:attrName>
+                                        </p:attrNameLst>
+                                      </p:cBhvr>
+                                      <p:to>
+                                        <p:strVal val="visible"/>
+                                      </p:to>
+                                    </p:set>
+                                  </p:childTnLst>
+                                </p:cTn>
+                              </p:par>
+                              <p:par>
+                                <p:cTn id="7" presetID="1" presetClass="entr" presetSubtype="0" fill="hold" grpId="0" nodeType="withEffect">
+                                  <p:stCondLst>
+                                    <p:cond delay="0"/>
+                                  </p:stCondLst>
+                                  <p:childTnLst>
+                                    <p:set>
+                                      <p:cBhvr>
+                                        <p:cTn id="8" dur="1" fill="hold">
+                                          <p:stCondLst>
+                                            <p:cond delay="0"/>
+                                          </p:stCondLst>
+                                        </p:cTn>
+                                        <p:tgtEl>
+                                          <p:spTgt spid="2">
+                                            <p:txEl>
+                                              <p:pRg st="1" end="1"/>
+                                            </p:txEl>
+                                          </p:spTgt>
+                                        </p:tgtEl>
+                                        <p:attrNameLst>
+                                          <p:attrName>style.visibility</p:attrName>
+                                        </p:attrNameLst>
+                                      </p:cBhvr>
+                                      <p:to>
+                                        <p:strVal val="visible"/>
+                                      </p:to>
+                                    </p:set>
+                                  </p:childTnLst>
+                                </p:cTn>
+                              </p:par>
+                            </p:childTnLst>
+                          </p:cTn>
+                        </p:par>
+                      </p:childTnLst>
+                    </p:cTn>
+                  </p:par>
+                  <p:par>
+                    <p:cTn id="9" fill="hold">
+                      <p:stCondLst>
+                        <p:cond delay="indefinite"/>
+                      </p:stCondLst>
+                      <p:childTnLst>
+                        <p:par>
+                          <p:cTn id="10" fill="hold">
+                            <p:stCondLst>
+                              <p:cond delay="0"/>
+                            </p:stCondLst>
+                            <p:childTnLst>
+                              <p:par>
+                                <p:cTn id="11" presetID="1" presetClass="entr" presetSubtype="0" fill="hold" grpId="0" nodeType="clickEffect">
+                                  <p:stCondLst>
+                                    <p:cond delay="0"/>
+                                  </p:stCondLst>
+                                  <p:childTnLst>
+                                    <p:set>
+                                      <p:cBhvr>
+                                        <p:cTn id="12" dur="1" fill="hold">
+                                          <p:stCondLst>
+                                            <p:cond delay="0"/>
+                                          </p:stCondLst>
+                                        </p:cTn>
+                                        <p:tgtEl>
+                                          <p:spTgt spid="2">
+                                            <p:txEl>
+                                              <p:pRg st="3" end="3"/>
+                                            </p:txEl>
+                                          </p:spTgt>
+                                        </p:tgtEl>
+                                        <p:attrNameLst>
+                                          <p:attrName>style.visibility</p:attrName>
+                                        </p:attrNameLst>
+                                      </p:cBhvr>
+                                      <p:to>
+                                        <p:strVal val="visible"/>
+                                      </p:to>
+                                    </p:set>
+                                  </p:childTnLst>
+                                </p:cTn>
+                              </p:par>
+                              <p:par>
+                                <p:cTn id="13" presetID="1" presetClass="entr" presetSubtype="0" fill="hold" grpId="0" nodeType="withEffect">
+                                  <p:stCondLst>
+                                    <p:cond delay="0"/>
+                                  </p:stCondLst>
+                                  <p:childTnLst>
+                                    <p:set>
+                                      <p:cBhvr>
+                                        <p:cTn id="14" dur="1" fill="hold">
+                                          <p:stCondLst>
+                                            <p:cond delay="0"/>
+                                          </p:stCondLst>
+                                        </p:cTn>
+                                        <p:tgtEl>
+                                          <p:spTgt spid="2">
+                                            <p:txEl>
+                                              <p:pRg st="4" end="4"/>
+                                            </p:txEl>
+                                          </p:spTgt>
+                                        </p:tgtEl>
+                                        <p:attrNameLst>
+                                          <p:attrName>style.visibility</p:attrName>
+                                        </p:attrNameLst>
+                                      </p:cBhvr>
+                                      <p:to>
+                                        <p:strVal val="visible"/>
+                                      </p:to>
+                                    </p:set>
+                                  </p:childTnLst>
+                                </p:cTn>
+                              </p:par>
+                              <p:par>
+                                <p:cTn id="15" presetID="1" presetClass="entr" presetSubtype="0" fill="hold" grpId="0" nodeType="withEffect">
+                                  <p:stCondLst>
+                                    <p:cond delay="0"/>
+                                  </p:stCondLst>
+                                  <p:childTnLst>
+                                    <p:set>
+                                      <p:cBhvr>
+                                        <p:cTn id="16" dur="1" fill="hold">
+                                          <p:stCondLst>
+                                            <p:cond delay="0"/>
+                                          </p:stCondLst>
+                                        </p:cTn>
+                                        <p:tgtEl>
+                                          <p:spTgt spid="2">
+                                            <p:txEl>
+                                              <p:pRg st="5" end="5"/>
+                                            </p:txEl>
+                                          </p:spTgt>
+                                        </p:tgtEl>
+                                        <p:attrNameLst>
+                                          <p:attrName>style.visibility</p:attrName>
+                                        </p:attrNameLst>
+                                      </p:cBhvr>
+                                      <p:to>
+                                        <p:strVal val="visible"/>
+                                      </p:to>
+                                    </p:set>
+                                  </p:childTnLst>
+                                </p:cTn>
+                              </p:par>
+                              <p:par>
+                                <p:cTn id="17" presetID="1" presetClass="entr" presetSubtype="0" fill="hold" grpId="0" nodeType="withEffect">
+                                  <p:stCondLst>
+                                    <p:cond delay="0"/>
+                                  </p:stCondLst>
+                                  <p:childTnLst>
+                                    <p:set>
+                                      <p:cBhvr>
+                                        <p:cTn id="18" dur="1" fill="hold">
+                                          <p:stCondLst>
+                                            <p:cond delay="0"/>
+                                          </p:stCondLst>
+                                        </p:cTn>
+                                        <p:tgtEl>
+                                          <p:spTgt spid="2">
+                                            <p:txEl>
+                                              <p:pRg st="6" end="6"/>
+                                            </p:txEl>
+                                          </p:spTgt>
+                                        </p:tgtEl>
+                                        <p:attrNameLst>
+                                          <p:attrName>style.visibility</p:attrName>
+                                        </p:attrNameLst>
+                                      </p:cBhvr>
+                                      <p:to>
+                                        <p:strVal val="visible"/>
+                                      </p:to>
+                                    </p:set>
+                                  </p:childTnLst>
+                                </p:cTn>
+                              </p:par>
+                            </p:childTnLst>
+                          </p:cTn>
+                        </p:par>
+                      </p:childTnLst>
+                    </p:cTn>
+                  </p:par>
+                  <p:par>
+                    <p:cTn id="19" fill="hold">
+                      <p:stCondLst>
+                        <p:cond delay="indefinite"/>
+                      </p:stCondLst>
+                      <p:childTnLst>
+                        <p:par>
+                          <p:cTn id="20" fill="hold">
+                            <p:stCondLst>
+                              <p:cond delay="0"/>
+                            </p:stCondLst>
+                            <p:childTnLst>
+                              <p:par>
+                                <p:cTn id="21" presetID="1" presetClass="entr" presetSubtype="0" fill="hold" grpId="0" nodeType="clickEffect">
+                                  <p:stCondLst>
+                                    <p:cond delay="0"/>
+                                  </p:stCondLst>
+                                  <p:childTnLst>
+                                    <p:set>
+                                      <p:cBhvr>
+                                        <p:cTn id="22" dur="1" fill="hold">
+                                          <p:stCondLst>
+                                            <p:cond delay="0"/>
+                                          </p:stCondLst>
+                                        </p:cTn>
+                                        <p:tgtEl>
+                                          <p:spTgt spid="2">
+                                            <p:txEl>
+                                              <p:pRg st="7" end="7"/>
+                                            </p:txEl>
+                                          </p:spTgt>
+                                        </p:tgtEl>
+                                        <p:attrNameLst>
+                                          <p:attrName>style.visibility</p:attrName>
+                                        </p:attrNameLst>
+                                      </p:cBhvr>
+                                      <p:to>
+                                        <p:strVal val="visible"/>
+                                      </p:to>
+                                    </p:set>
+                                  </p:childTnLst>
+                                </p:cTn>
+                              </p:par>
+                            </p:childTnLst>
+                          </p:cTn>
+                        </p:par>
+                      </p:childTnLst>
+                    </p:cTn>
+                  </p:par>
+                  <p:par>
+                    <p:cTn id="23" fill="hold">
+                      <p:stCondLst>
+                        <p:cond delay="indefinite"/>
+                      </p:stCondLst>
+                      <p:childTnLst>
+                        <p:par>
+                          <p:cTn id="24" fill="hold">
+                            <p:stCondLst>
+                              <p:cond delay="0"/>
+                            </p:stCondLst>
+                            <p:childTnLst>
+                              <p:par>
+                                <p:cTn id="25" presetID="1" presetClass="entr" presetSubtype="0" fill="hold" grpId="0" nodeType="clickEffect">
+                                  <p:stCondLst>
+                                    <p:cond delay="0"/>
+                                  </p:stCondLst>
+                                  <p:childTnLst>
+                                    <p:set>
+                                      <p:cBhvr>
+                                        <p:cTn id="26" dur="1" fill="hold">
+                                          <p:stCondLst>
+                                            <p:cond delay="0"/>
+                                          </p:stCondLst>
+                                        </p:cTn>
+                                        <p:tgtEl>
+                                          <p:spTgt spid="2">
+                                            <p:txEl>
+                                              <p:pRg st="9" end="9"/>
+                                            </p:txEl>
+                                          </p:spTgt>
+                                        </p:tgtEl>
+                                        <p:attrNameLst>
+                                          <p:attrName>style.visibility</p:attrName>
+                                        </p:attrNameLst>
+                                      </p:cBhvr>
+                                      <p:to>
+                                        <p:strVal val="visible"/>
+                                      </p:to>
+                                    </p:set>
+                                  </p:childTnLst>
+                                </p:cTn>
+                              </p:par>
+                              <p:par>
+                                <p:cTn id="27" presetID="1" presetClass="entr" presetSubtype="0" fill="hold" grpId="0" nodeType="withEffect">
+                                  <p:stCondLst>
+                                    <p:cond delay="0"/>
+                                  </p:stCondLst>
+                                  <p:childTnLst>
+                                    <p:set>
+                                      <p:cBhvr>
+                                        <p:cTn id="28" dur="1" fill="hold">
+                                          <p:stCondLst>
+                                            <p:cond delay="0"/>
+                                          </p:stCondLst>
+                                        </p:cTn>
+                                        <p:tgtEl>
+                                          <p:spTgt spid="2">
+                                            <p:txEl>
+                                              <p:pRg st="10" end="10"/>
+                                            </p:txEl>
+                                          </p:spTgt>
+                                        </p:tgtEl>
+                                        <p:attrNameLst>
+                                          <p:attrName>style.visibility</p:attrName>
+                                        </p:attrNameLst>
+                                      </p:cBhvr>
+                                      <p:to>
+                                        <p:strVal val="visible"/>
+                                      </p:to>
+                                    </p:set>
+                                  </p:childTnLst>
+                                </p:cTn>
+                              </p:par>
+                            </p:childTnLst>
+                          </p:cTn>
+                        </p:par>
+                      </p:childTnLst>
+                    </p:cTn>
+                  </p:par>
+                  <p:par>
+                    <p:cTn id="29" fill="hold">
+                      <p:stCondLst>
+                        <p:cond delay="indefinite"/>
+                      </p:stCondLst>
+                      <p:childTnLst>
+                        <p:par>
+                          <p:cTn id="30" fill="hold">
+                            <p:stCondLst>
+                              <p:cond delay="0"/>
+                            </p:stCondLst>
+                            <p:childTnLst>
+                              <p:par>
+                                <p:cTn id="31" presetID="1" presetClass="entr" presetSubtype="0" fill="hold" grpId="0" nodeType="clickEffect">
+                                  <p:stCondLst>
+                                    <p:cond delay="0"/>
+                                  </p:stCondLst>
+                                  <p:childTnLst>
+                                    <p:set>
+                                      <p:cBhvr>
+                                        <p:cTn id="32" dur="1" fill="hold">
+                                          <p:stCondLst>
+                                            <p:cond delay="0"/>
+                                          </p:stCondLst>
+                                        </p:cTn>
+                                        <p:tgtEl>
+                                          <p:spTgt spid="2">
+                                            <p:txEl>
+                                              <p:pRg st="11" end="11"/>
+                                            </p:txEl>
+                                          </p:spTgt>
+                                        </p:tgtEl>
+                                        <p:attrNameLst>
+                                          <p:attrName>style.visibility</p:attrName>
+                                        </p:attrNameLst>
+                                      </p:cBhvr>
+                                      <p:to>
+                                        <p:strVal val="visible"/>
+                                      </p:to>
+                                    </p:set>
+                                  </p:childTnLst>
+                                </p:cTn>
+                              </p:par>
+                            </p:childTnLst>
+                          </p:cTn>
+                        </p:par>
+                      </p:childTnLst>
+                    </p:cTn>
+                  </p:par>
+                </p:childTnLst>
+              </p:cTn>
+              <p:prevCondLst>
+                <p:cond evt="onPrev" delay="0">
+                  <p:tgtEl>
+                    <p:sldTgt/>
+                  </p:tgtEl>
+                </p:cond>
+              </p:prevCondLst>
+              <p:nextCondLst>
+                <p:cond evt="onNext" delay="0">
+                  <p:tgtEl>
+                    <p:sldTgt/>
+                  </p:tgtEl>
+                </p:cond>
+              </p:nextCondLst>
+            </p:seq>
+          </p:childTnLst>
+        </p:cTn>
+      </p:par>
+    </p:tnLst>
+    <p:bldLst>
+      <p:bldP spid="2" grpId="0" uiExpand="1" build="p"/>
+    </p:bldLst>
+  </p:timing>
 </p:sld>
 </file>
 
@@ -28255,6 +29867,295 @@
   <p:transition>
     <p:fade/>
   </p:transition>
+  <p:timing>
+    <p:tnLst>
+      <p:par>
+        <p:cTn id="1" dur="indefinite" restart="never" nodeType="tmRoot">
+          <p:childTnLst>
+            <p:seq concurrent="1" nextAc="seek">
+              <p:cTn id="2" dur="indefinite" nodeType="mainSeq">
+                <p:childTnLst>
+                  <p:par>
+                    <p:cTn id="3" fill="hold">
+                      <p:stCondLst>
+                        <p:cond delay="indefinite"/>
+                        <p:cond evt="onBegin" delay="0">
+                          <p:tn val="2"/>
+                        </p:cond>
+                      </p:stCondLst>
+                      <p:childTnLst>
+                        <p:par>
+                          <p:cTn id="4" fill="hold">
+                            <p:stCondLst>
+                              <p:cond delay="0"/>
+                            </p:stCondLst>
+                            <p:childTnLst>
+                              <p:par>
+                                <p:cTn id="5" presetID="1" presetClass="entr" presetSubtype="0" fill="hold" grpId="0" nodeType="withEffect">
+                                  <p:stCondLst>
+                                    <p:cond delay="0"/>
+                                  </p:stCondLst>
+                                  <p:childTnLst>
+                                    <p:set>
+                                      <p:cBhvr>
+                                        <p:cTn id="6" dur="1" fill="hold">
+                                          <p:stCondLst>
+                                            <p:cond delay="0"/>
+                                          </p:stCondLst>
+                                        </p:cTn>
+                                        <p:tgtEl>
+                                          <p:spTgt spid="2">
+                                            <p:txEl>
+                                              <p:pRg st="0" end="0"/>
+                                            </p:txEl>
+                                          </p:spTgt>
+                                        </p:tgtEl>
+                                        <p:attrNameLst>
+                                          <p:attrName>style.visibility</p:attrName>
+                                        </p:attrNameLst>
+                                      </p:cBhvr>
+                                      <p:to>
+                                        <p:strVal val="visible"/>
+                                      </p:to>
+                                    </p:set>
+                                  </p:childTnLst>
+                                </p:cTn>
+                              </p:par>
+                              <p:par>
+                                <p:cTn id="7" presetID="1" presetClass="entr" presetSubtype="0" fill="hold" grpId="0" nodeType="withEffect">
+                                  <p:stCondLst>
+                                    <p:cond delay="0"/>
+                                  </p:stCondLst>
+                                  <p:childTnLst>
+                                    <p:set>
+                                      <p:cBhvr>
+                                        <p:cTn id="8" dur="1" fill="hold">
+                                          <p:stCondLst>
+                                            <p:cond delay="0"/>
+                                          </p:stCondLst>
+                                        </p:cTn>
+                                        <p:tgtEl>
+                                          <p:spTgt spid="2">
+                                            <p:txEl>
+                                              <p:pRg st="2" end="2"/>
+                                            </p:txEl>
+                                          </p:spTgt>
+                                        </p:tgtEl>
+                                        <p:attrNameLst>
+                                          <p:attrName>style.visibility</p:attrName>
+                                        </p:attrNameLst>
+                                      </p:cBhvr>
+                                      <p:to>
+                                        <p:strVal val="visible"/>
+                                      </p:to>
+                                    </p:set>
+                                  </p:childTnLst>
+                                </p:cTn>
+                              </p:par>
+                              <p:par>
+                                <p:cTn id="9" presetID="1" presetClass="entr" presetSubtype="0" fill="hold" grpId="0" nodeType="withEffect">
+                                  <p:stCondLst>
+                                    <p:cond delay="0"/>
+                                  </p:stCondLst>
+                                  <p:childTnLst>
+                                    <p:set>
+                                      <p:cBhvr>
+                                        <p:cTn id="10" dur="1" fill="hold">
+                                          <p:stCondLst>
+                                            <p:cond delay="0"/>
+                                          </p:stCondLst>
+                                        </p:cTn>
+                                        <p:tgtEl>
+                                          <p:spTgt spid="2">
+                                            <p:txEl>
+                                              <p:pRg st="3" end="3"/>
+                                            </p:txEl>
+                                          </p:spTgt>
+                                        </p:tgtEl>
+                                        <p:attrNameLst>
+                                          <p:attrName>style.visibility</p:attrName>
+                                        </p:attrNameLst>
+                                      </p:cBhvr>
+                                      <p:to>
+                                        <p:strVal val="visible"/>
+                                      </p:to>
+                                    </p:set>
+                                  </p:childTnLst>
+                                </p:cTn>
+                              </p:par>
+                            </p:childTnLst>
+                          </p:cTn>
+                        </p:par>
+                      </p:childTnLst>
+                    </p:cTn>
+                  </p:par>
+                  <p:par>
+                    <p:cTn id="11" fill="hold">
+                      <p:stCondLst>
+                        <p:cond delay="indefinite"/>
+                      </p:stCondLst>
+                      <p:childTnLst>
+                        <p:par>
+                          <p:cTn id="12" fill="hold">
+                            <p:stCondLst>
+                              <p:cond delay="0"/>
+                            </p:stCondLst>
+                            <p:childTnLst>
+                              <p:par>
+                                <p:cTn id="13" presetID="1" presetClass="entr" presetSubtype="0" fill="hold" grpId="0" nodeType="clickEffect">
+                                  <p:stCondLst>
+                                    <p:cond delay="0"/>
+                                  </p:stCondLst>
+                                  <p:childTnLst>
+                                    <p:set>
+                                      <p:cBhvr>
+                                        <p:cTn id="14" dur="1" fill="hold">
+                                          <p:stCondLst>
+                                            <p:cond delay="0"/>
+                                          </p:stCondLst>
+                                        </p:cTn>
+                                        <p:tgtEl>
+                                          <p:spTgt spid="2">
+                                            <p:txEl>
+                                              <p:pRg st="5" end="5"/>
+                                            </p:txEl>
+                                          </p:spTgt>
+                                        </p:tgtEl>
+                                        <p:attrNameLst>
+                                          <p:attrName>style.visibility</p:attrName>
+                                        </p:attrNameLst>
+                                      </p:cBhvr>
+                                      <p:to>
+                                        <p:strVal val="visible"/>
+                                      </p:to>
+                                    </p:set>
+                                  </p:childTnLst>
+                                </p:cTn>
+                              </p:par>
+                              <p:par>
+                                <p:cTn id="15" presetID="1" presetClass="entr" presetSubtype="0" fill="hold" grpId="0" nodeType="withEffect">
+                                  <p:stCondLst>
+                                    <p:cond delay="0"/>
+                                  </p:stCondLst>
+                                  <p:childTnLst>
+                                    <p:set>
+                                      <p:cBhvr>
+                                        <p:cTn id="16" dur="1" fill="hold">
+                                          <p:stCondLst>
+                                            <p:cond delay="0"/>
+                                          </p:stCondLst>
+                                        </p:cTn>
+                                        <p:tgtEl>
+                                          <p:spTgt spid="2">
+                                            <p:txEl>
+                                              <p:pRg st="6" end="6"/>
+                                            </p:txEl>
+                                          </p:spTgt>
+                                        </p:tgtEl>
+                                        <p:attrNameLst>
+                                          <p:attrName>style.visibility</p:attrName>
+                                        </p:attrNameLst>
+                                      </p:cBhvr>
+                                      <p:to>
+                                        <p:strVal val="visible"/>
+                                      </p:to>
+                                    </p:set>
+                                  </p:childTnLst>
+                                </p:cTn>
+                              </p:par>
+                              <p:par>
+                                <p:cTn id="17" presetID="1" presetClass="entr" presetSubtype="0" fill="hold" grpId="0" nodeType="withEffect">
+                                  <p:stCondLst>
+                                    <p:cond delay="0"/>
+                                  </p:stCondLst>
+                                  <p:childTnLst>
+                                    <p:set>
+                                      <p:cBhvr>
+                                        <p:cTn id="18" dur="1" fill="hold">
+                                          <p:stCondLst>
+                                            <p:cond delay="0"/>
+                                          </p:stCondLst>
+                                        </p:cTn>
+                                        <p:tgtEl>
+                                          <p:spTgt spid="2">
+                                            <p:txEl>
+                                              <p:pRg st="7" end="7"/>
+                                            </p:txEl>
+                                          </p:spTgt>
+                                        </p:tgtEl>
+                                        <p:attrNameLst>
+                                          <p:attrName>style.visibility</p:attrName>
+                                        </p:attrNameLst>
+                                      </p:cBhvr>
+                                      <p:to>
+                                        <p:strVal val="visible"/>
+                                      </p:to>
+                                    </p:set>
+                                  </p:childTnLst>
+                                </p:cTn>
+                              </p:par>
+                              <p:par>
+                                <p:cTn id="19" presetID="1" presetClass="entr" presetSubtype="0" fill="hold" grpId="0" nodeType="withEffect">
+                                  <p:stCondLst>
+                                    <p:cond delay="0"/>
+                                  </p:stCondLst>
+                                  <p:childTnLst>
+                                    <p:set>
+                                      <p:cBhvr>
+                                        <p:cTn id="20" dur="1" fill="hold">
+                                          <p:stCondLst>
+                                            <p:cond delay="0"/>
+                                          </p:stCondLst>
+                                        </p:cTn>
+                                        <p:tgtEl>
+                                          <p:spTgt spid="2">
+                                            <p:txEl>
+                                              <p:pRg st="8" end="8"/>
+                                            </p:txEl>
+                                          </p:spTgt>
+                                        </p:tgtEl>
+                                        <p:attrNameLst>
+                                          <p:attrName>style.visibility</p:attrName>
+                                        </p:attrNameLst>
+                                      </p:cBhvr>
+                                      <p:to>
+                                        <p:strVal val="visible"/>
+                                      </p:to>
+                                    </p:set>
+                                  </p:childTnLst>
+                                </p:cTn>
+                              </p:par>
+                            </p:childTnLst>
+                          </p:cTn>
+                        </p:par>
+                      </p:childTnLst>
+                    </p:cTn>
+                  </p:par>
+                </p:childTnLst>
+              </p:cTn>
+              <p:prevCondLst>
+                <p:cond evt="onPrev" delay="0">
+                  <p:tgtEl>
+                    <p:sldTgt/>
+                  </p:tgtEl>
+                </p:cond>
+              </p:prevCondLst>
+              <p:nextCondLst>
+                <p:cond evt="onNext" delay="0">
+                  <p:tgtEl>
+                    <p:sldTgt/>
+                  </p:tgtEl>
+                </p:cond>
+              </p:nextCondLst>
+            </p:seq>
+          </p:childTnLst>
+        </p:cTn>
+      </p:par>
+    </p:tnLst>
+    <p:bldLst>
+      <p:bldP spid="2" grpId="0" uiExpand="1" build="p"/>
+    </p:bldLst>
+  </p:timing>
 </p:sld>
 </file>
 
@@ -30884,6 +32785,483 @@
   <p:transition>
     <p:fade/>
   </p:transition>
+  <p:timing>
+    <p:tnLst>
+      <p:par>
+        <p:cTn id="1" dur="indefinite" restart="never" nodeType="tmRoot">
+          <p:childTnLst>
+            <p:seq concurrent="1" nextAc="seek">
+              <p:cTn id="2" dur="indefinite" nodeType="mainSeq">
+                <p:childTnLst>
+                  <p:par>
+                    <p:cTn id="3" fill="hold">
+                      <p:stCondLst>
+                        <p:cond delay="indefinite"/>
+                      </p:stCondLst>
+                      <p:childTnLst>
+                        <p:par>
+                          <p:cTn id="4" fill="hold">
+                            <p:stCondLst>
+                              <p:cond delay="0"/>
+                            </p:stCondLst>
+                            <p:childTnLst>
+                              <p:par>
+                                <p:cTn id="5" presetID="1" presetClass="entr" presetSubtype="0" fill="hold" grpId="0" nodeType="clickEffect">
+                                  <p:stCondLst>
+                                    <p:cond delay="0"/>
+                                  </p:stCondLst>
+                                  <p:childTnLst>
+                                    <p:set>
+                                      <p:cBhvr>
+                                        <p:cTn id="6" dur="1" fill="hold">
+                                          <p:stCondLst>
+                                            <p:cond delay="0"/>
+                                          </p:stCondLst>
+                                        </p:cTn>
+                                        <p:tgtEl>
+                                          <p:spTgt spid="2">
+                                            <p:txEl>
+                                              <p:pRg st="0" end="0"/>
+                                            </p:txEl>
+                                          </p:spTgt>
+                                        </p:tgtEl>
+                                        <p:attrNameLst>
+                                          <p:attrName>style.visibility</p:attrName>
+                                        </p:attrNameLst>
+                                      </p:cBhvr>
+                                      <p:to>
+                                        <p:strVal val="visible"/>
+                                      </p:to>
+                                    </p:set>
+                                  </p:childTnLst>
+                                </p:cTn>
+                              </p:par>
+                              <p:par>
+                                <p:cTn id="7" presetID="1" presetClass="entr" presetSubtype="0" fill="hold" grpId="0" nodeType="withEffect">
+                                  <p:stCondLst>
+                                    <p:cond delay="0"/>
+                                  </p:stCondLst>
+                                  <p:childTnLst>
+                                    <p:set>
+                                      <p:cBhvr>
+                                        <p:cTn id="8" dur="1" fill="hold">
+                                          <p:stCondLst>
+                                            <p:cond delay="0"/>
+                                          </p:stCondLst>
+                                        </p:cTn>
+                                        <p:tgtEl>
+                                          <p:spTgt spid="2">
+                                            <p:txEl>
+                                              <p:pRg st="1" end="1"/>
+                                            </p:txEl>
+                                          </p:spTgt>
+                                        </p:tgtEl>
+                                        <p:attrNameLst>
+                                          <p:attrName>style.visibility</p:attrName>
+                                        </p:attrNameLst>
+                                      </p:cBhvr>
+                                      <p:to>
+                                        <p:strVal val="visible"/>
+                                      </p:to>
+                                    </p:set>
+                                  </p:childTnLst>
+                                </p:cTn>
+                              </p:par>
+                              <p:par>
+                                <p:cTn id="9" presetID="1" presetClass="entr" presetSubtype="0" fill="hold" grpId="0" nodeType="withEffect">
+                                  <p:stCondLst>
+                                    <p:cond delay="0"/>
+                                  </p:stCondLst>
+                                  <p:childTnLst>
+                                    <p:set>
+                                      <p:cBhvr>
+                                        <p:cTn id="10" dur="1" fill="hold">
+                                          <p:stCondLst>
+                                            <p:cond delay="0"/>
+                                          </p:stCondLst>
+                                        </p:cTn>
+                                        <p:tgtEl>
+                                          <p:spTgt spid="2">
+                                            <p:txEl>
+                                              <p:pRg st="2" end="2"/>
+                                            </p:txEl>
+                                          </p:spTgt>
+                                        </p:tgtEl>
+                                        <p:attrNameLst>
+                                          <p:attrName>style.visibility</p:attrName>
+                                        </p:attrNameLst>
+                                      </p:cBhvr>
+                                      <p:to>
+                                        <p:strVal val="visible"/>
+                                      </p:to>
+                                    </p:set>
+                                  </p:childTnLst>
+                                </p:cTn>
+                              </p:par>
+                            </p:childTnLst>
+                          </p:cTn>
+                        </p:par>
+                      </p:childTnLst>
+                    </p:cTn>
+                  </p:par>
+                  <p:par>
+                    <p:cTn id="11" fill="hold">
+                      <p:stCondLst>
+                        <p:cond delay="indefinite"/>
+                      </p:stCondLst>
+                      <p:childTnLst>
+                        <p:par>
+                          <p:cTn id="12" fill="hold">
+                            <p:stCondLst>
+                              <p:cond delay="0"/>
+                            </p:stCondLst>
+                            <p:childTnLst>
+                              <p:par>
+                                <p:cTn id="13" presetID="1" presetClass="entr" presetSubtype="0" fill="hold" grpId="0" nodeType="clickEffect">
+                                  <p:stCondLst>
+                                    <p:cond delay="0"/>
+                                  </p:stCondLst>
+                                  <p:childTnLst>
+                                    <p:set>
+                                      <p:cBhvr>
+                                        <p:cTn id="14" dur="1" fill="hold">
+                                          <p:stCondLst>
+                                            <p:cond delay="0"/>
+                                          </p:stCondLst>
+                                        </p:cTn>
+                                        <p:tgtEl>
+                                          <p:spTgt spid="2">
+                                            <p:txEl>
+                                              <p:pRg st="3" end="3"/>
+                                            </p:txEl>
+                                          </p:spTgt>
+                                        </p:tgtEl>
+                                        <p:attrNameLst>
+                                          <p:attrName>style.visibility</p:attrName>
+                                        </p:attrNameLst>
+                                      </p:cBhvr>
+                                      <p:to>
+                                        <p:strVal val="visible"/>
+                                      </p:to>
+                                    </p:set>
+                                  </p:childTnLst>
+                                </p:cTn>
+                              </p:par>
+                              <p:par>
+                                <p:cTn id="15" presetID="1" presetClass="entr" presetSubtype="0" fill="hold" grpId="0" nodeType="withEffect">
+                                  <p:stCondLst>
+                                    <p:cond delay="0"/>
+                                  </p:stCondLst>
+                                  <p:childTnLst>
+                                    <p:set>
+                                      <p:cBhvr>
+                                        <p:cTn id="16" dur="1" fill="hold">
+                                          <p:stCondLst>
+                                            <p:cond delay="0"/>
+                                          </p:stCondLst>
+                                        </p:cTn>
+                                        <p:tgtEl>
+                                          <p:spTgt spid="2">
+                                            <p:txEl>
+                                              <p:pRg st="4" end="4"/>
+                                            </p:txEl>
+                                          </p:spTgt>
+                                        </p:tgtEl>
+                                        <p:attrNameLst>
+                                          <p:attrName>style.visibility</p:attrName>
+                                        </p:attrNameLst>
+                                      </p:cBhvr>
+                                      <p:to>
+                                        <p:strVal val="visible"/>
+                                      </p:to>
+                                    </p:set>
+                                  </p:childTnLst>
+                                </p:cTn>
+                              </p:par>
+                              <p:par>
+                                <p:cTn id="17" presetID="1" presetClass="entr" presetSubtype="0" fill="hold" grpId="0" nodeType="withEffect">
+                                  <p:stCondLst>
+                                    <p:cond delay="0"/>
+                                  </p:stCondLst>
+                                  <p:childTnLst>
+                                    <p:set>
+                                      <p:cBhvr>
+                                        <p:cTn id="18" dur="1" fill="hold">
+                                          <p:stCondLst>
+                                            <p:cond delay="0"/>
+                                          </p:stCondLst>
+                                        </p:cTn>
+                                        <p:tgtEl>
+                                          <p:spTgt spid="2">
+                                            <p:txEl>
+                                              <p:pRg st="5" end="5"/>
+                                            </p:txEl>
+                                          </p:spTgt>
+                                        </p:tgtEl>
+                                        <p:attrNameLst>
+                                          <p:attrName>style.visibility</p:attrName>
+                                        </p:attrNameLst>
+                                      </p:cBhvr>
+                                      <p:to>
+                                        <p:strVal val="visible"/>
+                                      </p:to>
+                                    </p:set>
+                                  </p:childTnLst>
+                                </p:cTn>
+                              </p:par>
+                              <p:par>
+                                <p:cTn id="19" presetID="1" presetClass="entr" presetSubtype="0" fill="hold" grpId="0" nodeType="withEffect">
+                                  <p:stCondLst>
+                                    <p:cond delay="0"/>
+                                  </p:stCondLst>
+                                  <p:childTnLst>
+                                    <p:set>
+                                      <p:cBhvr>
+                                        <p:cTn id="20" dur="1" fill="hold">
+                                          <p:stCondLst>
+                                            <p:cond delay="0"/>
+                                          </p:stCondLst>
+                                        </p:cTn>
+                                        <p:tgtEl>
+                                          <p:spTgt spid="2">
+                                            <p:txEl>
+                                              <p:pRg st="6" end="6"/>
+                                            </p:txEl>
+                                          </p:spTgt>
+                                        </p:tgtEl>
+                                        <p:attrNameLst>
+                                          <p:attrName>style.visibility</p:attrName>
+                                        </p:attrNameLst>
+                                      </p:cBhvr>
+                                      <p:to>
+                                        <p:strVal val="visible"/>
+                                      </p:to>
+                                    </p:set>
+                                  </p:childTnLst>
+                                </p:cTn>
+                              </p:par>
+                            </p:childTnLst>
+                          </p:cTn>
+                        </p:par>
+                      </p:childTnLst>
+                    </p:cTn>
+                  </p:par>
+                  <p:par>
+                    <p:cTn id="21" fill="hold">
+                      <p:stCondLst>
+                        <p:cond delay="indefinite"/>
+                      </p:stCondLst>
+                      <p:childTnLst>
+                        <p:par>
+                          <p:cTn id="22" fill="hold">
+                            <p:stCondLst>
+                              <p:cond delay="0"/>
+                            </p:stCondLst>
+                            <p:childTnLst>
+                              <p:par>
+                                <p:cTn id="23" presetID="1" presetClass="entr" presetSubtype="0" fill="hold" grpId="0" nodeType="clickEffect">
+                                  <p:stCondLst>
+                                    <p:cond delay="0"/>
+                                  </p:stCondLst>
+                                  <p:childTnLst>
+                                    <p:set>
+                                      <p:cBhvr>
+                                        <p:cTn id="24" dur="1" fill="hold">
+                                          <p:stCondLst>
+                                            <p:cond delay="0"/>
+                                          </p:stCondLst>
+                                        </p:cTn>
+                                        <p:tgtEl>
+                                          <p:spTgt spid="2">
+                                            <p:txEl>
+                                              <p:pRg st="8" end="8"/>
+                                            </p:txEl>
+                                          </p:spTgt>
+                                        </p:tgtEl>
+                                        <p:attrNameLst>
+                                          <p:attrName>style.visibility</p:attrName>
+                                        </p:attrNameLst>
+                                      </p:cBhvr>
+                                      <p:to>
+                                        <p:strVal val="visible"/>
+                                      </p:to>
+                                    </p:set>
+                                  </p:childTnLst>
+                                </p:cTn>
+                              </p:par>
+                              <p:par>
+                                <p:cTn id="25" presetID="1" presetClass="entr" presetSubtype="0" fill="hold" grpId="0" nodeType="withEffect">
+                                  <p:stCondLst>
+                                    <p:cond delay="0"/>
+                                  </p:stCondLst>
+                                  <p:childTnLst>
+                                    <p:set>
+                                      <p:cBhvr>
+                                        <p:cTn id="26" dur="1" fill="hold">
+                                          <p:stCondLst>
+                                            <p:cond delay="0"/>
+                                          </p:stCondLst>
+                                        </p:cTn>
+                                        <p:tgtEl>
+                                          <p:spTgt spid="2">
+                                            <p:txEl>
+                                              <p:pRg st="9" end="9"/>
+                                            </p:txEl>
+                                          </p:spTgt>
+                                        </p:tgtEl>
+                                        <p:attrNameLst>
+                                          <p:attrName>style.visibility</p:attrName>
+                                        </p:attrNameLst>
+                                      </p:cBhvr>
+                                      <p:to>
+                                        <p:strVal val="visible"/>
+                                      </p:to>
+                                    </p:set>
+                                  </p:childTnLst>
+                                </p:cTn>
+                              </p:par>
+                            </p:childTnLst>
+                          </p:cTn>
+                        </p:par>
+                      </p:childTnLst>
+                    </p:cTn>
+                  </p:par>
+                  <p:par>
+                    <p:cTn id="27" fill="hold">
+                      <p:stCondLst>
+                        <p:cond delay="indefinite"/>
+                      </p:stCondLst>
+                      <p:childTnLst>
+                        <p:par>
+                          <p:cTn id="28" fill="hold">
+                            <p:stCondLst>
+                              <p:cond delay="0"/>
+                            </p:stCondLst>
+                            <p:childTnLst>
+                              <p:par>
+                                <p:cTn id="29" presetID="1" presetClass="entr" presetSubtype="0" fill="hold" grpId="0" nodeType="clickEffect">
+                                  <p:stCondLst>
+                                    <p:cond delay="0"/>
+                                  </p:stCondLst>
+                                  <p:childTnLst>
+                                    <p:set>
+                                      <p:cBhvr>
+                                        <p:cTn id="30" dur="1" fill="hold">
+                                          <p:stCondLst>
+                                            <p:cond delay="0"/>
+                                          </p:stCondLst>
+                                        </p:cTn>
+                                        <p:tgtEl>
+                                          <p:spTgt spid="2">
+                                            <p:txEl>
+                                              <p:pRg st="10" end="10"/>
+                                            </p:txEl>
+                                          </p:spTgt>
+                                        </p:tgtEl>
+                                        <p:attrNameLst>
+                                          <p:attrName>style.visibility</p:attrName>
+                                        </p:attrNameLst>
+                                      </p:cBhvr>
+                                      <p:to>
+                                        <p:strVal val="visible"/>
+                                      </p:to>
+                                    </p:set>
+                                  </p:childTnLst>
+                                </p:cTn>
+                              </p:par>
+                              <p:par>
+                                <p:cTn id="31" presetID="1" presetClass="entr" presetSubtype="0" fill="hold" grpId="0" nodeType="withEffect">
+                                  <p:stCondLst>
+                                    <p:cond delay="0"/>
+                                  </p:stCondLst>
+                                  <p:childTnLst>
+                                    <p:set>
+                                      <p:cBhvr>
+                                        <p:cTn id="32" dur="1" fill="hold">
+                                          <p:stCondLst>
+                                            <p:cond delay="0"/>
+                                          </p:stCondLst>
+                                        </p:cTn>
+                                        <p:tgtEl>
+                                          <p:spTgt spid="2">
+                                            <p:txEl>
+                                              <p:pRg st="11" end="11"/>
+                                            </p:txEl>
+                                          </p:spTgt>
+                                        </p:tgtEl>
+                                        <p:attrNameLst>
+                                          <p:attrName>style.visibility</p:attrName>
+                                        </p:attrNameLst>
+                                      </p:cBhvr>
+                                      <p:to>
+                                        <p:strVal val="visible"/>
+                                      </p:to>
+                                    </p:set>
+                                  </p:childTnLst>
+                                </p:cTn>
+                              </p:par>
+                              <p:par>
+                                <p:cTn id="33" presetID="1" presetClass="entr" presetSubtype="0" fill="hold" grpId="0" nodeType="withEffect">
+                                  <p:stCondLst>
+                                    <p:cond delay="0"/>
+                                  </p:stCondLst>
+                                  <p:childTnLst>
+                                    <p:set>
+                                      <p:cBhvr>
+                                        <p:cTn id="34" dur="1" fill="hold">
+                                          <p:stCondLst>
+                                            <p:cond delay="0"/>
+                                          </p:stCondLst>
+                                        </p:cTn>
+                                        <p:tgtEl>
+                                          <p:spTgt spid="2">
+                                            <p:txEl>
+                                              <p:pRg st="12" end="12"/>
+                                            </p:txEl>
+                                          </p:spTgt>
+                                        </p:tgtEl>
+                                        <p:attrNameLst>
+                                          <p:attrName>style.visibility</p:attrName>
+                                        </p:attrNameLst>
+                                      </p:cBhvr>
+                                      <p:to>
+                                        <p:strVal val="visible"/>
+                                      </p:to>
+                                    </p:set>
+                                  </p:childTnLst>
+                                </p:cTn>
+                              </p:par>
+                            </p:childTnLst>
+                          </p:cTn>
+                        </p:par>
+                      </p:childTnLst>
+                    </p:cTn>
+                  </p:par>
+                </p:childTnLst>
+              </p:cTn>
+              <p:prevCondLst>
+                <p:cond evt="onPrev" delay="0">
+                  <p:tgtEl>
+                    <p:sldTgt/>
+                  </p:tgtEl>
+                </p:cond>
+              </p:prevCondLst>
+              <p:nextCondLst>
+                <p:cond evt="onNext" delay="0">
+                  <p:tgtEl>
+                    <p:sldTgt/>
+                  </p:tgtEl>
+                </p:cond>
+              </p:nextCondLst>
+            </p:seq>
+          </p:childTnLst>
+        </p:cTn>
+      </p:par>
+    </p:tnLst>
+    <p:bldLst>
+      <p:bldP spid="2" grpId="0" uiExpand="1" build="p"/>
+    </p:bldLst>
+  </p:timing>
 </p:sld>
 </file>
 
@@ -30920,7 +33298,12 @@
             <p:ph type="body" sz="quarter" idx="13"/>
           </p:nvPr>
         </p:nvSpPr>
-        <p:spPr/>
+        <p:spPr>
+          <a:xfrm>
+            <a:off x="358776" y="1239837"/>
+            <a:ext cx="7381576" cy="3563938"/>
+          </a:xfrm>
+        </p:spPr>
         <p:txBody>
           <a:bodyPr/>
           <a:lstStyle/>
@@ -30981,22 +33364,7 @@
             <a:pPr lvl="1"/>
             <a:r>
               <a:rPr lang="de-DE" altLang="de-DE" sz="1200" dirty="0"/>
-              <a:t>{VOR} </a:t>
-            </a:r>
-            <a:r>
-              <a:rPr lang="el-GR" altLang="de-DE" sz="1200" i="1" dirty="0"/>
-              <a:t>β</a:t>
-            </a:r>
-            <a:r>
-              <a:rPr lang="de-DE" altLang="de-DE" sz="1200" dirty="0"/>
-              <a:t> {NACH} </a:t>
-            </a:r>
-          </a:p>
-          <a:p>
-            <a:pPr lvl="1"/>
-            <a:r>
-              <a:rPr lang="de-DE" altLang="de-DE" sz="1200" dirty="0"/>
-              <a:t>{ X · Y = Z + W · X </a:t>
+              <a:t>{ P </a:t>
             </a:r>
             <a:r>
               <a:rPr lang="de-DE" altLang="de-DE" sz="1200" dirty="0">
@@ -31007,25 +33375,38 @@
             </a:r>
             <a:r>
               <a:rPr lang="de-DE" altLang="de-DE" sz="1200" dirty="0"/>
-              <a:t> W ≠ 0 } </a:t>
-            </a:r>
-            <a:br>
+              <a:t> B } </a:t>
+            </a:r>
+            <a:r>
+              <a:rPr lang="el-GR" altLang="de-DE" sz="1200" i="1" dirty="0"/>
+              <a:t>β</a:t>
+            </a:r>
+            <a:r>
               <a:rPr lang="de-DE" altLang="de-DE" sz="1200" dirty="0"/>
-            </a:br>
+              <a:t> { P }</a:t>
+            </a:r>
+          </a:p>
+          <a:p>
+            <a:pPr lvl="1"/>
+            <a:endParaRPr lang="de-DE" altLang="de-DE" sz="1200" dirty="0"/>
+          </a:p>
+          <a:p>
+            <a:pPr lvl="1"/>
             <a:r>
               <a:rPr lang="de-DE" altLang="de-DE" sz="1200" dirty="0"/>
-              <a:t>  Z´:= Z + X; W´:= W − 1 </a:t>
-            </a:r>
-            <a:br>
+              <a:t>{ X · Y = Z + W · X </a:t>
+            </a:r>
+            <a:r>
+              <a:rPr lang="de-DE" altLang="de-DE" sz="1200" dirty="0">
+                <a:latin typeface="Lucida Sans Unicode"/>
+                <a:cs typeface="Lucida Sans Unicode"/>
+              </a:rPr>
+              <a:t>∧</a:t>
+            </a:r>
+            <a:r>
               <a:rPr lang="de-DE" altLang="de-DE" sz="1200" dirty="0"/>
-            </a:br>
-            <a:r>
-              <a:rPr lang="de-DE" altLang="de-DE" sz="1200" dirty="0"/>
-              <a:t>{ X´· Y´ = Z´ + W´· X´ }</a:t>
-            </a:r>
-          </a:p>
-          <a:p>
-            <a:endParaRPr lang="de-DE" altLang="de-DE" sz="1200" dirty="0"/>
+              <a:t> W ≠ 0 } 	 Z´:= Z + X; W´:= W − 1 	{ X´· Y´ = Z´ + W´· X´ }</a:t>
+            </a:r>
           </a:p>
           <a:p>
             <a:r>
@@ -31121,6 +33502,408 @@
   <p:transition>
     <p:fade/>
   </p:transition>
+  <p:timing>
+    <p:tnLst>
+      <p:par>
+        <p:cTn id="1" dur="indefinite" restart="never" nodeType="tmRoot">
+          <p:childTnLst>
+            <p:seq concurrent="1" nextAc="seek">
+              <p:cTn id="2" dur="indefinite" nodeType="mainSeq">
+                <p:childTnLst>
+                  <p:par>
+                    <p:cTn id="3" fill="hold">
+                      <p:stCondLst>
+                        <p:cond delay="indefinite"/>
+                      </p:stCondLst>
+                      <p:childTnLst>
+                        <p:par>
+                          <p:cTn id="4" fill="hold">
+                            <p:stCondLst>
+                              <p:cond delay="0"/>
+                            </p:stCondLst>
+                            <p:childTnLst>
+                              <p:par>
+                                <p:cTn id="5" presetID="1" presetClass="entr" presetSubtype="0" fill="hold" grpId="0" nodeType="clickEffect">
+                                  <p:stCondLst>
+                                    <p:cond delay="0"/>
+                                  </p:stCondLst>
+                                  <p:childTnLst>
+                                    <p:set>
+                                      <p:cBhvr>
+                                        <p:cTn id="6" dur="1" fill="hold">
+                                          <p:stCondLst>
+                                            <p:cond delay="0"/>
+                                          </p:stCondLst>
+                                        </p:cTn>
+                                        <p:tgtEl>
+                                          <p:spTgt spid="2">
+                                            <p:txEl>
+                                              <p:pRg st="0" end="0"/>
+                                            </p:txEl>
+                                          </p:spTgt>
+                                        </p:tgtEl>
+                                        <p:attrNameLst>
+                                          <p:attrName>style.visibility</p:attrName>
+                                        </p:attrNameLst>
+                                      </p:cBhvr>
+                                      <p:to>
+                                        <p:strVal val="visible"/>
+                                      </p:to>
+                                    </p:set>
+                                  </p:childTnLst>
+                                </p:cTn>
+                              </p:par>
+                            </p:childTnLst>
+                          </p:cTn>
+                        </p:par>
+                      </p:childTnLst>
+                    </p:cTn>
+                  </p:par>
+                  <p:par>
+                    <p:cTn id="7" fill="hold">
+                      <p:stCondLst>
+                        <p:cond delay="indefinite"/>
+                      </p:stCondLst>
+                      <p:childTnLst>
+                        <p:par>
+                          <p:cTn id="8" fill="hold">
+                            <p:stCondLst>
+                              <p:cond delay="0"/>
+                            </p:stCondLst>
+                            <p:childTnLst>
+                              <p:par>
+                                <p:cTn id="9" presetID="1" presetClass="entr" presetSubtype="0" fill="hold" grpId="0" nodeType="clickEffect">
+                                  <p:stCondLst>
+                                    <p:cond delay="0"/>
+                                  </p:stCondLst>
+                                  <p:childTnLst>
+                                    <p:set>
+                                      <p:cBhvr>
+                                        <p:cTn id="10" dur="1" fill="hold">
+                                          <p:stCondLst>
+                                            <p:cond delay="0"/>
+                                          </p:stCondLst>
+                                        </p:cTn>
+                                        <p:tgtEl>
+                                          <p:spTgt spid="2">
+                                            <p:txEl>
+                                              <p:pRg st="1" end="1"/>
+                                            </p:txEl>
+                                          </p:spTgt>
+                                        </p:tgtEl>
+                                        <p:attrNameLst>
+                                          <p:attrName>style.visibility</p:attrName>
+                                        </p:attrNameLst>
+                                      </p:cBhvr>
+                                      <p:to>
+                                        <p:strVal val="visible"/>
+                                      </p:to>
+                                    </p:set>
+                                  </p:childTnLst>
+                                </p:cTn>
+                              </p:par>
+                            </p:childTnLst>
+                          </p:cTn>
+                        </p:par>
+                      </p:childTnLst>
+                    </p:cTn>
+                  </p:par>
+                  <p:par>
+                    <p:cTn id="11" fill="hold">
+                      <p:stCondLst>
+                        <p:cond delay="indefinite"/>
+                      </p:stCondLst>
+                      <p:childTnLst>
+                        <p:par>
+                          <p:cTn id="12" fill="hold">
+                            <p:stCondLst>
+                              <p:cond delay="0"/>
+                            </p:stCondLst>
+                            <p:childTnLst>
+                              <p:par>
+                                <p:cTn id="13" presetID="1" presetClass="entr" presetSubtype="0" fill="hold" grpId="0" nodeType="clickEffect">
+                                  <p:stCondLst>
+                                    <p:cond delay="0"/>
+                                  </p:stCondLst>
+                                  <p:childTnLst>
+                                    <p:set>
+                                      <p:cBhvr>
+                                        <p:cTn id="14" dur="1" fill="hold">
+                                          <p:stCondLst>
+                                            <p:cond delay="0"/>
+                                          </p:stCondLst>
+                                        </p:cTn>
+                                        <p:tgtEl>
+                                          <p:spTgt spid="2">
+                                            <p:txEl>
+                                              <p:pRg st="2" end="2"/>
+                                            </p:txEl>
+                                          </p:spTgt>
+                                        </p:tgtEl>
+                                        <p:attrNameLst>
+                                          <p:attrName>style.visibility</p:attrName>
+                                        </p:attrNameLst>
+                                      </p:cBhvr>
+                                      <p:to>
+                                        <p:strVal val="visible"/>
+                                      </p:to>
+                                    </p:set>
+                                  </p:childTnLst>
+                                </p:cTn>
+                              </p:par>
+                              <p:par>
+                                <p:cTn id="15" presetID="1" presetClass="entr" presetSubtype="0" fill="hold" grpId="0" nodeType="withEffect">
+                                  <p:stCondLst>
+                                    <p:cond delay="0"/>
+                                  </p:stCondLst>
+                                  <p:childTnLst>
+                                    <p:set>
+                                      <p:cBhvr>
+                                        <p:cTn id="16" dur="1" fill="hold">
+                                          <p:stCondLst>
+                                            <p:cond delay="0"/>
+                                          </p:stCondLst>
+                                        </p:cTn>
+                                        <p:tgtEl>
+                                          <p:spTgt spid="2">
+                                            <p:txEl>
+                                              <p:pRg st="3" end="3"/>
+                                            </p:txEl>
+                                          </p:spTgt>
+                                        </p:tgtEl>
+                                        <p:attrNameLst>
+                                          <p:attrName>style.visibility</p:attrName>
+                                        </p:attrNameLst>
+                                      </p:cBhvr>
+                                      <p:to>
+                                        <p:strVal val="visible"/>
+                                      </p:to>
+                                    </p:set>
+                                  </p:childTnLst>
+                                </p:cTn>
+                              </p:par>
+                            </p:childTnLst>
+                          </p:cTn>
+                        </p:par>
+                      </p:childTnLst>
+                    </p:cTn>
+                  </p:par>
+                  <p:par>
+                    <p:cTn id="17" fill="hold">
+                      <p:stCondLst>
+                        <p:cond delay="indefinite"/>
+                      </p:stCondLst>
+                      <p:childTnLst>
+                        <p:par>
+                          <p:cTn id="18" fill="hold">
+                            <p:stCondLst>
+                              <p:cond delay="0"/>
+                            </p:stCondLst>
+                            <p:childTnLst>
+                              <p:par>
+                                <p:cTn id="19" presetID="1" presetClass="entr" presetSubtype="0" fill="hold" grpId="0" nodeType="clickEffect">
+                                  <p:stCondLst>
+                                    <p:cond delay="0"/>
+                                  </p:stCondLst>
+                                  <p:childTnLst>
+                                    <p:set>
+                                      <p:cBhvr>
+                                        <p:cTn id="20" dur="1" fill="hold">
+                                          <p:stCondLst>
+                                            <p:cond delay="0"/>
+                                          </p:stCondLst>
+                                        </p:cTn>
+                                        <p:tgtEl>
+                                          <p:spTgt spid="2">
+                                            <p:txEl>
+                                              <p:pRg st="5" end="5"/>
+                                            </p:txEl>
+                                          </p:spTgt>
+                                        </p:tgtEl>
+                                        <p:attrNameLst>
+                                          <p:attrName>style.visibility</p:attrName>
+                                        </p:attrNameLst>
+                                      </p:cBhvr>
+                                      <p:to>
+                                        <p:strVal val="visible"/>
+                                      </p:to>
+                                    </p:set>
+                                  </p:childTnLst>
+                                </p:cTn>
+                              </p:par>
+                            </p:childTnLst>
+                          </p:cTn>
+                        </p:par>
+                      </p:childTnLst>
+                    </p:cTn>
+                  </p:par>
+                  <p:par>
+                    <p:cTn id="21" fill="hold">
+                      <p:stCondLst>
+                        <p:cond delay="indefinite"/>
+                      </p:stCondLst>
+                      <p:childTnLst>
+                        <p:par>
+                          <p:cTn id="22" fill="hold">
+                            <p:stCondLst>
+                              <p:cond delay="0"/>
+                            </p:stCondLst>
+                            <p:childTnLst>
+                              <p:par>
+                                <p:cTn id="23" presetID="1" presetClass="entr" presetSubtype="0" fill="hold" grpId="0" nodeType="clickEffect">
+                                  <p:stCondLst>
+                                    <p:cond delay="0"/>
+                                  </p:stCondLst>
+                                  <p:childTnLst>
+                                    <p:set>
+                                      <p:cBhvr>
+                                        <p:cTn id="24" dur="1" fill="hold">
+                                          <p:stCondLst>
+                                            <p:cond delay="0"/>
+                                          </p:stCondLst>
+                                        </p:cTn>
+                                        <p:tgtEl>
+                                          <p:spTgt spid="2">
+                                            <p:txEl>
+                                              <p:pRg st="6" end="6"/>
+                                            </p:txEl>
+                                          </p:spTgt>
+                                        </p:tgtEl>
+                                        <p:attrNameLst>
+                                          <p:attrName>style.visibility</p:attrName>
+                                        </p:attrNameLst>
+                                      </p:cBhvr>
+                                      <p:to>
+                                        <p:strVal val="visible"/>
+                                      </p:to>
+                                    </p:set>
+                                  </p:childTnLst>
+                                </p:cTn>
+                              </p:par>
+                              <p:par>
+                                <p:cTn id="25" presetID="1" presetClass="entr" presetSubtype="0" fill="hold" grpId="0" nodeType="withEffect">
+                                  <p:stCondLst>
+                                    <p:cond delay="0"/>
+                                  </p:stCondLst>
+                                  <p:childTnLst>
+                                    <p:set>
+                                      <p:cBhvr>
+                                        <p:cTn id="26" dur="1" fill="hold">
+                                          <p:stCondLst>
+                                            <p:cond delay="0"/>
+                                          </p:stCondLst>
+                                        </p:cTn>
+                                        <p:tgtEl>
+                                          <p:spTgt spid="2">
+                                            <p:txEl>
+                                              <p:pRg st="7" end="7"/>
+                                            </p:txEl>
+                                          </p:spTgt>
+                                        </p:tgtEl>
+                                        <p:attrNameLst>
+                                          <p:attrName>style.visibility</p:attrName>
+                                        </p:attrNameLst>
+                                      </p:cBhvr>
+                                      <p:to>
+                                        <p:strVal val="visible"/>
+                                      </p:to>
+                                    </p:set>
+                                  </p:childTnLst>
+                                </p:cTn>
+                              </p:par>
+                              <p:par>
+                                <p:cTn id="27" presetID="1" presetClass="entr" presetSubtype="0" fill="hold" grpId="0" nodeType="withEffect">
+                                  <p:stCondLst>
+                                    <p:cond delay="0"/>
+                                  </p:stCondLst>
+                                  <p:childTnLst>
+                                    <p:set>
+                                      <p:cBhvr>
+                                        <p:cTn id="28" dur="1" fill="hold">
+                                          <p:stCondLst>
+                                            <p:cond delay="0"/>
+                                          </p:stCondLst>
+                                        </p:cTn>
+                                        <p:tgtEl>
+                                          <p:spTgt spid="2">
+                                            <p:txEl>
+                                              <p:pRg st="8" end="8"/>
+                                            </p:txEl>
+                                          </p:spTgt>
+                                        </p:tgtEl>
+                                        <p:attrNameLst>
+                                          <p:attrName>style.visibility</p:attrName>
+                                        </p:attrNameLst>
+                                      </p:cBhvr>
+                                      <p:to>
+                                        <p:strVal val="visible"/>
+                                      </p:to>
+                                    </p:set>
+                                  </p:childTnLst>
+                                </p:cTn>
+                              </p:par>
+                              <p:par>
+                                <p:cTn id="29" presetID="1" presetClass="entr" presetSubtype="0" fill="hold" grpId="0" nodeType="withEffect">
+                                  <p:stCondLst>
+                                    <p:cond delay="0"/>
+                                  </p:stCondLst>
+                                  <p:childTnLst>
+                                    <p:set>
+                                      <p:cBhvr>
+                                        <p:cTn id="30" dur="1" fill="hold">
+                                          <p:stCondLst>
+                                            <p:cond delay="0"/>
+                                          </p:stCondLst>
+                                        </p:cTn>
+                                        <p:tgtEl>
+                                          <p:spTgt spid="2">
+                                            <p:txEl>
+                                              <p:pRg st="9" end="9"/>
+                                            </p:txEl>
+                                          </p:spTgt>
+                                        </p:tgtEl>
+                                        <p:attrNameLst>
+                                          <p:attrName>style.visibility</p:attrName>
+                                        </p:attrNameLst>
+                                      </p:cBhvr>
+                                      <p:to>
+                                        <p:strVal val="visible"/>
+                                      </p:to>
+                                    </p:set>
+                                  </p:childTnLst>
+                                </p:cTn>
+                              </p:par>
+                            </p:childTnLst>
+                          </p:cTn>
+                        </p:par>
+                      </p:childTnLst>
+                    </p:cTn>
+                  </p:par>
+                </p:childTnLst>
+              </p:cTn>
+              <p:prevCondLst>
+                <p:cond evt="onPrev" delay="0">
+                  <p:tgtEl>
+                    <p:sldTgt/>
+                  </p:tgtEl>
+                </p:cond>
+              </p:prevCondLst>
+              <p:nextCondLst>
+                <p:cond evt="onNext" delay="0">
+                  <p:tgtEl>
+                    <p:sldTgt/>
+                  </p:tgtEl>
+                </p:cond>
+              </p:nextCondLst>
+            </p:seq>
+          </p:childTnLst>
+        </p:cTn>
+      </p:par>
+    </p:tnLst>
+    <p:bldLst>
+      <p:bldP spid="2" grpId="0" uiExpand="1" build="p"/>
+    </p:bldLst>
+  </p:timing>
 </p:sld>
 </file>
 
@@ -31173,7 +33956,16 @@
           <a:p>
             <a:r>
               <a:rPr lang="de-DE" altLang="de-DE" dirty="0"/>
-              <a:t>Dritter Schritt: Zeigen dass (P </a:t>
+              <a:t>Dritter Schritt: </a:t>
+            </a:r>
+          </a:p>
+          <a:p>
+            <a:pPr marL="0" indent="0">
+              <a:buNone/>
+            </a:pPr>
+            <a:r>
+              <a:rPr lang="de-DE" altLang="de-DE" dirty="0"/>
+              <a:t>Zeigen dass (P </a:t>
             </a:r>
             <a:r>
               <a:rPr lang="de-DE" altLang="de-DE" dirty="0">
@@ -31236,16 +34028,13 @@
             <a:pPr lvl="1"/>
             <a:r>
               <a:rPr lang="de-DE" altLang="de-DE" dirty="0"/>
-              <a:t>Terminierung klar</a:t>
-            </a:r>
-          </a:p>
-          <a:p>
-            <a:r>
-              <a:rPr lang="de-DE" altLang="de-DE" dirty="0"/>
-              <a:t>Totale Korrektheit mit nächstem Beispiel</a:t>
-            </a:r>
-          </a:p>
-          <a:p>
+              <a:t>Terminierung klar (für positives Y)</a:t>
+            </a:r>
+          </a:p>
+          <a:p>
+            <a:pPr marL="0" indent="0">
+              <a:buNone/>
+            </a:pPr>
             <a:endParaRPr lang="en-DE" dirty="0"/>
           </a:p>
         </p:txBody>
@@ -31292,6 +34081,279 @@
   <p:transition>
     <p:fade/>
   </p:transition>
+  <p:timing>
+    <p:tnLst>
+      <p:par>
+        <p:cTn id="1" dur="indefinite" restart="never" nodeType="tmRoot">
+          <p:childTnLst>
+            <p:seq concurrent="1" nextAc="seek">
+              <p:cTn id="2" dur="indefinite" nodeType="mainSeq">
+                <p:childTnLst>
+                  <p:par>
+                    <p:cTn id="3" fill="hold">
+                      <p:stCondLst>
+                        <p:cond delay="indefinite"/>
+                      </p:stCondLst>
+                      <p:childTnLst>
+                        <p:par>
+                          <p:cTn id="4" fill="hold">
+                            <p:stCondLst>
+                              <p:cond delay="0"/>
+                            </p:stCondLst>
+                            <p:childTnLst>
+                              <p:par>
+                                <p:cTn id="5" presetID="1" presetClass="entr" presetSubtype="0" fill="hold" grpId="0" nodeType="clickEffect">
+                                  <p:stCondLst>
+                                    <p:cond delay="0"/>
+                                  </p:stCondLst>
+                                  <p:childTnLst>
+                                    <p:set>
+                                      <p:cBhvr>
+                                        <p:cTn id="6" dur="1" fill="hold">
+                                          <p:stCondLst>
+                                            <p:cond delay="0"/>
+                                          </p:stCondLst>
+                                        </p:cTn>
+                                        <p:tgtEl>
+                                          <p:spTgt spid="2">
+                                            <p:txEl>
+                                              <p:pRg st="0" end="0"/>
+                                            </p:txEl>
+                                          </p:spTgt>
+                                        </p:tgtEl>
+                                        <p:attrNameLst>
+                                          <p:attrName>style.visibility</p:attrName>
+                                        </p:attrNameLst>
+                                      </p:cBhvr>
+                                      <p:to>
+                                        <p:strVal val="visible"/>
+                                      </p:to>
+                                    </p:set>
+                                  </p:childTnLst>
+                                </p:cTn>
+                              </p:par>
+                            </p:childTnLst>
+                          </p:cTn>
+                        </p:par>
+                      </p:childTnLst>
+                    </p:cTn>
+                  </p:par>
+                  <p:par>
+                    <p:cTn id="7" fill="hold">
+                      <p:stCondLst>
+                        <p:cond delay="indefinite"/>
+                      </p:stCondLst>
+                      <p:childTnLst>
+                        <p:par>
+                          <p:cTn id="8" fill="hold">
+                            <p:stCondLst>
+                              <p:cond delay="0"/>
+                            </p:stCondLst>
+                            <p:childTnLst>
+                              <p:par>
+                                <p:cTn id="9" presetID="1" presetClass="entr" presetSubtype="0" fill="hold" grpId="0" nodeType="clickEffect">
+                                  <p:stCondLst>
+                                    <p:cond delay="0"/>
+                                  </p:stCondLst>
+                                  <p:childTnLst>
+                                    <p:set>
+                                      <p:cBhvr>
+                                        <p:cTn id="10" dur="1" fill="hold">
+                                          <p:stCondLst>
+                                            <p:cond delay="0"/>
+                                          </p:stCondLst>
+                                        </p:cTn>
+                                        <p:tgtEl>
+                                          <p:spTgt spid="2">
+                                            <p:txEl>
+                                              <p:pRg st="2" end="2"/>
+                                            </p:txEl>
+                                          </p:spTgt>
+                                        </p:tgtEl>
+                                        <p:attrNameLst>
+                                          <p:attrName>style.visibility</p:attrName>
+                                        </p:attrNameLst>
+                                      </p:cBhvr>
+                                      <p:to>
+                                        <p:strVal val="visible"/>
+                                      </p:to>
+                                    </p:set>
+                                  </p:childTnLst>
+                                </p:cTn>
+                              </p:par>
+                              <p:par>
+                                <p:cTn id="11" presetID="1" presetClass="entr" presetSubtype="0" fill="hold" grpId="0" nodeType="withEffect">
+                                  <p:stCondLst>
+                                    <p:cond delay="0"/>
+                                  </p:stCondLst>
+                                  <p:childTnLst>
+                                    <p:set>
+                                      <p:cBhvr>
+                                        <p:cTn id="12" dur="1" fill="hold">
+                                          <p:stCondLst>
+                                            <p:cond delay="0"/>
+                                          </p:stCondLst>
+                                        </p:cTn>
+                                        <p:tgtEl>
+                                          <p:spTgt spid="2">
+                                            <p:txEl>
+                                              <p:pRg st="3" end="3"/>
+                                            </p:txEl>
+                                          </p:spTgt>
+                                        </p:tgtEl>
+                                        <p:attrNameLst>
+                                          <p:attrName>style.visibility</p:attrName>
+                                        </p:attrNameLst>
+                                      </p:cBhvr>
+                                      <p:to>
+                                        <p:strVal val="visible"/>
+                                      </p:to>
+                                    </p:set>
+                                  </p:childTnLst>
+                                </p:cTn>
+                              </p:par>
+                              <p:par>
+                                <p:cTn id="13" presetID="1" presetClass="entr" presetSubtype="0" fill="hold" grpId="0" nodeType="withEffect">
+                                  <p:stCondLst>
+                                    <p:cond delay="0"/>
+                                  </p:stCondLst>
+                                  <p:childTnLst>
+                                    <p:set>
+                                      <p:cBhvr>
+                                        <p:cTn id="14" dur="1" fill="hold">
+                                          <p:stCondLst>
+                                            <p:cond delay="0"/>
+                                          </p:stCondLst>
+                                        </p:cTn>
+                                        <p:tgtEl>
+                                          <p:spTgt spid="2">
+                                            <p:txEl>
+                                              <p:pRg st="4" end="4"/>
+                                            </p:txEl>
+                                          </p:spTgt>
+                                        </p:tgtEl>
+                                        <p:attrNameLst>
+                                          <p:attrName>style.visibility</p:attrName>
+                                        </p:attrNameLst>
+                                      </p:cBhvr>
+                                      <p:to>
+                                        <p:strVal val="visible"/>
+                                      </p:to>
+                                    </p:set>
+                                  </p:childTnLst>
+                                </p:cTn>
+                              </p:par>
+                            </p:childTnLst>
+                          </p:cTn>
+                        </p:par>
+                      </p:childTnLst>
+                    </p:cTn>
+                  </p:par>
+                  <p:par>
+                    <p:cTn id="15" fill="hold">
+                      <p:stCondLst>
+                        <p:cond delay="indefinite"/>
+                      </p:stCondLst>
+                      <p:childTnLst>
+                        <p:par>
+                          <p:cTn id="16" fill="hold">
+                            <p:stCondLst>
+                              <p:cond delay="0"/>
+                            </p:stCondLst>
+                            <p:childTnLst>
+                              <p:par>
+                                <p:cTn id="17" presetID="1" presetClass="entr" presetSubtype="0" fill="hold" grpId="0" nodeType="clickEffect">
+                                  <p:stCondLst>
+                                    <p:cond delay="0"/>
+                                  </p:stCondLst>
+                                  <p:childTnLst>
+                                    <p:set>
+                                      <p:cBhvr>
+                                        <p:cTn id="18" dur="1" fill="hold">
+                                          <p:stCondLst>
+                                            <p:cond delay="0"/>
+                                          </p:stCondLst>
+                                        </p:cTn>
+                                        <p:tgtEl>
+                                          <p:spTgt spid="2">
+                                            <p:txEl>
+                                              <p:pRg st="6" end="6"/>
+                                            </p:txEl>
+                                          </p:spTgt>
+                                        </p:tgtEl>
+                                        <p:attrNameLst>
+                                          <p:attrName>style.visibility</p:attrName>
+                                        </p:attrNameLst>
+                                      </p:cBhvr>
+                                      <p:to>
+                                        <p:strVal val="visible"/>
+                                      </p:to>
+                                    </p:set>
+                                  </p:childTnLst>
+                                </p:cTn>
+                              </p:par>
+                              <p:par>
+                                <p:cTn id="19" presetID="1" presetClass="entr" presetSubtype="0" fill="hold" grpId="0" nodeType="withEffect">
+                                  <p:stCondLst>
+                                    <p:cond delay="0"/>
+                                  </p:stCondLst>
+                                  <p:childTnLst>
+                                    <p:set>
+                                      <p:cBhvr>
+                                        <p:cTn id="20" dur="1" fill="hold">
+                                          <p:stCondLst>
+                                            <p:cond delay="0"/>
+                                          </p:stCondLst>
+                                        </p:cTn>
+                                        <p:tgtEl>
+                                          <p:spTgt spid="2">
+                                            <p:txEl>
+                                              <p:pRg st="7" end="7"/>
+                                            </p:txEl>
+                                          </p:spTgt>
+                                        </p:tgtEl>
+                                        <p:attrNameLst>
+                                          <p:attrName>style.visibility</p:attrName>
+                                        </p:attrNameLst>
+                                      </p:cBhvr>
+                                      <p:to>
+                                        <p:strVal val="visible"/>
+                                      </p:to>
+                                    </p:set>
+                                  </p:childTnLst>
+                                </p:cTn>
+                              </p:par>
+                            </p:childTnLst>
+                          </p:cTn>
+                        </p:par>
+                      </p:childTnLst>
+                    </p:cTn>
+                  </p:par>
+                </p:childTnLst>
+              </p:cTn>
+              <p:prevCondLst>
+                <p:cond evt="onPrev" delay="0">
+                  <p:tgtEl>
+                    <p:sldTgt/>
+                  </p:tgtEl>
+                </p:cond>
+              </p:prevCondLst>
+              <p:nextCondLst>
+                <p:cond evt="onNext" delay="0">
+                  <p:tgtEl>
+                    <p:sldTgt/>
+                  </p:tgtEl>
+                </p:cond>
+              </p:nextCondLst>
+            </p:seq>
+          </p:childTnLst>
+        </p:cTn>
+      </p:par>
+    </p:tnLst>
+    <p:bldLst>
+      <p:bldP spid="2" grpId="0" uiExpand="1" build="p"/>
+    </p:bldLst>
+  </p:timing>
 </p:sld>
 </file>
 
@@ -31731,7 +34793,7 @@
         </p:blipFill>
         <p:spPr>
           <a:xfrm>
-            <a:off x="467544" y="1419982"/>
+            <a:off x="467544" y="1203598"/>
             <a:ext cx="2074521" cy="3131170"/>
           </a:xfrm>
           <a:prstGeom prst="rect">
@@ -31754,13 +34816,13 @@
           <p:nvPr>
             <p:extLst>
               <p:ext uri="{D42A27DB-BD31-4B8C-83A1-F6EECF244321}">
-                <p14:modId xmlns:p14="http://schemas.microsoft.com/office/powerpoint/2010/main" val="1904524988"/>
+                <p14:modId xmlns:p14="http://schemas.microsoft.com/office/powerpoint/2010/main" val="104316178"/>
               </p:ext>
             </p:extLst>
           </p:nvPr>
         </p:nvGraphicFramePr>
         <p:xfrm>
-          <a:off x="3275856" y="1275606"/>
+          <a:off x="3275856" y="1180912"/>
           <a:ext cx="5688632" cy="3479070"/>
         </p:xfrm>
         <a:graphic>
@@ -32415,6 +35477,55 @@
           </a:graphicData>
         </a:graphic>
       </p:graphicFrame>
+      <p:sp>
+        <p:nvSpPr>
+          <p:cNvPr id="2" name="TextBox 1">
+            <a:extLst>
+              <a:ext uri="{FF2B5EF4-FFF2-40B4-BE49-F238E27FC236}">
+                <a16:creationId xmlns:a16="http://schemas.microsoft.com/office/drawing/2014/main" id="{10C87191-1F17-7B37-555F-7237C38A326C}"/>
+              </a:ext>
+            </a:extLst>
+          </p:cNvPr>
+          <p:cNvSpPr txBox="1"/>
+          <p:nvPr/>
+        </p:nvSpPr>
+        <p:spPr bwMode="gray">
+          <a:xfrm>
+            <a:off x="755576" y="4803998"/>
+            <a:ext cx="4176464" cy="231501"/>
+          </a:xfrm>
+          <a:prstGeom prst="rect">
+            <a:avLst/>
+          </a:prstGeom>
+          <a:noFill/>
+        </p:spPr>
+        <p:txBody>
+          <a:bodyPr wrap="none" lIns="0" tIns="0" rIns="0" bIns="0" rtlCol="0">
+            <a:noAutofit/>
+          </a:bodyPr>
+          <a:lstStyle/>
+          <a:p>
+            <a:pPr marL="182563" indent="-182563">
+              <a:spcBef>
+                <a:spcPts val="300"/>
+              </a:spcBef>
+              <a:spcAft>
+                <a:spcPts val="300"/>
+              </a:spcAft>
+              <a:buClr>
+                <a:schemeClr val="accent1"/>
+              </a:buClr>
+              <a:buSzPct val="90000"/>
+              <a:buFont typeface="Arial" panose="020B0604020202020204" pitchFamily="34" charset="0"/>
+              <a:buChar char="■"/>
+            </a:pPr>
+            <a:r>
+              <a:rPr lang="en-DE" sz="1200" dirty="0"/>
+              <a:t>Beispiel: X=5, Ausgabe 2	X=25, Ausgabe 5</a:t>
+            </a:r>
+          </a:p>
+        </p:txBody>
+      </p:sp>
     </p:spTree>
     <p:extLst>
       <p:ext uri="{BB962C8B-B14F-4D97-AF65-F5344CB8AC3E}">
@@ -32428,6 +35539,84 @@
   <p:transition>
     <p:fade/>
   </p:transition>
+  <p:timing>
+    <p:tnLst>
+      <p:par>
+        <p:cTn id="1" dur="indefinite" restart="never" nodeType="tmRoot">
+          <p:childTnLst>
+            <p:seq concurrent="1" nextAc="seek">
+              <p:cTn id="2" dur="indefinite" nodeType="mainSeq">
+                <p:childTnLst>
+                  <p:par>
+                    <p:cTn id="3" fill="hold">
+                      <p:stCondLst>
+                        <p:cond delay="indefinite"/>
+                      </p:stCondLst>
+                      <p:childTnLst>
+                        <p:par>
+                          <p:cTn id="4" fill="hold">
+                            <p:stCondLst>
+                              <p:cond delay="0"/>
+                            </p:stCondLst>
+                            <p:childTnLst>
+                              <p:par>
+                                <p:cTn id="5" presetID="1" presetClass="entr" presetSubtype="0" fill="hold" grpId="0" nodeType="clickEffect">
+                                  <p:stCondLst>
+                                    <p:cond delay="0"/>
+                                  </p:stCondLst>
+                                  <p:childTnLst>
+                                    <p:set>
+                                      <p:cBhvr>
+                                        <p:cTn id="6" dur="1" fill="hold">
+                                          <p:stCondLst>
+                                            <p:cond delay="0"/>
+                                          </p:stCondLst>
+                                        </p:cTn>
+                                        <p:tgtEl>
+                                          <p:spTgt spid="2"/>
+                                        </p:tgtEl>
+                                        <p:attrNameLst>
+                                          <p:attrName>style.visibility</p:attrName>
+                                        </p:attrNameLst>
+                                      </p:cBhvr>
+                                      <p:to>
+                                        <p:strVal val="visible"/>
+                                      </p:to>
+                                    </p:set>
+                                  </p:childTnLst>
+                                </p:cTn>
+                              </p:par>
+                            </p:childTnLst>
+                          </p:cTn>
+                        </p:par>
+                      </p:childTnLst>
+                    </p:cTn>
+                  </p:par>
+                </p:childTnLst>
+              </p:cTn>
+              <p:prevCondLst>
+                <p:cond evt="onPrev" delay="0">
+                  <p:tgtEl>
+                    <p:sldTgt/>
+                  </p:tgtEl>
+                </p:cond>
+              </p:prevCondLst>
+              <p:nextCondLst>
+                <p:cond evt="onNext" delay="0">
+                  <p:tgtEl>
+                    <p:sldTgt/>
+                  </p:tgtEl>
+                </p:cond>
+              </p:nextCondLst>
+            </p:seq>
+          </p:childTnLst>
+        </p:cTn>
+      </p:par>
+    </p:tnLst>
+    <p:bldLst>
+      <p:bldP spid="2" grpId="0"/>
+    </p:bldLst>
+  </p:timing>
 </p:sld>
 </file>
 
@@ -32698,8 +35887,8 @@
           <a:chExt cx="0" cy="0"/>
         </a:xfrm>
       </p:grpSpPr>
-      <mc:AlternateContent xmlns:mc="http://schemas.openxmlformats.org/markup-compatibility/2006">
-        <mc:Choice xmlns:a14="http://schemas.microsoft.com/office/drawing/2010/main" Requires="a14">
+      <mc:AlternateContent xmlns:mc="http://schemas.openxmlformats.org/markup-compatibility/2006" xmlns:a14="http://schemas.microsoft.com/office/drawing/2010/main">
+        <mc:Choice Requires="a14">
           <p:sp>
             <p:nvSpPr>
               <p:cNvPr id="2" name="Text Placeholder 1">
@@ -32849,7 +36038,7 @@
             </p:txBody>
           </p:sp>
         </mc:Choice>
-        <mc:Fallback>
+        <mc:Fallback xmlns="">
           <p:sp>
             <p:nvSpPr>
               <p:cNvPr id="2" name="Text Placeholder 1">
@@ -32971,6 +36160,233 @@
   <p:transition>
     <p:fade/>
   </p:transition>
+  <p:timing>
+    <p:tnLst>
+      <p:par>
+        <p:cTn id="1" dur="indefinite" restart="never" nodeType="tmRoot">
+          <p:childTnLst>
+            <p:seq concurrent="1" nextAc="seek">
+              <p:cTn id="2" dur="indefinite" nodeType="mainSeq">
+                <p:childTnLst>
+                  <p:par>
+                    <p:cTn id="3" fill="hold">
+                      <p:stCondLst>
+                        <p:cond delay="indefinite"/>
+                        <p:cond evt="onBegin" delay="0">
+                          <p:tn val="2"/>
+                        </p:cond>
+                      </p:stCondLst>
+                      <p:childTnLst>
+                        <p:par>
+                          <p:cTn id="4" fill="hold">
+                            <p:stCondLst>
+                              <p:cond delay="0"/>
+                            </p:stCondLst>
+                            <p:childTnLst>
+                              <p:par>
+                                <p:cTn id="5" presetID="1" presetClass="entr" presetSubtype="0" fill="hold" grpId="0" nodeType="withEffect">
+                                  <p:stCondLst>
+                                    <p:cond delay="0"/>
+                                  </p:stCondLst>
+                                  <p:childTnLst>
+                                    <p:set>
+                                      <p:cBhvr>
+                                        <p:cTn id="6" dur="1" fill="hold">
+                                          <p:stCondLst>
+                                            <p:cond delay="0"/>
+                                          </p:stCondLst>
+                                        </p:cTn>
+                                        <p:tgtEl>
+                                          <p:spTgt spid="2">
+                                            <p:txEl>
+                                              <p:pRg st="1" end="1"/>
+                                            </p:txEl>
+                                          </p:spTgt>
+                                        </p:tgtEl>
+                                        <p:attrNameLst>
+                                          <p:attrName>style.visibility</p:attrName>
+                                        </p:attrNameLst>
+                                      </p:cBhvr>
+                                      <p:to>
+                                        <p:strVal val="visible"/>
+                                      </p:to>
+                                    </p:set>
+                                  </p:childTnLst>
+                                </p:cTn>
+                              </p:par>
+                              <p:par>
+                                <p:cTn id="7" presetID="1" presetClass="entr" presetSubtype="0" fill="hold" grpId="0" nodeType="withEffect">
+                                  <p:stCondLst>
+                                    <p:cond delay="0"/>
+                                  </p:stCondLst>
+                                  <p:childTnLst>
+                                    <p:set>
+                                      <p:cBhvr>
+                                        <p:cTn id="8" dur="1" fill="hold">
+                                          <p:stCondLst>
+                                            <p:cond delay="0"/>
+                                          </p:stCondLst>
+                                        </p:cTn>
+                                        <p:tgtEl>
+                                          <p:spTgt spid="2">
+                                            <p:txEl>
+                                              <p:pRg st="2" end="2"/>
+                                            </p:txEl>
+                                          </p:spTgt>
+                                        </p:tgtEl>
+                                        <p:attrNameLst>
+                                          <p:attrName>style.visibility</p:attrName>
+                                        </p:attrNameLst>
+                                      </p:cBhvr>
+                                      <p:to>
+                                        <p:strVal val="visible"/>
+                                      </p:to>
+                                    </p:set>
+                                  </p:childTnLst>
+                                </p:cTn>
+                              </p:par>
+                              <p:par>
+                                <p:cTn id="9" presetID="1" presetClass="entr" presetSubtype="0" fill="hold" grpId="0" nodeType="withEffect">
+                                  <p:stCondLst>
+                                    <p:cond delay="0"/>
+                                  </p:stCondLst>
+                                  <p:childTnLst>
+                                    <p:set>
+                                      <p:cBhvr>
+                                        <p:cTn id="10" dur="1" fill="hold">
+                                          <p:stCondLst>
+                                            <p:cond delay="0"/>
+                                          </p:stCondLst>
+                                        </p:cTn>
+                                        <p:tgtEl>
+                                          <p:spTgt spid="2">
+                                            <p:txEl>
+                                              <p:pRg st="3" end="3"/>
+                                            </p:txEl>
+                                          </p:spTgt>
+                                        </p:tgtEl>
+                                        <p:attrNameLst>
+                                          <p:attrName>style.visibility</p:attrName>
+                                        </p:attrNameLst>
+                                      </p:cBhvr>
+                                      <p:to>
+                                        <p:strVal val="visible"/>
+                                      </p:to>
+                                    </p:set>
+                                  </p:childTnLst>
+                                </p:cTn>
+                              </p:par>
+                            </p:childTnLst>
+                          </p:cTn>
+                        </p:par>
+                      </p:childTnLst>
+                    </p:cTn>
+                  </p:par>
+                  <p:par>
+                    <p:cTn id="11" fill="hold">
+                      <p:stCondLst>
+                        <p:cond delay="indefinite"/>
+                      </p:stCondLst>
+                      <p:childTnLst>
+                        <p:par>
+                          <p:cTn id="12" fill="hold">
+                            <p:stCondLst>
+                              <p:cond delay="0"/>
+                            </p:stCondLst>
+                            <p:childTnLst>
+                              <p:par>
+                                <p:cTn id="13" presetID="1" presetClass="entr" presetSubtype="0" fill="hold" grpId="0" nodeType="clickEffect">
+                                  <p:stCondLst>
+                                    <p:cond delay="0"/>
+                                  </p:stCondLst>
+                                  <p:childTnLst>
+                                    <p:set>
+                                      <p:cBhvr>
+                                        <p:cTn id="14" dur="1" fill="hold">
+                                          <p:stCondLst>
+                                            <p:cond delay="0"/>
+                                          </p:stCondLst>
+                                        </p:cTn>
+                                        <p:tgtEl>
+                                          <p:spTgt spid="2">
+                                            <p:txEl>
+                                              <p:pRg st="5" end="5"/>
+                                            </p:txEl>
+                                          </p:spTgt>
+                                        </p:tgtEl>
+                                        <p:attrNameLst>
+                                          <p:attrName>style.visibility</p:attrName>
+                                        </p:attrNameLst>
+                                      </p:cBhvr>
+                                      <p:to>
+                                        <p:strVal val="visible"/>
+                                      </p:to>
+                                    </p:set>
+                                  </p:childTnLst>
+                                </p:cTn>
+                              </p:par>
+                              <p:par>
+                                <p:cTn id="15" presetID="1" presetClass="entr" presetSubtype="0" fill="hold" grpId="0" nodeType="withEffect">
+                                  <p:stCondLst>
+                                    <p:cond delay="0"/>
+                                  </p:stCondLst>
+                                  <p:childTnLst>
+                                    <p:set>
+                                      <p:cBhvr>
+                                        <p:cTn id="16" dur="1" fill="hold">
+                                          <p:stCondLst>
+                                            <p:cond delay="0"/>
+                                          </p:stCondLst>
+                                        </p:cTn>
+                                        <p:tgtEl>
+                                          <p:spTgt spid="2">
+                                            <p:txEl>
+                                              <p:pRg st="6" end="6"/>
+                                            </p:txEl>
+                                          </p:spTgt>
+                                        </p:tgtEl>
+                                        <p:attrNameLst>
+                                          <p:attrName>style.visibility</p:attrName>
+                                        </p:attrNameLst>
+                                      </p:cBhvr>
+                                      <p:to>
+                                        <p:strVal val="visible"/>
+                                      </p:to>
+                                    </p:set>
+                                  </p:childTnLst>
+                                </p:cTn>
+                              </p:par>
+                            </p:childTnLst>
+                          </p:cTn>
+                        </p:par>
+                      </p:childTnLst>
+                    </p:cTn>
+                  </p:par>
+                </p:childTnLst>
+              </p:cTn>
+              <p:prevCondLst>
+                <p:cond evt="onPrev" delay="0">
+                  <p:tgtEl>
+                    <p:sldTgt/>
+                  </p:tgtEl>
+                </p:cond>
+              </p:prevCondLst>
+              <p:nextCondLst>
+                <p:cond evt="onNext" delay="0">
+                  <p:tgtEl>
+                    <p:sldTgt/>
+                  </p:tgtEl>
+                </p:cond>
+              </p:nextCondLst>
+            </p:seq>
+          </p:childTnLst>
+        </p:cTn>
+      </p:par>
+    </p:tnLst>
+    <p:bldLst>
+      <p:bldP spid="2" grpId="0" uiExpand="1" build="p"/>
+    </p:bldLst>
+  </p:timing>
 </p:sld>
 </file>
 
@@ -33007,7 +36423,12 @@
             <p:ph type="body" sz="quarter" idx="13"/>
           </p:nvPr>
         </p:nvSpPr>
-        <p:spPr/>
+        <p:spPr>
+          <a:xfrm>
+            <a:off x="2807517" y="1239837"/>
+            <a:ext cx="6877051" cy="3563938"/>
+          </a:xfrm>
+        </p:spPr>
         <p:txBody>
           <a:bodyPr/>
           <a:lstStyle/>
@@ -33223,6 +36644,42 @@
           </a:p>
         </p:txBody>
       </p:sp>
+      <p:pic>
+        <p:nvPicPr>
+          <p:cNvPr id="5" name="Picture 4" descr="Text&#10;&#10;Description automatically generated with medium confidence">
+            <a:extLst>
+              <a:ext uri="{FF2B5EF4-FFF2-40B4-BE49-F238E27FC236}">
+                <a16:creationId xmlns:a16="http://schemas.microsoft.com/office/drawing/2014/main" id="{EDD1B51E-873D-9724-CAE9-E3EADDB5F024}"/>
+              </a:ext>
+            </a:extLst>
+          </p:cNvPr>
+          <p:cNvPicPr>
+            <a:picLocks noChangeAspect="1"/>
+          </p:cNvPicPr>
+          <p:nvPr/>
+        </p:nvPicPr>
+        <p:blipFill>
+          <a:blip r:embed="rId3">
+            <a:extLst>
+              <a:ext uri="{28A0092B-C50C-407E-A947-70E740481C1C}">
+                <a14:useLocalDpi xmlns:a14="http://schemas.microsoft.com/office/drawing/2010/main" val="0"/>
+              </a:ext>
+            </a:extLst>
+          </a:blip>
+          <a:stretch>
+            <a:fillRect/>
+          </a:stretch>
+        </p:blipFill>
+        <p:spPr>
+          <a:xfrm>
+            <a:off x="467544" y="1419622"/>
+            <a:ext cx="2074521" cy="3131170"/>
+          </a:xfrm>
+          <a:prstGeom prst="rect">
+            <a:avLst/>
+          </a:prstGeom>
+        </p:spPr>
+      </p:pic>
     </p:spTree>
     <p:extLst>
       <p:ext uri="{BB962C8B-B14F-4D97-AF65-F5344CB8AC3E}">
@@ -33236,6 +36693,486 @@
   <p:transition>
     <p:fade/>
   </p:transition>
+  <p:timing>
+    <p:tnLst>
+      <p:par>
+        <p:cTn id="1" dur="indefinite" restart="never" nodeType="tmRoot">
+          <p:childTnLst>
+            <p:seq concurrent="1" nextAc="seek">
+              <p:cTn id="2" dur="indefinite" nodeType="mainSeq">
+                <p:childTnLst>
+                  <p:par>
+                    <p:cTn id="3" fill="hold">
+                      <p:stCondLst>
+                        <p:cond delay="indefinite"/>
+                        <p:cond evt="onBegin" delay="0">
+                          <p:tn val="2"/>
+                        </p:cond>
+                      </p:stCondLst>
+                      <p:childTnLst>
+                        <p:par>
+                          <p:cTn id="4" fill="hold">
+                            <p:stCondLst>
+                              <p:cond delay="0"/>
+                            </p:stCondLst>
+                            <p:childTnLst>
+                              <p:par>
+                                <p:cTn id="5" presetID="1" presetClass="entr" presetSubtype="0" fill="hold" grpId="0" nodeType="withEffect">
+                                  <p:stCondLst>
+                                    <p:cond delay="0"/>
+                                  </p:stCondLst>
+                                  <p:childTnLst>
+                                    <p:set>
+                                      <p:cBhvr>
+                                        <p:cTn id="6" dur="1" fill="hold">
+                                          <p:stCondLst>
+                                            <p:cond delay="0"/>
+                                          </p:stCondLst>
+                                        </p:cTn>
+                                        <p:tgtEl>
+                                          <p:spTgt spid="2">
+                                            <p:txEl>
+                                              <p:pRg st="0" end="0"/>
+                                            </p:txEl>
+                                          </p:spTgt>
+                                        </p:tgtEl>
+                                        <p:attrNameLst>
+                                          <p:attrName>style.visibility</p:attrName>
+                                        </p:attrNameLst>
+                                      </p:cBhvr>
+                                      <p:to>
+                                        <p:strVal val="visible"/>
+                                      </p:to>
+                                    </p:set>
+                                  </p:childTnLst>
+                                </p:cTn>
+                              </p:par>
+                              <p:par>
+                                <p:cTn id="7" presetID="1" presetClass="entr" presetSubtype="0" fill="hold" grpId="0" nodeType="withEffect">
+                                  <p:stCondLst>
+                                    <p:cond delay="0"/>
+                                  </p:stCondLst>
+                                  <p:childTnLst>
+                                    <p:set>
+                                      <p:cBhvr>
+                                        <p:cTn id="8" dur="1" fill="hold">
+                                          <p:stCondLst>
+                                            <p:cond delay="0"/>
+                                          </p:stCondLst>
+                                        </p:cTn>
+                                        <p:tgtEl>
+                                          <p:spTgt spid="2">
+                                            <p:txEl>
+                                              <p:pRg st="1" end="1"/>
+                                            </p:txEl>
+                                          </p:spTgt>
+                                        </p:tgtEl>
+                                        <p:attrNameLst>
+                                          <p:attrName>style.visibility</p:attrName>
+                                        </p:attrNameLst>
+                                      </p:cBhvr>
+                                      <p:to>
+                                        <p:strVal val="visible"/>
+                                      </p:to>
+                                    </p:set>
+                                  </p:childTnLst>
+                                </p:cTn>
+                              </p:par>
+                              <p:par>
+                                <p:cTn id="9" presetID="1" presetClass="entr" presetSubtype="0" fill="hold" grpId="0" nodeType="withEffect">
+                                  <p:stCondLst>
+                                    <p:cond delay="0"/>
+                                  </p:stCondLst>
+                                  <p:childTnLst>
+                                    <p:set>
+                                      <p:cBhvr>
+                                        <p:cTn id="10" dur="1" fill="hold">
+                                          <p:stCondLst>
+                                            <p:cond delay="0"/>
+                                          </p:stCondLst>
+                                        </p:cTn>
+                                        <p:tgtEl>
+                                          <p:spTgt spid="2">
+                                            <p:txEl>
+                                              <p:pRg st="2" end="2"/>
+                                            </p:txEl>
+                                          </p:spTgt>
+                                        </p:tgtEl>
+                                        <p:attrNameLst>
+                                          <p:attrName>style.visibility</p:attrName>
+                                        </p:attrNameLst>
+                                      </p:cBhvr>
+                                      <p:to>
+                                        <p:strVal val="visible"/>
+                                      </p:to>
+                                    </p:set>
+                                  </p:childTnLst>
+                                </p:cTn>
+                              </p:par>
+                            </p:childTnLst>
+                          </p:cTn>
+                        </p:par>
+                      </p:childTnLst>
+                    </p:cTn>
+                  </p:par>
+                  <p:par>
+                    <p:cTn id="11" fill="hold">
+                      <p:stCondLst>
+                        <p:cond delay="indefinite"/>
+                      </p:stCondLst>
+                      <p:childTnLst>
+                        <p:par>
+                          <p:cTn id="12" fill="hold">
+                            <p:stCondLst>
+                              <p:cond delay="0"/>
+                            </p:stCondLst>
+                            <p:childTnLst>
+                              <p:par>
+                                <p:cTn id="13" presetID="1" presetClass="entr" presetSubtype="0" fill="hold" grpId="0" nodeType="clickEffect">
+                                  <p:stCondLst>
+                                    <p:cond delay="0"/>
+                                  </p:stCondLst>
+                                  <p:childTnLst>
+                                    <p:set>
+                                      <p:cBhvr>
+                                        <p:cTn id="14" dur="1" fill="hold">
+                                          <p:stCondLst>
+                                            <p:cond delay="0"/>
+                                          </p:stCondLst>
+                                        </p:cTn>
+                                        <p:tgtEl>
+                                          <p:spTgt spid="2">
+                                            <p:txEl>
+                                              <p:pRg st="4" end="4"/>
+                                            </p:txEl>
+                                          </p:spTgt>
+                                        </p:tgtEl>
+                                        <p:attrNameLst>
+                                          <p:attrName>style.visibility</p:attrName>
+                                        </p:attrNameLst>
+                                      </p:cBhvr>
+                                      <p:to>
+                                        <p:strVal val="visible"/>
+                                      </p:to>
+                                    </p:set>
+                                  </p:childTnLst>
+                                </p:cTn>
+                              </p:par>
+                              <p:par>
+                                <p:cTn id="15" presetID="1" presetClass="entr" presetSubtype="0" fill="hold" grpId="0" nodeType="withEffect">
+                                  <p:stCondLst>
+                                    <p:cond delay="0"/>
+                                  </p:stCondLst>
+                                  <p:childTnLst>
+                                    <p:set>
+                                      <p:cBhvr>
+                                        <p:cTn id="16" dur="1" fill="hold">
+                                          <p:stCondLst>
+                                            <p:cond delay="0"/>
+                                          </p:stCondLst>
+                                        </p:cTn>
+                                        <p:tgtEl>
+                                          <p:spTgt spid="2">
+                                            <p:txEl>
+                                              <p:pRg st="5" end="5"/>
+                                            </p:txEl>
+                                          </p:spTgt>
+                                        </p:tgtEl>
+                                        <p:attrNameLst>
+                                          <p:attrName>style.visibility</p:attrName>
+                                        </p:attrNameLst>
+                                      </p:cBhvr>
+                                      <p:to>
+                                        <p:strVal val="visible"/>
+                                      </p:to>
+                                    </p:set>
+                                  </p:childTnLst>
+                                </p:cTn>
+                              </p:par>
+                            </p:childTnLst>
+                          </p:cTn>
+                        </p:par>
+                      </p:childTnLst>
+                    </p:cTn>
+                  </p:par>
+                  <p:par>
+                    <p:cTn id="17" fill="hold">
+                      <p:stCondLst>
+                        <p:cond delay="indefinite"/>
+                      </p:stCondLst>
+                      <p:childTnLst>
+                        <p:par>
+                          <p:cTn id="18" fill="hold">
+                            <p:stCondLst>
+                              <p:cond delay="0"/>
+                            </p:stCondLst>
+                            <p:childTnLst>
+                              <p:par>
+                                <p:cTn id="19" presetID="1" presetClass="entr" presetSubtype="0" fill="hold" grpId="0" nodeType="clickEffect">
+                                  <p:stCondLst>
+                                    <p:cond delay="0"/>
+                                  </p:stCondLst>
+                                  <p:childTnLst>
+                                    <p:set>
+                                      <p:cBhvr>
+                                        <p:cTn id="20" dur="1" fill="hold">
+                                          <p:stCondLst>
+                                            <p:cond delay="0"/>
+                                          </p:stCondLst>
+                                        </p:cTn>
+                                        <p:tgtEl>
+                                          <p:spTgt spid="2">
+                                            <p:txEl>
+                                              <p:pRg st="6" end="6"/>
+                                            </p:txEl>
+                                          </p:spTgt>
+                                        </p:tgtEl>
+                                        <p:attrNameLst>
+                                          <p:attrName>style.visibility</p:attrName>
+                                        </p:attrNameLst>
+                                      </p:cBhvr>
+                                      <p:to>
+                                        <p:strVal val="visible"/>
+                                      </p:to>
+                                    </p:set>
+                                  </p:childTnLst>
+                                </p:cTn>
+                              </p:par>
+                              <p:par>
+                                <p:cTn id="21" presetID="1" presetClass="entr" presetSubtype="0" fill="hold" grpId="0" nodeType="withEffect">
+                                  <p:stCondLst>
+                                    <p:cond delay="0"/>
+                                  </p:stCondLst>
+                                  <p:childTnLst>
+                                    <p:set>
+                                      <p:cBhvr>
+                                        <p:cTn id="22" dur="1" fill="hold">
+                                          <p:stCondLst>
+                                            <p:cond delay="0"/>
+                                          </p:stCondLst>
+                                        </p:cTn>
+                                        <p:tgtEl>
+                                          <p:spTgt spid="2">
+                                            <p:txEl>
+                                              <p:pRg st="7" end="7"/>
+                                            </p:txEl>
+                                          </p:spTgt>
+                                        </p:tgtEl>
+                                        <p:attrNameLst>
+                                          <p:attrName>style.visibility</p:attrName>
+                                        </p:attrNameLst>
+                                      </p:cBhvr>
+                                      <p:to>
+                                        <p:strVal val="visible"/>
+                                      </p:to>
+                                    </p:set>
+                                  </p:childTnLst>
+                                </p:cTn>
+                              </p:par>
+                              <p:par>
+                                <p:cTn id="23" presetID="1" presetClass="entr" presetSubtype="0" fill="hold" grpId="0" nodeType="withEffect">
+                                  <p:stCondLst>
+                                    <p:cond delay="0"/>
+                                  </p:stCondLst>
+                                  <p:childTnLst>
+                                    <p:set>
+                                      <p:cBhvr>
+                                        <p:cTn id="24" dur="1" fill="hold">
+                                          <p:stCondLst>
+                                            <p:cond delay="0"/>
+                                          </p:stCondLst>
+                                        </p:cTn>
+                                        <p:tgtEl>
+                                          <p:spTgt spid="2">
+                                            <p:txEl>
+                                              <p:pRg st="8" end="8"/>
+                                            </p:txEl>
+                                          </p:spTgt>
+                                        </p:tgtEl>
+                                        <p:attrNameLst>
+                                          <p:attrName>style.visibility</p:attrName>
+                                        </p:attrNameLst>
+                                      </p:cBhvr>
+                                      <p:to>
+                                        <p:strVal val="visible"/>
+                                      </p:to>
+                                    </p:set>
+                                  </p:childTnLst>
+                                </p:cTn>
+                              </p:par>
+                            </p:childTnLst>
+                          </p:cTn>
+                        </p:par>
+                      </p:childTnLst>
+                    </p:cTn>
+                  </p:par>
+                  <p:par>
+                    <p:cTn id="25" fill="hold">
+                      <p:stCondLst>
+                        <p:cond delay="indefinite"/>
+                      </p:stCondLst>
+                      <p:childTnLst>
+                        <p:par>
+                          <p:cTn id="26" fill="hold">
+                            <p:stCondLst>
+                              <p:cond delay="0"/>
+                            </p:stCondLst>
+                            <p:childTnLst>
+                              <p:par>
+                                <p:cTn id="27" presetID="1" presetClass="entr" presetSubtype="0" fill="hold" grpId="0" nodeType="clickEffect">
+                                  <p:stCondLst>
+                                    <p:cond delay="0"/>
+                                  </p:stCondLst>
+                                  <p:childTnLst>
+                                    <p:set>
+                                      <p:cBhvr>
+                                        <p:cTn id="28" dur="1" fill="hold">
+                                          <p:stCondLst>
+                                            <p:cond delay="0"/>
+                                          </p:stCondLst>
+                                        </p:cTn>
+                                        <p:tgtEl>
+                                          <p:spTgt spid="2">
+                                            <p:txEl>
+                                              <p:pRg st="9" end="9"/>
+                                            </p:txEl>
+                                          </p:spTgt>
+                                        </p:tgtEl>
+                                        <p:attrNameLst>
+                                          <p:attrName>style.visibility</p:attrName>
+                                        </p:attrNameLst>
+                                      </p:cBhvr>
+                                      <p:to>
+                                        <p:strVal val="visible"/>
+                                      </p:to>
+                                    </p:set>
+                                  </p:childTnLst>
+                                </p:cTn>
+                              </p:par>
+                              <p:par>
+                                <p:cTn id="29" presetID="1" presetClass="entr" presetSubtype="0" fill="hold" grpId="0" nodeType="withEffect">
+                                  <p:stCondLst>
+                                    <p:cond delay="0"/>
+                                  </p:stCondLst>
+                                  <p:childTnLst>
+                                    <p:set>
+                                      <p:cBhvr>
+                                        <p:cTn id="30" dur="1" fill="hold">
+                                          <p:stCondLst>
+                                            <p:cond delay="0"/>
+                                          </p:stCondLst>
+                                        </p:cTn>
+                                        <p:tgtEl>
+                                          <p:spTgt spid="2">
+                                            <p:txEl>
+                                              <p:pRg st="10" end="10"/>
+                                            </p:txEl>
+                                          </p:spTgt>
+                                        </p:tgtEl>
+                                        <p:attrNameLst>
+                                          <p:attrName>style.visibility</p:attrName>
+                                        </p:attrNameLst>
+                                      </p:cBhvr>
+                                      <p:to>
+                                        <p:strVal val="visible"/>
+                                      </p:to>
+                                    </p:set>
+                                  </p:childTnLst>
+                                </p:cTn>
+                              </p:par>
+                              <p:par>
+                                <p:cTn id="31" presetID="1" presetClass="entr" presetSubtype="0" fill="hold" grpId="0" nodeType="withEffect">
+                                  <p:stCondLst>
+                                    <p:cond delay="0"/>
+                                  </p:stCondLst>
+                                  <p:childTnLst>
+                                    <p:set>
+                                      <p:cBhvr>
+                                        <p:cTn id="32" dur="1" fill="hold">
+                                          <p:stCondLst>
+                                            <p:cond delay="0"/>
+                                          </p:stCondLst>
+                                        </p:cTn>
+                                        <p:tgtEl>
+                                          <p:spTgt spid="2">
+                                            <p:txEl>
+                                              <p:pRg st="11" end="11"/>
+                                            </p:txEl>
+                                          </p:spTgt>
+                                        </p:tgtEl>
+                                        <p:attrNameLst>
+                                          <p:attrName>style.visibility</p:attrName>
+                                        </p:attrNameLst>
+                                      </p:cBhvr>
+                                      <p:to>
+                                        <p:strVal val="visible"/>
+                                      </p:to>
+                                    </p:set>
+                                  </p:childTnLst>
+                                </p:cTn>
+                              </p:par>
+                              <p:par>
+                                <p:cTn id="33" presetID="1" presetClass="entr" presetSubtype="0" fill="hold" grpId="0" nodeType="withEffect">
+                                  <p:stCondLst>
+                                    <p:cond delay="0"/>
+                                  </p:stCondLst>
+                                  <p:childTnLst>
+                                    <p:set>
+                                      <p:cBhvr>
+                                        <p:cTn id="34" dur="1" fill="hold">
+                                          <p:stCondLst>
+                                            <p:cond delay="0"/>
+                                          </p:stCondLst>
+                                        </p:cTn>
+                                        <p:tgtEl>
+                                          <p:spTgt spid="2">
+                                            <p:txEl>
+                                              <p:pRg st="12" end="12"/>
+                                            </p:txEl>
+                                          </p:spTgt>
+                                        </p:tgtEl>
+                                        <p:attrNameLst>
+                                          <p:attrName>style.visibility</p:attrName>
+                                        </p:attrNameLst>
+                                      </p:cBhvr>
+                                      <p:to>
+                                        <p:strVal val="visible"/>
+                                      </p:to>
+                                    </p:set>
+                                  </p:childTnLst>
+                                </p:cTn>
+                              </p:par>
+                            </p:childTnLst>
+                          </p:cTn>
+                        </p:par>
+                      </p:childTnLst>
+                    </p:cTn>
+                  </p:par>
+                </p:childTnLst>
+              </p:cTn>
+              <p:prevCondLst>
+                <p:cond evt="onPrev" delay="0">
+                  <p:tgtEl>
+                    <p:sldTgt/>
+                  </p:tgtEl>
+                </p:cond>
+              </p:prevCondLst>
+              <p:nextCondLst>
+                <p:cond evt="onNext" delay="0">
+                  <p:tgtEl>
+                    <p:sldTgt/>
+                  </p:tgtEl>
+                </p:cond>
+              </p:nextCondLst>
+            </p:seq>
+          </p:childTnLst>
+        </p:cTn>
+      </p:par>
+    </p:tnLst>
+    <p:bldLst>
+      <p:bldP spid="2" grpId="0" uiExpand="1" build="p"/>
+    </p:bldLst>
+  </p:timing>
 </p:sld>
 </file>
 
@@ -33272,7 +37209,12 @@
             <p:ph type="body" sz="quarter" idx="13"/>
           </p:nvPr>
         </p:nvSpPr>
-        <p:spPr/>
+        <p:spPr>
+          <a:xfrm>
+            <a:off x="2303461" y="1312068"/>
+            <a:ext cx="6877051" cy="3563938"/>
+          </a:xfrm>
+        </p:spPr>
         <p:txBody>
           <a:bodyPr/>
           <a:lstStyle/>
@@ -33528,6 +37470,42 @@
           </a:p>
         </p:txBody>
       </p:sp>
+      <p:pic>
+        <p:nvPicPr>
+          <p:cNvPr id="4" name="Picture 3" descr="Text&#10;&#10;Description automatically generated with medium confidence">
+            <a:extLst>
+              <a:ext uri="{FF2B5EF4-FFF2-40B4-BE49-F238E27FC236}">
+                <a16:creationId xmlns:a16="http://schemas.microsoft.com/office/drawing/2014/main" id="{98DC6CA1-5144-71B1-5E3B-118128CBC36B}"/>
+              </a:ext>
+            </a:extLst>
+          </p:cNvPr>
+          <p:cNvPicPr>
+            <a:picLocks noChangeAspect="1"/>
+          </p:cNvPicPr>
+          <p:nvPr/>
+        </p:nvPicPr>
+        <p:blipFill>
+          <a:blip r:embed="rId2">
+            <a:extLst>
+              <a:ext uri="{28A0092B-C50C-407E-A947-70E740481C1C}">
+                <a14:useLocalDpi xmlns:a14="http://schemas.microsoft.com/office/drawing/2010/main" val="0"/>
+              </a:ext>
+            </a:extLst>
+          </a:blip>
+          <a:stretch>
+            <a:fillRect/>
+          </a:stretch>
+        </p:blipFill>
+        <p:spPr>
+          <a:xfrm>
+            <a:off x="467544" y="1419622"/>
+            <a:ext cx="2074521" cy="3131170"/>
+          </a:xfrm>
+          <a:prstGeom prst="rect">
+            <a:avLst/>
+          </a:prstGeom>
+        </p:spPr>
+      </p:pic>
     </p:spTree>
     <p:extLst>
       <p:ext uri="{BB962C8B-B14F-4D97-AF65-F5344CB8AC3E}">
@@ -33541,6 +37519,326 @@
   <p:transition>
     <p:fade/>
   </p:transition>
+  <p:timing>
+    <p:tnLst>
+      <p:par>
+        <p:cTn id="1" dur="indefinite" restart="never" nodeType="tmRoot">
+          <p:childTnLst>
+            <p:seq concurrent="1" nextAc="seek">
+              <p:cTn id="2" dur="indefinite" nodeType="mainSeq">
+                <p:childTnLst>
+                  <p:par>
+                    <p:cTn id="3" fill="hold">
+                      <p:stCondLst>
+                        <p:cond delay="indefinite"/>
+                        <p:cond evt="onBegin" delay="0">
+                          <p:tn val="2"/>
+                        </p:cond>
+                      </p:stCondLst>
+                      <p:childTnLst>
+                        <p:par>
+                          <p:cTn id="4" fill="hold">
+                            <p:stCondLst>
+                              <p:cond delay="0"/>
+                            </p:stCondLst>
+                            <p:childTnLst>
+                              <p:par>
+                                <p:cTn id="5" presetID="1" presetClass="entr" presetSubtype="0" fill="hold" grpId="0" nodeType="withEffect">
+                                  <p:stCondLst>
+                                    <p:cond delay="0"/>
+                                  </p:stCondLst>
+                                  <p:childTnLst>
+                                    <p:set>
+                                      <p:cBhvr>
+                                        <p:cTn id="6" dur="1" fill="hold">
+                                          <p:stCondLst>
+                                            <p:cond delay="0"/>
+                                          </p:stCondLst>
+                                        </p:cTn>
+                                        <p:tgtEl>
+                                          <p:spTgt spid="2">
+                                            <p:txEl>
+                                              <p:pRg st="0" end="0"/>
+                                            </p:txEl>
+                                          </p:spTgt>
+                                        </p:tgtEl>
+                                        <p:attrNameLst>
+                                          <p:attrName>style.visibility</p:attrName>
+                                        </p:attrNameLst>
+                                      </p:cBhvr>
+                                      <p:to>
+                                        <p:strVal val="visible"/>
+                                      </p:to>
+                                    </p:set>
+                                  </p:childTnLst>
+                                </p:cTn>
+                              </p:par>
+                            </p:childTnLst>
+                          </p:cTn>
+                        </p:par>
+                      </p:childTnLst>
+                    </p:cTn>
+                  </p:par>
+                  <p:par>
+                    <p:cTn id="7" fill="hold">
+                      <p:stCondLst>
+                        <p:cond delay="indefinite"/>
+                      </p:stCondLst>
+                      <p:childTnLst>
+                        <p:par>
+                          <p:cTn id="8" fill="hold">
+                            <p:stCondLst>
+                              <p:cond delay="0"/>
+                            </p:stCondLst>
+                            <p:childTnLst>
+                              <p:par>
+                                <p:cTn id="9" presetID="1" presetClass="entr" presetSubtype="0" fill="hold" grpId="0" nodeType="clickEffect">
+                                  <p:stCondLst>
+                                    <p:cond delay="0"/>
+                                  </p:stCondLst>
+                                  <p:childTnLst>
+                                    <p:set>
+                                      <p:cBhvr>
+                                        <p:cTn id="10" dur="1" fill="hold">
+                                          <p:stCondLst>
+                                            <p:cond delay="0"/>
+                                          </p:stCondLst>
+                                        </p:cTn>
+                                        <p:tgtEl>
+                                          <p:spTgt spid="2">
+                                            <p:txEl>
+                                              <p:pRg st="2" end="2"/>
+                                            </p:txEl>
+                                          </p:spTgt>
+                                        </p:tgtEl>
+                                        <p:attrNameLst>
+                                          <p:attrName>style.visibility</p:attrName>
+                                        </p:attrNameLst>
+                                      </p:cBhvr>
+                                      <p:to>
+                                        <p:strVal val="visible"/>
+                                      </p:to>
+                                    </p:set>
+                                  </p:childTnLst>
+                                </p:cTn>
+                              </p:par>
+                              <p:par>
+                                <p:cTn id="11" presetID="1" presetClass="entr" presetSubtype="0" fill="hold" grpId="0" nodeType="withEffect">
+                                  <p:stCondLst>
+                                    <p:cond delay="0"/>
+                                  </p:stCondLst>
+                                  <p:childTnLst>
+                                    <p:set>
+                                      <p:cBhvr>
+                                        <p:cTn id="12" dur="1" fill="hold">
+                                          <p:stCondLst>
+                                            <p:cond delay="0"/>
+                                          </p:stCondLst>
+                                        </p:cTn>
+                                        <p:tgtEl>
+                                          <p:spTgt spid="2">
+                                            <p:txEl>
+                                              <p:pRg st="3" end="3"/>
+                                            </p:txEl>
+                                          </p:spTgt>
+                                        </p:tgtEl>
+                                        <p:attrNameLst>
+                                          <p:attrName>style.visibility</p:attrName>
+                                        </p:attrNameLst>
+                                      </p:cBhvr>
+                                      <p:to>
+                                        <p:strVal val="visible"/>
+                                      </p:to>
+                                    </p:set>
+                                  </p:childTnLst>
+                                </p:cTn>
+                              </p:par>
+                              <p:par>
+                                <p:cTn id="13" presetID="1" presetClass="entr" presetSubtype="0" fill="hold" grpId="0" nodeType="withEffect">
+                                  <p:stCondLst>
+                                    <p:cond delay="0"/>
+                                  </p:stCondLst>
+                                  <p:childTnLst>
+                                    <p:set>
+                                      <p:cBhvr>
+                                        <p:cTn id="14" dur="1" fill="hold">
+                                          <p:stCondLst>
+                                            <p:cond delay="0"/>
+                                          </p:stCondLst>
+                                        </p:cTn>
+                                        <p:tgtEl>
+                                          <p:spTgt spid="2">
+                                            <p:txEl>
+                                              <p:pRg st="5" end="5"/>
+                                            </p:txEl>
+                                          </p:spTgt>
+                                        </p:tgtEl>
+                                        <p:attrNameLst>
+                                          <p:attrName>style.visibility</p:attrName>
+                                        </p:attrNameLst>
+                                      </p:cBhvr>
+                                      <p:to>
+                                        <p:strVal val="visible"/>
+                                      </p:to>
+                                    </p:set>
+                                  </p:childTnLst>
+                                </p:cTn>
+                              </p:par>
+                              <p:par>
+                                <p:cTn id="15" presetID="1" presetClass="entr" presetSubtype="0" fill="hold" grpId="0" nodeType="withEffect">
+                                  <p:stCondLst>
+                                    <p:cond delay="0"/>
+                                  </p:stCondLst>
+                                  <p:childTnLst>
+                                    <p:set>
+                                      <p:cBhvr>
+                                        <p:cTn id="16" dur="1" fill="hold">
+                                          <p:stCondLst>
+                                            <p:cond delay="0"/>
+                                          </p:stCondLst>
+                                        </p:cTn>
+                                        <p:tgtEl>
+                                          <p:spTgt spid="2">
+                                            <p:txEl>
+                                              <p:pRg st="6" end="6"/>
+                                            </p:txEl>
+                                          </p:spTgt>
+                                        </p:tgtEl>
+                                        <p:attrNameLst>
+                                          <p:attrName>style.visibility</p:attrName>
+                                        </p:attrNameLst>
+                                      </p:cBhvr>
+                                      <p:to>
+                                        <p:strVal val="visible"/>
+                                      </p:to>
+                                    </p:set>
+                                  </p:childTnLst>
+                                </p:cTn>
+                              </p:par>
+                              <p:par>
+                                <p:cTn id="17" presetID="1" presetClass="entr" presetSubtype="0" fill="hold" grpId="0" nodeType="withEffect">
+                                  <p:stCondLst>
+                                    <p:cond delay="0"/>
+                                  </p:stCondLst>
+                                  <p:childTnLst>
+                                    <p:set>
+                                      <p:cBhvr>
+                                        <p:cTn id="18" dur="1" fill="hold">
+                                          <p:stCondLst>
+                                            <p:cond delay="0"/>
+                                          </p:stCondLst>
+                                        </p:cTn>
+                                        <p:tgtEl>
+                                          <p:spTgt spid="2">
+                                            <p:txEl>
+                                              <p:pRg st="7" end="7"/>
+                                            </p:txEl>
+                                          </p:spTgt>
+                                        </p:tgtEl>
+                                        <p:attrNameLst>
+                                          <p:attrName>style.visibility</p:attrName>
+                                        </p:attrNameLst>
+                                      </p:cBhvr>
+                                      <p:to>
+                                        <p:strVal val="visible"/>
+                                      </p:to>
+                                    </p:set>
+                                  </p:childTnLst>
+                                </p:cTn>
+                              </p:par>
+                              <p:par>
+                                <p:cTn id="19" presetID="1" presetClass="entr" presetSubtype="0" fill="hold" grpId="0" nodeType="withEffect">
+                                  <p:stCondLst>
+                                    <p:cond delay="0"/>
+                                  </p:stCondLst>
+                                  <p:childTnLst>
+                                    <p:set>
+                                      <p:cBhvr>
+                                        <p:cTn id="20" dur="1" fill="hold">
+                                          <p:stCondLst>
+                                            <p:cond delay="0"/>
+                                          </p:stCondLst>
+                                        </p:cTn>
+                                        <p:tgtEl>
+                                          <p:spTgt spid="2">
+                                            <p:txEl>
+                                              <p:pRg st="8" end="8"/>
+                                            </p:txEl>
+                                          </p:spTgt>
+                                        </p:tgtEl>
+                                        <p:attrNameLst>
+                                          <p:attrName>style.visibility</p:attrName>
+                                        </p:attrNameLst>
+                                      </p:cBhvr>
+                                      <p:to>
+                                        <p:strVal val="visible"/>
+                                      </p:to>
+                                    </p:set>
+                                  </p:childTnLst>
+                                </p:cTn>
+                              </p:par>
+                              <p:par>
+                                <p:cTn id="21" presetID="1" presetClass="entr" presetSubtype="0" fill="hold" grpId="0" nodeType="withEffect">
+                                  <p:stCondLst>
+                                    <p:cond delay="0"/>
+                                  </p:stCondLst>
+                                  <p:childTnLst>
+                                    <p:set>
+                                      <p:cBhvr>
+                                        <p:cTn id="22" dur="1" fill="hold">
+                                          <p:stCondLst>
+                                            <p:cond delay="0"/>
+                                          </p:stCondLst>
+                                        </p:cTn>
+                                        <p:tgtEl>
+                                          <p:spTgt spid="2">
+                                            <p:txEl>
+                                              <p:pRg st="9" end="9"/>
+                                            </p:txEl>
+                                          </p:spTgt>
+                                        </p:tgtEl>
+                                        <p:attrNameLst>
+                                          <p:attrName>style.visibility</p:attrName>
+                                        </p:attrNameLst>
+                                      </p:cBhvr>
+                                      <p:to>
+                                        <p:strVal val="visible"/>
+                                      </p:to>
+                                    </p:set>
+                                  </p:childTnLst>
+                                </p:cTn>
+                              </p:par>
+                            </p:childTnLst>
+                          </p:cTn>
+                        </p:par>
+                      </p:childTnLst>
+                    </p:cTn>
+                  </p:par>
+                </p:childTnLst>
+              </p:cTn>
+              <p:prevCondLst>
+                <p:cond evt="onPrev" delay="0">
+                  <p:tgtEl>
+                    <p:sldTgt/>
+                  </p:tgtEl>
+                </p:cond>
+              </p:prevCondLst>
+              <p:nextCondLst>
+                <p:cond evt="onNext" delay="0">
+                  <p:tgtEl>
+                    <p:sldTgt/>
+                  </p:tgtEl>
+                </p:cond>
+              </p:nextCondLst>
+            </p:seq>
+          </p:childTnLst>
+        </p:cTn>
+      </p:par>
+    </p:tnLst>
+    <p:bldLst>
+      <p:bldP spid="2" grpId="0" uiExpand="1" build="p"/>
+    </p:bldLst>
+  </p:timing>
 </p:sld>
 </file>
 
@@ -33577,7 +37875,12 @@
             <p:ph type="body" sz="quarter" idx="13"/>
           </p:nvPr>
         </p:nvSpPr>
-        <p:spPr/>
+        <p:spPr>
+          <a:xfrm>
+            <a:off x="2447477" y="1239837"/>
+            <a:ext cx="6877051" cy="3563938"/>
+          </a:xfrm>
+        </p:spPr>
         <p:txBody>
           <a:bodyPr/>
           <a:lstStyle/>
@@ -33822,6 +38125,42 @@
           </a:p>
         </p:txBody>
       </p:sp>
+      <p:pic>
+        <p:nvPicPr>
+          <p:cNvPr id="4" name="Picture 3" descr="Text&#10;&#10;Description automatically generated with medium confidence">
+            <a:extLst>
+              <a:ext uri="{FF2B5EF4-FFF2-40B4-BE49-F238E27FC236}">
+                <a16:creationId xmlns:a16="http://schemas.microsoft.com/office/drawing/2014/main" id="{C39DF8FA-8572-3981-8C0E-D501A70FA9F0}"/>
+              </a:ext>
+            </a:extLst>
+          </p:cNvPr>
+          <p:cNvPicPr>
+            <a:picLocks noChangeAspect="1"/>
+          </p:cNvPicPr>
+          <p:nvPr/>
+        </p:nvPicPr>
+        <p:blipFill>
+          <a:blip r:embed="rId2">
+            <a:extLst>
+              <a:ext uri="{28A0092B-C50C-407E-A947-70E740481C1C}">
+                <a14:useLocalDpi xmlns:a14="http://schemas.microsoft.com/office/drawing/2010/main" val="0"/>
+              </a:ext>
+            </a:extLst>
+          </a:blip>
+          <a:stretch>
+            <a:fillRect/>
+          </a:stretch>
+        </p:blipFill>
+        <p:spPr>
+          <a:xfrm>
+            <a:off x="467544" y="1419622"/>
+            <a:ext cx="2074521" cy="3131170"/>
+          </a:xfrm>
+          <a:prstGeom prst="rect">
+            <a:avLst/>
+          </a:prstGeom>
+        </p:spPr>
+      </p:pic>
     </p:spTree>
     <p:extLst>
       <p:ext uri="{BB962C8B-B14F-4D97-AF65-F5344CB8AC3E}">
@@ -33835,6 +38174,184 @@
   <p:transition>
     <p:fade/>
   </p:transition>
+  <p:timing>
+    <p:tnLst>
+      <p:par>
+        <p:cTn id="1" dur="indefinite" restart="never" nodeType="tmRoot">
+          <p:childTnLst>
+            <p:seq concurrent="1" nextAc="seek">
+              <p:cTn id="2" dur="indefinite" nodeType="mainSeq">
+                <p:childTnLst>
+                  <p:par>
+                    <p:cTn id="3" fill="hold">
+                      <p:stCondLst>
+                        <p:cond delay="indefinite"/>
+                        <p:cond evt="onBegin" delay="0">
+                          <p:tn val="2"/>
+                        </p:cond>
+                      </p:stCondLst>
+                      <p:childTnLst>
+                        <p:par>
+                          <p:cTn id="4" fill="hold">
+                            <p:stCondLst>
+                              <p:cond delay="0"/>
+                            </p:stCondLst>
+                            <p:childTnLst>
+                              <p:par>
+                                <p:cTn id="5" presetID="1" presetClass="entr" presetSubtype="0" fill="hold" grpId="0" nodeType="withEffect">
+                                  <p:stCondLst>
+                                    <p:cond delay="0"/>
+                                  </p:stCondLst>
+                                  <p:childTnLst>
+                                    <p:set>
+                                      <p:cBhvr>
+                                        <p:cTn id="6" dur="1" fill="hold">
+                                          <p:stCondLst>
+                                            <p:cond delay="0"/>
+                                          </p:stCondLst>
+                                        </p:cTn>
+                                        <p:tgtEl>
+                                          <p:spTgt spid="2">
+                                            <p:txEl>
+                                              <p:pRg st="0" end="0"/>
+                                            </p:txEl>
+                                          </p:spTgt>
+                                        </p:tgtEl>
+                                        <p:attrNameLst>
+                                          <p:attrName>style.visibility</p:attrName>
+                                        </p:attrNameLst>
+                                      </p:cBhvr>
+                                      <p:to>
+                                        <p:strVal val="visible"/>
+                                      </p:to>
+                                    </p:set>
+                                  </p:childTnLst>
+                                </p:cTn>
+                              </p:par>
+                              <p:par>
+                                <p:cTn id="7" presetID="1" presetClass="entr" presetSubtype="0" fill="hold" grpId="0" nodeType="withEffect">
+                                  <p:stCondLst>
+                                    <p:cond delay="0"/>
+                                  </p:stCondLst>
+                                  <p:childTnLst>
+                                    <p:set>
+                                      <p:cBhvr>
+                                        <p:cTn id="8" dur="1" fill="hold">
+                                          <p:stCondLst>
+                                            <p:cond delay="0"/>
+                                          </p:stCondLst>
+                                        </p:cTn>
+                                        <p:tgtEl>
+                                          <p:spTgt spid="2">
+                                            <p:txEl>
+                                              <p:pRg st="2" end="2"/>
+                                            </p:txEl>
+                                          </p:spTgt>
+                                        </p:tgtEl>
+                                        <p:attrNameLst>
+                                          <p:attrName>style.visibility</p:attrName>
+                                        </p:attrNameLst>
+                                      </p:cBhvr>
+                                      <p:to>
+                                        <p:strVal val="visible"/>
+                                      </p:to>
+                                    </p:set>
+                                  </p:childTnLst>
+                                </p:cTn>
+                              </p:par>
+                              <p:par>
+                                <p:cTn id="9" presetID="1" presetClass="entr" presetSubtype="0" fill="hold" grpId="0" nodeType="withEffect">
+                                  <p:stCondLst>
+                                    <p:cond delay="0"/>
+                                  </p:stCondLst>
+                                  <p:childTnLst>
+                                    <p:set>
+                                      <p:cBhvr>
+                                        <p:cTn id="10" dur="1" fill="hold">
+                                          <p:stCondLst>
+                                            <p:cond delay="0"/>
+                                          </p:stCondLst>
+                                        </p:cTn>
+                                        <p:tgtEl>
+                                          <p:spTgt spid="2">
+                                            <p:txEl>
+                                              <p:pRg st="3" end="3"/>
+                                            </p:txEl>
+                                          </p:spTgt>
+                                        </p:tgtEl>
+                                        <p:attrNameLst>
+                                          <p:attrName>style.visibility</p:attrName>
+                                        </p:attrNameLst>
+                                      </p:cBhvr>
+                                      <p:to>
+                                        <p:strVal val="visible"/>
+                                      </p:to>
+                                    </p:set>
+                                  </p:childTnLst>
+                                </p:cTn>
+                              </p:par>
+                              <p:par>
+                                <p:cTn id="11" presetID="1" presetClass="entr" presetSubtype="0" fill="hold" grpId="0" nodeType="withEffect">
+                                  <p:stCondLst>
+                                    <p:cond delay="0"/>
+                                  </p:stCondLst>
+                                  <p:childTnLst>
+                                    <p:set>
+                                      <p:cBhvr>
+                                        <p:cTn id="12" dur="1" fill="hold">
+                                          <p:stCondLst>
+                                            <p:cond delay="0"/>
+                                          </p:stCondLst>
+                                        </p:cTn>
+                                        <p:tgtEl>
+                                          <p:spTgt spid="2">
+                                            <p:txEl>
+                                              <p:pRg st="5" end="5"/>
+                                            </p:txEl>
+                                          </p:spTgt>
+                                        </p:tgtEl>
+                                        <p:attrNameLst>
+                                          <p:attrName>style.visibility</p:attrName>
+                                        </p:attrNameLst>
+                                      </p:cBhvr>
+                                      <p:to>
+                                        <p:strVal val="visible"/>
+                                      </p:to>
+                                    </p:set>
+                                  </p:childTnLst>
+                                </p:cTn>
+                              </p:par>
+                            </p:childTnLst>
+                          </p:cTn>
+                        </p:par>
+                      </p:childTnLst>
+                    </p:cTn>
+                  </p:par>
+                </p:childTnLst>
+              </p:cTn>
+              <p:prevCondLst>
+                <p:cond evt="onPrev" delay="0">
+                  <p:tgtEl>
+                    <p:sldTgt/>
+                  </p:tgtEl>
+                </p:cond>
+              </p:prevCondLst>
+              <p:nextCondLst>
+                <p:cond evt="onNext" delay="0">
+                  <p:tgtEl>
+                    <p:sldTgt/>
+                  </p:tgtEl>
+                </p:cond>
+              </p:nextCondLst>
+            </p:seq>
+          </p:childTnLst>
+        </p:cTn>
+      </p:par>
+    </p:tnLst>
+    <p:bldLst>
+      <p:bldP spid="2" grpId="0" uiExpand="1" build="p"/>
+    </p:bldLst>
+  </p:timing>
 </p:sld>
 </file>
 
@@ -33855,8 +38372,8 @@
           <a:chExt cx="0" cy="0"/>
         </a:xfrm>
       </p:grpSpPr>
-      <mc:AlternateContent xmlns:mc="http://schemas.openxmlformats.org/markup-compatibility/2006" xmlns:a14="http://schemas.microsoft.com/office/drawing/2010/main">
-        <mc:Choice Requires="a14">
+      <mc:AlternateContent xmlns:mc="http://schemas.openxmlformats.org/markup-compatibility/2006">
+        <mc:Choice xmlns:a14="http://schemas.microsoft.com/office/drawing/2010/main" Requires="a14">
           <p:sp>
             <p:nvSpPr>
               <p:cNvPr id="2" name="Text Placeholder 1">
@@ -33873,7 +38390,12 @@
                 <p:ph type="body" sz="quarter" idx="13"/>
               </p:nvPr>
             </p:nvSpPr>
-            <p:spPr/>
+            <p:spPr>
+              <a:xfrm>
+                <a:off x="2987824" y="1239837"/>
+                <a:ext cx="6877051" cy="3563938"/>
+              </a:xfrm>
+            </p:spPr>
             <p:txBody>
               <a:bodyPr/>
               <a:lstStyle/>
@@ -34258,7 +38780,7 @@
             </p:txBody>
           </p:sp>
         </mc:Choice>
-        <mc:Fallback xmlns="">
+        <mc:Fallback>
           <p:sp>
             <p:nvSpPr>
               <p:cNvPr id="2" name="Text Placeholder 1">
@@ -34276,6 +38798,10 @@
               </p:nvPr>
             </p:nvSpPr>
             <p:spPr>
+              <a:xfrm>
+                <a:off x="2987824" y="1239837"/>
+                <a:ext cx="6877051" cy="3563938"/>
+              </a:xfrm>
               <a:blipFill>
                 <a:blip r:embed="rId2"/>
                 <a:stretch>
@@ -34327,6 +38853,42 @@
           </a:p>
         </p:txBody>
       </p:sp>
+      <p:pic>
+        <p:nvPicPr>
+          <p:cNvPr id="4" name="Picture 3" descr="Text&#10;&#10;Description automatically generated with medium confidence">
+            <a:extLst>
+              <a:ext uri="{FF2B5EF4-FFF2-40B4-BE49-F238E27FC236}">
+                <a16:creationId xmlns:a16="http://schemas.microsoft.com/office/drawing/2014/main" id="{A74459B9-206B-C364-F718-2052E0CF3DE1}"/>
+              </a:ext>
+            </a:extLst>
+          </p:cNvPr>
+          <p:cNvPicPr>
+            <a:picLocks noChangeAspect="1"/>
+          </p:cNvPicPr>
+          <p:nvPr/>
+        </p:nvPicPr>
+        <p:blipFill>
+          <a:blip r:embed="rId3">
+            <a:extLst>
+              <a:ext uri="{28A0092B-C50C-407E-A947-70E740481C1C}">
+                <a14:useLocalDpi xmlns:a14="http://schemas.microsoft.com/office/drawing/2010/main" val="0"/>
+              </a:ext>
+            </a:extLst>
+          </a:blip>
+          <a:stretch>
+            <a:fillRect/>
+          </a:stretch>
+        </p:blipFill>
+        <p:spPr>
+          <a:xfrm>
+            <a:off x="467544" y="1419622"/>
+            <a:ext cx="2074521" cy="3131170"/>
+          </a:xfrm>
+          <a:prstGeom prst="rect">
+            <a:avLst/>
+          </a:prstGeom>
+        </p:spPr>
+      </p:pic>
     </p:spTree>
     <p:extLst>
       <p:ext uri="{BB962C8B-B14F-4D97-AF65-F5344CB8AC3E}">
@@ -34340,6 +38902,372 @@
   <p:transition>
     <p:fade/>
   </p:transition>
+  <p:timing>
+    <p:tnLst>
+      <p:par>
+        <p:cTn id="1" dur="indefinite" restart="never" nodeType="tmRoot">
+          <p:childTnLst>
+            <p:seq concurrent="1" nextAc="seek">
+              <p:cTn id="2" dur="indefinite" nodeType="mainSeq">
+                <p:childTnLst>
+                  <p:par>
+                    <p:cTn id="3" fill="hold">
+                      <p:stCondLst>
+                        <p:cond delay="indefinite"/>
+                      </p:stCondLst>
+                      <p:childTnLst>
+                        <p:par>
+                          <p:cTn id="4" fill="hold">
+                            <p:stCondLst>
+                              <p:cond delay="0"/>
+                            </p:stCondLst>
+                            <p:childTnLst>
+                              <p:par>
+                                <p:cTn id="5" presetID="1" presetClass="entr" presetSubtype="0" fill="hold" grpId="0" nodeType="clickEffect">
+                                  <p:stCondLst>
+                                    <p:cond delay="0"/>
+                                  </p:stCondLst>
+                                  <p:childTnLst>
+                                    <p:set>
+                                      <p:cBhvr>
+                                        <p:cTn id="6" dur="1" fill="hold">
+                                          <p:stCondLst>
+                                            <p:cond delay="0"/>
+                                          </p:stCondLst>
+                                        </p:cTn>
+                                        <p:tgtEl>
+                                          <p:spTgt spid="2">
+                                            <p:txEl>
+                                              <p:pRg st="0" end="0"/>
+                                            </p:txEl>
+                                          </p:spTgt>
+                                        </p:tgtEl>
+                                        <p:attrNameLst>
+                                          <p:attrName>style.visibility</p:attrName>
+                                        </p:attrNameLst>
+                                      </p:cBhvr>
+                                      <p:to>
+                                        <p:strVal val="visible"/>
+                                      </p:to>
+                                    </p:set>
+                                  </p:childTnLst>
+                                </p:cTn>
+                              </p:par>
+                              <p:par>
+                                <p:cTn id="7" presetID="1" presetClass="entr" presetSubtype="0" fill="hold" grpId="0" nodeType="withEffect">
+                                  <p:stCondLst>
+                                    <p:cond delay="0"/>
+                                  </p:stCondLst>
+                                  <p:childTnLst>
+                                    <p:set>
+                                      <p:cBhvr>
+                                        <p:cTn id="8" dur="1" fill="hold">
+                                          <p:stCondLst>
+                                            <p:cond delay="0"/>
+                                          </p:stCondLst>
+                                        </p:cTn>
+                                        <p:tgtEl>
+                                          <p:spTgt spid="2">
+                                            <p:txEl>
+                                              <p:pRg st="2" end="2"/>
+                                            </p:txEl>
+                                          </p:spTgt>
+                                        </p:tgtEl>
+                                        <p:attrNameLst>
+                                          <p:attrName>style.visibility</p:attrName>
+                                        </p:attrNameLst>
+                                      </p:cBhvr>
+                                      <p:to>
+                                        <p:strVal val="visible"/>
+                                      </p:to>
+                                    </p:set>
+                                  </p:childTnLst>
+                                </p:cTn>
+                              </p:par>
+                              <p:par>
+                                <p:cTn id="9" presetID="1" presetClass="entr" presetSubtype="0" fill="hold" grpId="0" nodeType="withEffect">
+                                  <p:stCondLst>
+                                    <p:cond delay="0"/>
+                                  </p:stCondLst>
+                                  <p:childTnLst>
+                                    <p:set>
+                                      <p:cBhvr>
+                                        <p:cTn id="10" dur="1" fill="hold">
+                                          <p:stCondLst>
+                                            <p:cond delay="0"/>
+                                          </p:stCondLst>
+                                        </p:cTn>
+                                        <p:tgtEl>
+                                          <p:spTgt spid="2">
+                                            <p:txEl>
+                                              <p:pRg st="3" end="3"/>
+                                            </p:txEl>
+                                          </p:spTgt>
+                                        </p:tgtEl>
+                                        <p:attrNameLst>
+                                          <p:attrName>style.visibility</p:attrName>
+                                        </p:attrNameLst>
+                                      </p:cBhvr>
+                                      <p:to>
+                                        <p:strVal val="visible"/>
+                                      </p:to>
+                                    </p:set>
+                                  </p:childTnLst>
+                                </p:cTn>
+                              </p:par>
+                              <p:par>
+                                <p:cTn id="11" presetID="1" presetClass="entr" presetSubtype="0" fill="hold" grpId="0" nodeType="withEffect">
+                                  <p:stCondLst>
+                                    <p:cond delay="0"/>
+                                  </p:stCondLst>
+                                  <p:childTnLst>
+                                    <p:set>
+                                      <p:cBhvr>
+                                        <p:cTn id="12" dur="1" fill="hold">
+                                          <p:stCondLst>
+                                            <p:cond delay="0"/>
+                                          </p:stCondLst>
+                                        </p:cTn>
+                                        <p:tgtEl>
+                                          <p:spTgt spid="2">
+                                            <p:txEl>
+                                              <p:pRg st="4" end="4"/>
+                                            </p:txEl>
+                                          </p:spTgt>
+                                        </p:tgtEl>
+                                        <p:attrNameLst>
+                                          <p:attrName>style.visibility</p:attrName>
+                                        </p:attrNameLst>
+                                      </p:cBhvr>
+                                      <p:to>
+                                        <p:strVal val="visible"/>
+                                      </p:to>
+                                    </p:set>
+                                  </p:childTnLst>
+                                </p:cTn>
+                              </p:par>
+                              <p:par>
+                                <p:cTn id="13" presetID="1" presetClass="entr" presetSubtype="0" fill="hold" grpId="0" nodeType="withEffect">
+                                  <p:stCondLst>
+                                    <p:cond delay="0"/>
+                                  </p:stCondLst>
+                                  <p:childTnLst>
+                                    <p:set>
+                                      <p:cBhvr>
+                                        <p:cTn id="14" dur="1" fill="hold">
+                                          <p:stCondLst>
+                                            <p:cond delay="0"/>
+                                          </p:stCondLst>
+                                        </p:cTn>
+                                        <p:tgtEl>
+                                          <p:spTgt spid="2">
+                                            <p:txEl>
+                                              <p:pRg st="5" end="5"/>
+                                            </p:txEl>
+                                          </p:spTgt>
+                                        </p:tgtEl>
+                                        <p:attrNameLst>
+                                          <p:attrName>style.visibility</p:attrName>
+                                        </p:attrNameLst>
+                                      </p:cBhvr>
+                                      <p:to>
+                                        <p:strVal val="visible"/>
+                                      </p:to>
+                                    </p:set>
+                                  </p:childTnLst>
+                                </p:cTn>
+                              </p:par>
+                              <p:par>
+                                <p:cTn id="15" presetID="1" presetClass="entr" presetSubtype="0" fill="hold" grpId="0" nodeType="withEffect">
+                                  <p:stCondLst>
+                                    <p:cond delay="0"/>
+                                  </p:stCondLst>
+                                  <p:childTnLst>
+                                    <p:set>
+                                      <p:cBhvr>
+                                        <p:cTn id="16" dur="1" fill="hold">
+                                          <p:stCondLst>
+                                            <p:cond delay="0"/>
+                                          </p:stCondLst>
+                                        </p:cTn>
+                                        <p:tgtEl>
+                                          <p:spTgt spid="2">
+                                            <p:txEl>
+                                              <p:pRg st="6" end="6"/>
+                                            </p:txEl>
+                                          </p:spTgt>
+                                        </p:tgtEl>
+                                        <p:attrNameLst>
+                                          <p:attrName>style.visibility</p:attrName>
+                                        </p:attrNameLst>
+                                      </p:cBhvr>
+                                      <p:to>
+                                        <p:strVal val="visible"/>
+                                      </p:to>
+                                    </p:set>
+                                  </p:childTnLst>
+                                </p:cTn>
+                              </p:par>
+                            </p:childTnLst>
+                          </p:cTn>
+                        </p:par>
+                      </p:childTnLst>
+                    </p:cTn>
+                  </p:par>
+                  <p:par>
+                    <p:cTn id="17" fill="hold">
+                      <p:stCondLst>
+                        <p:cond delay="indefinite"/>
+                      </p:stCondLst>
+                      <p:childTnLst>
+                        <p:par>
+                          <p:cTn id="18" fill="hold">
+                            <p:stCondLst>
+                              <p:cond delay="0"/>
+                            </p:stCondLst>
+                            <p:childTnLst>
+                              <p:par>
+                                <p:cTn id="19" presetID="1" presetClass="entr" presetSubtype="0" fill="hold" grpId="0" nodeType="clickEffect">
+                                  <p:stCondLst>
+                                    <p:cond delay="0"/>
+                                  </p:stCondLst>
+                                  <p:childTnLst>
+                                    <p:set>
+                                      <p:cBhvr>
+                                        <p:cTn id="20" dur="1" fill="hold">
+                                          <p:stCondLst>
+                                            <p:cond delay="0"/>
+                                          </p:stCondLst>
+                                        </p:cTn>
+                                        <p:tgtEl>
+                                          <p:spTgt spid="2">
+                                            <p:txEl>
+                                              <p:pRg st="7" end="7"/>
+                                            </p:txEl>
+                                          </p:spTgt>
+                                        </p:tgtEl>
+                                        <p:attrNameLst>
+                                          <p:attrName>style.visibility</p:attrName>
+                                        </p:attrNameLst>
+                                      </p:cBhvr>
+                                      <p:to>
+                                        <p:strVal val="visible"/>
+                                      </p:to>
+                                    </p:set>
+                                  </p:childTnLst>
+                                </p:cTn>
+                              </p:par>
+                            </p:childTnLst>
+                          </p:cTn>
+                        </p:par>
+                      </p:childTnLst>
+                    </p:cTn>
+                  </p:par>
+                  <p:par>
+                    <p:cTn id="21" fill="hold">
+                      <p:stCondLst>
+                        <p:cond delay="indefinite"/>
+                      </p:stCondLst>
+                      <p:childTnLst>
+                        <p:par>
+                          <p:cTn id="22" fill="hold">
+                            <p:stCondLst>
+                              <p:cond delay="0"/>
+                            </p:stCondLst>
+                            <p:childTnLst>
+                              <p:par>
+                                <p:cTn id="23" presetID="1" presetClass="entr" presetSubtype="0" fill="hold" grpId="0" nodeType="clickEffect">
+                                  <p:stCondLst>
+                                    <p:cond delay="0"/>
+                                  </p:stCondLst>
+                                  <p:childTnLst>
+                                    <p:set>
+                                      <p:cBhvr>
+                                        <p:cTn id="24" dur="1" fill="hold">
+                                          <p:stCondLst>
+                                            <p:cond delay="0"/>
+                                          </p:stCondLst>
+                                        </p:cTn>
+                                        <p:tgtEl>
+                                          <p:spTgt spid="2">
+                                            <p:txEl>
+                                              <p:pRg st="9" end="9"/>
+                                            </p:txEl>
+                                          </p:spTgt>
+                                        </p:tgtEl>
+                                        <p:attrNameLst>
+                                          <p:attrName>style.visibility</p:attrName>
+                                        </p:attrNameLst>
+                                      </p:cBhvr>
+                                      <p:to>
+                                        <p:strVal val="visible"/>
+                                      </p:to>
+                                    </p:set>
+                                  </p:childTnLst>
+                                </p:cTn>
+                              </p:par>
+                              <p:par>
+                                <p:cTn id="25" presetID="1" presetClass="entr" presetSubtype="0" fill="hold" grpId="0" nodeType="withEffect">
+                                  <p:stCondLst>
+                                    <p:cond delay="0"/>
+                                  </p:stCondLst>
+                                  <p:childTnLst>
+                                    <p:set>
+                                      <p:cBhvr>
+                                        <p:cTn id="26" dur="1" fill="hold">
+                                          <p:stCondLst>
+                                            <p:cond delay="0"/>
+                                          </p:stCondLst>
+                                        </p:cTn>
+                                        <p:tgtEl>
+                                          <p:spTgt spid="2">
+                                            <p:txEl>
+                                              <p:pRg st="10" end="10"/>
+                                            </p:txEl>
+                                          </p:spTgt>
+                                        </p:tgtEl>
+                                        <p:attrNameLst>
+                                          <p:attrName>style.visibility</p:attrName>
+                                        </p:attrNameLst>
+                                      </p:cBhvr>
+                                      <p:to>
+                                        <p:strVal val="visible"/>
+                                      </p:to>
+                                    </p:set>
+                                  </p:childTnLst>
+                                </p:cTn>
+                              </p:par>
+                            </p:childTnLst>
+                          </p:cTn>
+                        </p:par>
+                      </p:childTnLst>
+                    </p:cTn>
+                  </p:par>
+                </p:childTnLst>
+              </p:cTn>
+              <p:prevCondLst>
+                <p:cond evt="onPrev" delay="0">
+                  <p:tgtEl>
+                    <p:sldTgt/>
+                  </p:tgtEl>
+                </p:cond>
+              </p:prevCondLst>
+              <p:nextCondLst>
+                <p:cond evt="onNext" delay="0">
+                  <p:tgtEl>
+                    <p:sldTgt/>
+                  </p:tgtEl>
+                </p:cond>
+              </p:nextCondLst>
+            </p:seq>
+          </p:childTnLst>
+        </p:cTn>
+      </p:par>
+    </p:tnLst>
+    <p:bldLst>
+      <p:bldP spid="2" grpId="0" build="p"/>
+    </p:bldLst>
+  </p:timing>
 </p:sld>
 </file>
 
@@ -34631,12 +39559,9 @@
           <a:bodyPr/>
           <a:lstStyle/>
           <a:p>
-            <a:r>
-              <a:rPr lang="de-DE" dirty="0"/>
-              <a:t>Beispielhaftes Vorgehen für Schleifen</a:t>
-            </a:r>
-          </a:p>
-          <a:p>
+            <a:pPr marL="0" indent="0">
+              <a:buNone/>
+            </a:pPr>
             <a:r>
               <a:rPr lang="de-DE" dirty="0"/>
               <a:t>Konstruiere Folge von Werten u</a:t>
@@ -34667,7 +39592,6 @@
             </a:r>
           </a:p>
           <a:p>
-            <a:pPr lvl="1"/>
             <a:r>
               <a:rPr lang="de-DE" dirty="0"/>
               <a:t>Schleifenrumpf berechnet u</a:t>
@@ -34690,7 +39614,6 @@
             </a:r>
           </a:p>
           <a:p>
-            <a:pPr lvl="1"/>
             <a:r>
               <a:rPr lang="de-DE" dirty="0"/>
               <a:t>Bei Schleifeneintritt hat u</a:t>
@@ -34705,7 +39628,6 @@
             </a:r>
           </a:p>
           <a:p>
-            <a:pPr lvl="1"/>
             <a:r>
               <a:rPr lang="de-DE" dirty="0"/>
               <a:t>Es gilt u</a:t>
@@ -34728,7 +39650,6 @@
             </a:r>
           </a:p>
           <a:p>
-            <a:pPr lvl="1"/>
             <a:r>
               <a:rPr lang="de-DE" dirty="0"/>
               <a:t>Alle u</a:t>
@@ -34751,11 +39672,9 @@
             </a:r>
           </a:p>
           <a:p>
-            <a:pPr lvl="1"/>
             <a:endParaRPr lang="de-DE" dirty="0"/>
           </a:p>
           <a:p>
-            <a:pPr lvl="1"/>
             <a:r>
               <a:rPr lang="de-DE" dirty="0"/>
               <a:t>Bei nicht-ganzzahligen </a:t>
@@ -34823,7 +39742,14 @@
               <a:rPr lang="de-DE" dirty="0"/>
               <a:t>Beweis der Terminierung</a:t>
             </a:r>
-            <a:endParaRPr lang="en-DE" dirty="0"/>
+            <a:br>
+              <a:rPr lang="de-DE" dirty="0"/>
+            </a:br>
+            <a:r>
+              <a:rPr lang="de-DE" sz="1400" dirty="0"/>
+              <a:t>Beispielhaftes Vorgehen für Schleifen</a:t>
+            </a:r>
+            <a:endParaRPr lang="en-DE" sz="1400" dirty="0"/>
           </a:p>
         </p:txBody>
       </p:sp>
@@ -35121,6 +40047,375 @@
   <p:transition>
     <p:fade/>
   </p:transition>
+  <p:timing>
+    <p:tnLst>
+      <p:par>
+        <p:cTn id="1" dur="indefinite" restart="never" nodeType="tmRoot">
+          <p:childTnLst>
+            <p:seq concurrent="1" nextAc="seek">
+              <p:cTn id="2" dur="indefinite" nodeType="mainSeq">
+                <p:childTnLst>
+                  <p:par>
+                    <p:cTn id="3" fill="hold">
+                      <p:stCondLst>
+                        <p:cond delay="indefinite"/>
+                        <p:cond evt="onBegin" delay="0">
+                          <p:tn val="2"/>
+                        </p:cond>
+                      </p:stCondLst>
+                      <p:childTnLst>
+                        <p:par>
+                          <p:cTn id="4" fill="hold">
+                            <p:stCondLst>
+                              <p:cond delay="0"/>
+                            </p:stCondLst>
+                            <p:childTnLst>
+                              <p:par>
+                                <p:cTn id="5" presetID="1" presetClass="entr" presetSubtype="0" fill="hold" grpId="0" nodeType="withEffect">
+                                  <p:stCondLst>
+                                    <p:cond delay="0"/>
+                                  </p:stCondLst>
+                                  <p:childTnLst>
+                                    <p:set>
+                                      <p:cBhvr>
+                                        <p:cTn id="6" dur="1" fill="hold">
+                                          <p:stCondLst>
+                                            <p:cond delay="0"/>
+                                          </p:stCondLst>
+                                        </p:cTn>
+                                        <p:tgtEl>
+                                          <p:spTgt spid="2">
+                                            <p:txEl>
+                                              <p:pRg st="0" end="0"/>
+                                            </p:txEl>
+                                          </p:spTgt>
+                                        </p:tgtEl>
+                                        <p:attrNameLst>
+                                          <p:attrName>style.visibility</p:attrName>
+                                        </p:attrNameLst>
+                                      </p:cBhvr>
+                                      <p:to>
+                                        <p:strVal val="visible"/>
+                                      </p:to>
+                                    </p:set>
+                                  </p:childTnLst>
+                                </p:cTn>
+                              </p:par>
+                              <p:par>
+                                <p:cTn id="7" presetID="1" presetClass="entr" presetSubtype="0" fill="hold" grpId="0" nodeType="withEffect">
+                                  <p:stCondLst>
+                                    <p:cond delay="0"/>
+                                  </p:stCondLst>
+                                  <p:childTnLst>
+                                    <p:set>
+                                      <p:cBhvr>
+                                        <p:cTn id="8" dur="1" fill="hold">
+                                          <p:stCondLst>
+                                            <p:cond delay="0"/>
+                                          </p:stCondLst>
+                                        </p:cTn>
+                                        <p:tgtEl>
+                                          <p:spTgt spid="2">
+                                            <p:txEl>
+                                              <p:pRg st="1" end="1"/>
+                                            </p:txEl>
+                                          </p:spTgt>
+                                        </p:tgtEl>
+                                        <p:attrNameLst>
+                                          <p:attrName>style.visibility</p:attrName>
+                                        </p:attrNameLst>
+                                      </p:cBhvr>
+                                      <p:to>
+                                        <p:strVal val="visible"/>
+                                      </p:to>
+                                    </p:set>
+                                  </p:childTnLst>
+                                </p:cTn>
+                              </p:par>
+                              <p:par>
+                                <p:cTn id="9" presetID="1" presetClass="entr" presetSubtype="0" fill="hold" grpId="0" nodeType="withEffect">
+                                  <p:stCondLst>
+                                    <p:cond delay="0"/>
+                                  </p:stCondLst>
+                                  <p:childTnLst>
+                                    <p:set>
+                                      <p:cBhvr>
+                                        <p:cTn id="10" dur="1" fill="hold">
+                                          <p:stCondLst>
+                                            <p:cond delay="0"/>
+                                          </p:stCondLst>
+                                        </p:cTn>
+                                        <p:tgtEl>
+                                          <p:spTgt spid="2">
+                                            <p:txEl>
+                                              <p:pRg st="2" end="2"/>
+                                            </p:txEl>
+                                          </p:spTgt>
+                                        </p:tgtEl>
+                                        <p:attrNameLst>
+                                          <p:attrName>style.visibility</p:attrName>
+                                        </p:attrNameLst>
+                                      </p:cBhvr>
+                                      <p:to>
+                                        <p:strVal val="visible"/>
+                                      </p:to>
+                                    </p:set>
+                                  </p:childTnLst>
+                                </p:cTn>
+                              </p:par>
+                            </p:childTnLst>
+                          </p:cTn>
+                        </p:par>
+                      </p:childTnLst>
+                    </p:cTn>
+                  </p:par>
+                  <p:par>
+                    <p:cTn id="11" fill="hold">
+                      <p:stCondLst>
+                        <p:cond delay="indefinite"/>
+                      </p:stCondLst>
+                      <p:childTnLst>
+                        <p:par>
+                          <p:cTn id="12" fill="hold">
+                            <p:stCondLst>
+                              <p:cond delay="0"/>
+                            </p:stCondLst>
+                            <p:childTnLst>
+                              <p:par>
+                                <p:cTn id="13" presetID="1" presetClass="entr" presetSubtype="0" fill="hold" grpId="0" nodeType="clickEffect">
+                                  <p:stCondLst>
+                                    <p:cond delay="0"/>
+                                  </p:stCondLst>
+                                  <p:childTnLst>
+                                    <p:set>
+                                      <p:cBhvr>
+                                        <p:cTn id="14" dur="1" fill="hold">
+                                          <p:stCondLst>
+                                            <p:cond delay="0"/>
+                                          </p:stCondLst>
+                                        </p:cTn>
+                                        <p:tgtEl>
+                                          <p:spTgt spid="2">
+                                            <p:txEl>
+                                              <p:pRg st="4" end="4"/>
+                                            </p:txEl>
+                                          </p:spTgt>
+                                        </p:tgtEl>
+                                        <p:attrNameLst>
+                                          <p:attrName>style.visibility</p:attrName>
+                                        </p:attrNameLst>
+                                      </p:cBhvr>
+                                      <p:to>
+                                        <p:strVal val="visible"/>
+                                      </p:to>
+                                    </p:set>
+                                  </p:childTnLst>
+                                </p:cTn>
+                              </p:par>
+                            </p:childTnLst>
+                          </p:cTn>
+                        </p:par>
+                      </p:childTnLst>
+                    </p:cTn>
+                  </p:par>
+                  <p:par>
+                    <p:cTn id="15" fill="hold">
+                      <p:stCondLst>
+                        <p:cond delay="indefinite"/>
+                      </p:stCondLst>
+                      <p:childTnLst>
+                        <p:par>
+                          <p:cTn id="16" fill="hold">
+                            <p:stCondLst>
+                              <p:cond delay="0"/>
+                            </p:stCondLst>
+                            <p:childTnLst>
+                              <p:par>
+                                <p:cTn id="17" presetID="1" presetClass="entr" presetSubtype="0" fill="hold" grpId="0" nodeType="clickEffect">
+                                  <p:stCondLst>
+                                    <p:cond delay="0"/>
+                                  </p:stCondLst>
+                                  <p:childTnLst>
+                                    <p:set>
+                                      <p:cBhvr>
+                                        <p:cTn id="18" dur="1" fill="hold">
+                                          <p:stCondLst>
+                                            <p:cond delay="0"/>
+                                          </p:stCondLst>
+                                        </p:cTn>
+                                        <p:tgtEl>
+                                          <p:spTgt spid="2">
+                                            <p:txEl>
+                                              <p:pRg st="5" end="5"/>
+                                            </p:txEl>
+                                          </p:spTgt>
+                                        </p:tgtEl>
+                                        <p:attrNameLst>
+                                          <p:attrName>style.visibility</p:attrName>
+                                        </p:attrNameLst>
+                                      </p:cBhvr>
+                                      <p:to>
+                                        <p:strVal val="visible"/>
+                                      </p:to>
+                                    </p:set>
+                                  </p:childTnLst>
+                                </p:cTn>
+                              </p:par>
+                              <p:par>
+                                <p:cTn id="19" presetID="1" presetClass="entr" presetSubtype="0" fill="hold" grpId="0" nodeType="withEffect">
+                                  <p:stCondLst>
+                                    <p:cond delay="0"/>
+                                  </p:stCondLst>
+                                  <p:childTnLst>
+                                    <p:set>
+                                      <p:cBhvr>
+                                        <p:cTn id="20" dur="1" fill="hold">
+                                          <p:stCondLst>
+                                            <p:cond delay="0"/>
+                                          </p:stCondLst>
+                                        </p:cTn>
+                                        <p:tgtEl>
+                                          <p:spTgt spid="2">
+                                            <p:txEl>
+                                              <p:pRg st="6" end="6"/>
+                                            </p:txEl>
+                                          </p:spTgt>
+                                        </p:tgtEl>
+                                        <p:attrNameLst>
+                                          <p:attrName>style.visibility</p:attrName>
+                                        </p:attrNameLst>
+                                      </p:cBhvr>
+                                      <p:to>
+                                        <p:strVal val="visible"/>
+                                      </p:to>
+                                    </p:set>
+                                  </p:childTnLst>
+                                </p:cTn>
+                              </p:par>
+                              <p:par>
+                                <p:cTn id="21" presetID="1" presetClass="entr" presetSubtype="0" fill="hold" grpId="0" nodeType="withEffect">
+                                  <p:stCondLst>
+                                    <p:cond delay="0"/>
+                                  </p:stCondLst>
+                                  <p:childTnLst>
+                                    <p:set>
+                                      <p:cBhvr>
+                                        <p:cTn id="22" dur="1" fill="hold">
+                                          <p:stCondLst>
+                                            <p:cond delay="0"/>
+                                          </p:stCondLst>
+                                        </p:cTn>
+                                        <p:tgtEl>
+                                          <p:spTgt spid="2">
+                                            <p:txEl>
+                                              <p:pRg st="7" end="7"/>
+                                            </p:txEl>
+                                          </p:spTgt>
+                                        </p:tgtEl>
+                                        <p:attrNameLst>
+                                          <p:attrName>style.visibility</p:attrName>
+                                        </p:attrNameLst>
+                                      </p:cBhvr>
+                                      <p:to>
+                                        <p:strVal val="visible"/>
+                                      </p:to>
+                                    </p:set>
+                                  </p:childTnLst>
+                                </p:cTn>
+                              </p:par>
+                              <p:par>
+                                <p:cTn id="23" presetID="1" presetClass="entr" presetSubtype="0" fill="hold" grpId="0" nodeType="withEffect">
+                                  <p:stCondLst>
+                                    <p:cond delay="0"/>
+                                  </p:stCondLst>
+                                  <p:childTnLst>
+                                    <p:set>
+                                      <p:cBhvr>
+                                        <p:cTn id="24" dur="1" fill="hold">
+                                          <p:stCondLst>
+                                            <p:cond delay="0"/>
+                                          </p:stCondLst>
+                                        </p:cTn>
+                                        <p:tgtEl>
+                                          <p:spTgt spid="2">
+                                            <p:txEl>
+                                              <p:pRg st="8" end="8"/>
+                                            </p:txEl>
+                                          </p:spTgt>
+                                        </p:tgtEl>
+                                        <p:attrNameLst>
+                                          <p:attrName>style.visibility</p:attrName>
+                                        </p:attrNameLst>
+                                      </p:cBhvr>
+                                      <p:to>
+                                        <p:strVal val="visible"/>
+                                      </p:to>
+                                    </p:set>
+                                  </p:childTnLst>
+                                </p:cTn>
+                              </p:par>
+                              <p:par>
+                                <p:cTn id="25" presetID="1" presetClass="entr" presetSubtype="0" fill="hold" grpId="0" nodeType="withEffect">
+                                  <p:stCondLst>
+                                    <p:cond delay="0"/>
+                                  </p:stCondLst>
+                                  <p:childTnLst>
+                                    <p:set>
+                                      <p:cBhvr>
+                                        <p:cTn id="26" dur="1" fill="hold">
+                                          <p:stCondLst>
+                                            <p:cond delay="0"/>
+                                          </p:stCondLst>
+                                        </p:cTn>
+                                        <p:tgtEl>
+                                          <p:spTgt spid="2">
+                                            <p:txEl>
+                                              <p:pRg st="9" end="9"/>
+                                            </p:txEl>
+                                          </p:spTgt>
+                                        </p:tgtEl>
+                                        <p:attrNameLst>
+                                          <p:attrName>style.visibility</p:attrName>
+                                        </p:attrNameLst>
+                                      </p:cBhvr>
+                                      <p:to>
+                                        <p:strVal val="visible"/>
+                                      </p:to>
+                                    </p:set>
+                                  </p:childTnLst>
+                                </p:cTn>
+                              </p:par>
+                            </p:childTnLst>
+                          </p:cTn>
+                        </p:par>
+                      </p:childTnLst>
+                    </p:cTn>
+                  </p:par>
+                </p:childTnLst>
+              </p:cTn>
+              <p:prevCondLst>
+                <p:cond evt="onPrev" delay="0">
+                  <p:tgtEl>
+                    <p:sldTgt/>
+                  </p:tgtEl>
+                </p:cond>
+              </p:prevCondLst>
+              <p:nextCondLst>
+                <p:cond evt="onNext" delay="0">
+                  <p:tgtEl>
+                    <p:sldTgt/>
+                  </p:tgtEl>
+                </p:cond>
+              </p:nextCondLst>
+            </p:seq>
+          </p:childTnLst>
+        </p:cTn>
+      </p:par>
+    </p:tnLst>
+    <p:bldLst>
+      <p:bldP spid="2" grpId="0" uiExpand="1" build="p"/>
+    </p:bldLst>
+  </p:timing>
 </p:sld>
 </file>
 
@@ -38763,7 +44058,7 @@
           <a:p>
             <a:r>
               <a:rPr lang="de-DE" altLang="de-DE" sz="1100" dirty="0"/>
-              <a:t>Auch indirekte Rekursion möglich</a:t>
+              <a:t>Auch indirekte Rekursion möglich, indem 2+ Funktionen sich gegenseitig aufrufen</a:t>
             </a:r>
           </a:p>
         </p:txBody>
@@ -39549,6 +44844,52 @@
           </a:prstGeom>
         </p:spPr>
       </p:pic>
+      <p:sp>
+        <p:nvSpPr>
+          <p:cNvPr id="4" name="TextBox 3">
+            <a:extLst>
+              <a:ext uri="{FF2B5EF4-FFF2-40B4-BE49-F238E27FC236}">
+                <a16:creationId xmlns:a16="http://schemas.microsoft.com/office/drawing/2014/main" id="{B770F674-EE41-18AF-0A15-8C48C8919B03}"/>
+              </a:ext>
+            </a:extLst>
+          </p:cNvPr>
+          <p:cNvSpPr txBox="1"/>
+          <p:nvPr/>
+        </p:nvSpPr>
+        <p:spPr bwMode="gray">
+          <a:xfrm>
+            <a:off x="2675106" y="5019472"/>
+            <a:ext cx="0" cy="0"/>
+          </a:xfrm>
+          <a:prstGeom prst="rect">
+            <a:avLst/>
+          </a:prstGeom>
+          <a:noFill/>
+        </p:spPr>
+        <p:txBody>
+          <a:bodyPr wrap="none" lIns="0" tIns="0" rIns="0" bIns="0" rtlCol="0">
+            <a:noAutofit/>
+          </a:bodyPr>
+          <a:lstStyle/>
+          <a:p>
+            <a:pPr marL="182563" indent="-182563">
+              <a:spcBef>
+                <a:spcPts val="300"/>
+              </a:spcBef>
+              <a:spcAft>
+                <a:spcPts val="300"/>
+              </a:spcAft>
+              <a:buClr>
+                <a:schemeClr val="accent1"/>
+              </a:buClr>
+              <a:buSzPct val="90000"/>
+              <a:buFont typeface="Arial" panose="020B0604020202020204" pitchFamily="34" charset="0"/>
+              <a:buChar char="■"/>
+            </a:pPr>
+            <a:endParaRPr lang="en-DE" sz="1200" dirty="0" err="1"/>
+          </a:p>
+        </p:txBody>
+      </p:sp>
     </p:spTree>
     <p:extLst>
       <p:ext uri="{BB962C8B-B14F-4D97-AF65-F5344CB8AC3E}">
@@ -39574,6 +44915,9 @@
                     <p:cTn id="3" fill="hold">
                       <p:stCondLst>
                         <p:cond delay="indefinite"/>
+                        <p:cond evt="onBegin" delay="0">
+                          <p:tn val="2"/>
+                        </p:cond>
                       </p:stCondLst>
                       <p:childTnLst>
                         <p:par>
@@ -39583,7 +44927,7 @@
                             </p:stCondLst>
                             <p:childTnLst>
                               <p:par>
-                                <p:cTn id="5" presetID="1" presetClass="entr" presetSubtype="0" fill="hold" nodeType="clickEffect">
+                                <p:cTn id="5" presetID="1" presetClass="entr" presetSubtype="0" fill="hold" nodeType="withEffect">
                                   <p:stCondLst>
                                     <p:cond delay="0"/>
                                   </p:stCondLst>
@@ -39849,15 +45193,33 @@
                                   </p:childTnLst>
                                 </p:cTn>
                               </p:par>
+                            </p:childTnLst>
+                          </p:cTn>
+                        </p:par>
+                      </p:childTnLst>
+                    </p:cTn>
+                  </p:par>
+                  <p:par>
+                    <p:cTn id="25" fill="hold">
+                      <p:stCondLst>
+                        <p:cond delay="indefinite"/>
+                      </p:stCondLst>
+                      <p:childTnLst>
+                        <p:par>
+                          <p:cTn id="26" fill="hold">
+                            <p:stCondLst>
+                              <p:cond delay="0"/>
+                            </p:stCondLst>
+                            <p:childTnLst>
                               <p:par>
-                                <p:cTn id="25" presetID="1" presetClass="entr" presetSubtype="0" fill="hold" grpId="0" nodeType="withEffect">
+                                <p:cTn id="27" presetID="1" presetClass="entr" presetSubtype="0" fill="hold" grpId="0" nodeType="clickEffect">
                                   <p:stCondLst>
                                     <p:cond delay="0"/>
                                   </p:stCondLst>
                                   <p:childTnLst>
                                     <p:set>
                                       <p:cBhvr>
-                                        <p:cTn id="26" dur="1" fill="hold">
+                                        <p:cTn id="28" dur="1" fill="hold">
                                           <p:stCondLst>
                                             <p:cond delay="0"/>
                                           </p:stCondLst>
@@ -39881,14 +45243,14 @@
                                 </p:cTn>
                               </p:par>
                               <p:par>
-                                <p:cTn id="27" presetID="1" presetClass="entr" presetSubtype="0" fill="hold" grpId="0" nodeType="withEffect">
+                                <p:cTn id="29" presetID="1" presetClass="entr" presetSubtype="0" fill="hold" grpId="0" nodeType="withEffect">
                                   <p:stCondLst>
                                     <p:cond delay="0"/>
                                   </p:stCondLst>
                                   <p:childTnLst>
                                     <p:set>
                                       <p:cBhvr>
-                                        <p:cTn id="28" dur="1" fill="hold">
+                                        <p:cTn id="30" dur="1" fill="hold">
                                           <p:stCondLst>
                                             <p:cond delay="0"/>
                                           </p:stCondLst>
@@ -39918,26 +45280,26 @@
                     </p:cTn>
                   </p:par>
                   <p:par>
-                    <p:cTn id="29" fill="hold">
+                    <p:cTn id="31" fill="hold">
                       <p:stCondLst>
                         <p:cond delay="indefinite"/>
                       </p:stCondLst>
                       <p:childTnLst>
                         <p:par>
-                          <p:cTn id="30" fill="hold">
+                          <p:cTn id="32" fill="hold">
                             <p:stCondLst>
                               <p:cond delay="0"/>
                             </p:stCondLst>
                             <p:childTnLst>
                               <p:par>
-                                <p:cTn id="31" presetID="1" presetClass="entr" presetSubtype="0" fill="hold" grpId="0" nodeType="clickEffect">
+                                <p:cTn id="33" presetID="1" presetClass="entr" presetSubtype="0" fill="hold" grpId="0" nodeType="clickEffect">
                                   <p:stCondLst>
                                     <p:cond delay="0"/>
                                   </p:stCondLst>
                                   <p:childTnLst>
                                     <p:set>
                                       <p:cBhvr>
-                                        <p:cTn id="32" dur="1" fill="hold">
+                                        <p:cTn id="34" dur="1" fill="hold">
                                           <p:stCondLst>
                                             <p:cond delay="0"/>
                                           </p:stCondLst>
@@ -39967,26 +45329,26 @@
                     </p:cTn>
                   </p:par>
                   <p:par>
-                    <p:cTn id="33" fill="hold">
+                    <p:cTn id="35" fill="hold">
                       <p:stCondLst>
                         <p:cond delay="indefinite"/>
                       </p:stCondLst>
                       <p:childTnLst>
                         <p:par>
-                          <p:cTn id="34" fill="hold">
+                          <p:cTn id="36" fill="hold">
                             <p:stCondLst>
                               <p:cond delay="0"/>
                             </p:stCondLst>
                             <p:childTnLst>
                               <p:par>
-                                <p:cTn id="35" presetID="1" presetClass="entr" presetSubtype="0" fill="hold" grpId="0" nodeType="clickEffect">
+                                <p:cTn id="37" presetID="1" presetClass="entr" presetSubtype="0" fill="hold" grpId="0" nodeType="clickEffect">
                                   <p:stCondLst>
                                     <p:cond delay="0"/>
                                   </p:stCondLst>
                                   <p:childTnLst>
                                     <p:set>
                                       <p:cBhvr>
-                                        <p:cTn id="36" dur="1" fill="hold">
+                                        <p:cTn id="38" dur="1" fill="hold">
                                           <p:stCondLst>
                                             <p:cond delay="0"/>
                                           </p:stCondLst>
